--- a/20190122-Creer_des_regles_custom_PSScriptAnalyzer/FrPSUG-Creer_vos_regles_customs_PSScriptAnalayzer.pptx
+++ b/20190122-Creer_des_regles_custom_PSScriptAnalyzer/FrPSUG-Creer_vos_regles_customs_PSScriptAnalayzer.pptx
@@ -5,15 +5,18 @@
     <p:sldMasterId id="2147483761" r:id="rId1"/>
   </p:sldMasterIdLst>
   <p:notesMasterIdLst>
-    <p:notesMasterId r:id="rId8"/>
+    <p:notesMasterId r:id="rId11"/>
   </p:notesMasterIdLst>
   <p:sldIdLst>
-    <p:sldId id="257" r:id="rId2"/>
+    <p:sldId id="271" r:id="rId2"/>
     <p:sldId id="260" r:id="rId3"/>
-    <p:sldId id="267" r:id="rId4"/>
-    <p:sldId id="262" r:id="rId5"/>
-    <p:sldId id="259" r:id="rId6"/>
-    <p:sldId id="265" r:id="rId7"/>
+    <p:sldId id="274" r:id="rId4"/>
+    <p:sldId id="267" r:id="rId5"/>
+    <p:sldId id="262" r:id="rId6"/>
+    <p:sldId id="273" r:id="rId7"/>
+    <p:sldId id="269" r:id="rId8"/>
+    <p:sldId id="275" r:id="rId9"/>
+    <p:sldId id="276" r:id="rId10"/>
   </p:sldIdLst>
   <p:sldSz cx="12192000" cy="6858000"/>
   <p:notesSz cx="6858000" cy="9144000"/>
@@ -123,7 +126,7 @@
 <file path=ppt/revisionInfo.xml><?xml version="1.0" encoding="utf-8"?>
 <p1510:revInfo xmlns:a="http://schemas.openxmlformats.org/drawingml/2006/main" xmlns:r="http://schemas.openxmlformats.org/officeDocument/2006/relationships" xmlns:p1510="http://schemas.microsoft.com/office/powerpoint/2015/10/main">
   <p1510:revLst>
-    <p1510:client id="{83C6BDEE-1A75-4B6B-932F-B33569052E57}" v="11" dt="2019-01-22T01:27:53.275"/>
+    <p1510:client id="{83C6BDEE-1A75-4B6B-932F-B33569052E57}" v="54" dt="2019-01-22T17:13:02.083"/>
   </p1510:revLst>
 </p1510:revInfo>
 </file>
@@ -135,134 +138,361 @@
   </pc:docChgLst>
   <pc:docChgLst>
     <pc:chgData name="Francois-Xavier Cat" userId="60886de0176e604a" providerId="LiveId" clId="{83C6BDEE-1A75-4B6B-932F-B33569052E57}"/>
-    <pc:docChg chg="undo custSel addSld delSld modSld">
-      <pc:chgData name="Francois-Xavier Cat" userId="60886de0176e604a" providerId="LiveId" clId="{83C6BDEE-1A75-4B6B-932F-B33569052E57}" dt="2019-01-22T01:28:57.266" v="95" actId="6549"/>
+    <pc:docChg chg="undo custSel mod addSld delSld modSld sldOrd">
+      <pc:chgData name="Francois-Xavier Cat" userId="60886de0176e604a" providerId="LiveId" clId="{83C6BDEE-1A75-4B6B-932F-B33569052E57}" dt="2019-02-14T23:27:06.771" v="3949" actId="6549"/>
       <pc:docMkLst>
         <pc:docMk/>
       </pc:docMkLst>
-      <pc:sldChg chg="addSp delSp modSp">
-        <pc:chgData name="Francois-Xavier Cat" userId="60886de0176e604a" providerId="LiveId" clId="{83C6BDEE-1A75-4B6B-932F-B33569052E57}" dt="2019-01-22T01:25:36.113" v="48" actId="1076"/>
-        <pc:sldMkLst>
-          <pc:docMk/>
-          <pc:sldMk cId="0" sldId="257"/>
-        </pc:sldMkLst>
-        <pc:spChg chg="mod">
-          <ac:chgData name="Francois-Xavier Cat" userId="60886de0176e604a" providerId="LiveId" clId="{83C6BDEE-1A75-4B6B-932F-B33569052E57}" dt="2019-01-22T01:24:36.116" v="5" actId="207"/>
-          <ac:spMkLst>
-            <pc:docMk/>
-            <pc:sldMk cId="0" sldId="257"/>
-            <ac:spMk id="3" creationId="{BAE8C1E2-6F3D-421E-AEEC-58E177C5B153}"/>
-          </ac:spMkLst>
-        </pc:spChg>
-        <pc:spChg chg="topLvl">
-          <ac:chgData name="Francois-Xavier Cat" userId="60886de0176e604a" providerId="LiveId" clId="{83C6BDEE-1A75-4B6B-932F-B33569052E57}" dt="2019-01-22T01:24:19.382" v="0" actId="478"/>
-          <ac:spMkLst>
-            <pc:docMk/>
-            <pc:sldMk cId="0" sldId="257"/>
-            <ac:spMk id="5" creationId="{E7C57C76-FEE2-4D0D-9ACC-F07BE4357B8F}"/>
-          </ac:spMkLst>
-        </pc:spChg>
-        <pc:spChg chg="add del topLvl">
-          <ac:chgData name="Francois-Xavier Cat" userId="60886de0176e604a" providerId="LiveId" clId="{83C6BDEE-1A75-4B6B-932F-B33569052E57}" dt="2019-01-22T01:24:21.640" v="1" actId="478"/>
-          <ac:spMkLst>
-            <pc:docMk/>
-            <pc:sldMk cId="0" sldId="257"/>
-            <ac:spMk id="6" creationId="{74D37B5B-21D1-4727-A136-420A467C8C54}"/>
-          </ac:spMkLst>
-        </pc:spChg>
-        <pc:spChg chg="mod">
-          <ac:chgData name="Francois-Xavier Cat" userId="60886de0176e604a" providerId="LiveId" clId="{83C6BDEE-1A75-4B6B-932F-B33569052E57}" dt="2019-01-22T01:24:51.016" v="19" actId="20577"/>
-          <ac:spMkLst>
-            <pc:docMk/>
-            <pc:sldMk cId="0" sldId="257"/>
-            <ac:spMk id="7" creationId="{994BE803-BA89-437A-837B-54D471A0A161}"/>
-          </ac:spMkLst>
-        </pc:spChg>
-        <pc:spChg chg="mod">
-          <ac:chgData name="Francois-Xavier Cat" userId="60886de0176e604a" providerId="LiveId" clId="{83C6BDEE-1A75-4B6B-932F-B33569052E57}" dt="2019-01-22T01:25:36.113" v="48" actId="1076"/>
-          <ac:spMkLst>
-            <pc:docMk/>
-            <pc:sldMk cId="0" sldId="257"/>
-            <ac:spMk id="9" creationId="{3212C9BB-199F-4370-9EE3-08ACB2FC949D}"/>
-          </ac:spMkLst>
-        </pc:spChg>
-        <pc:spChg chg="del mod">
-          <ac:chgData name="Francois-Xavier Cat" userId="60886de0176e604a" providerId="LiveId" clId="{83C6BDEE-1A75-4B6B-932F-B33569052E57}" dt="2019-01-22T01:25:06.870" v="26" actId="478"/>
-          <ac:spMkLst>
-            <pc:docMk/>
-            <pc:sldMk cId="0" sldId="257"/>
-            <ac:spMk id="11" creationId="{B2A12BA0-5118-4CA2-97AA-BCB16D8AE244}"/>
-          </ac:spMkLst>
-        </pc:spChg>
-        <pc:grpChg chg="add del">
-          <ac:chgData name="Francois-Xavier Cat" userId="60886de0176e604a" providerId="LiveId" clId="{83C6BDEE-1A75-4B6B-932F-B33569052E57}" dt="2019-01-22T01:24:25.357" v="2" actId="478"/>
-          <ac:grpSpMkLst>
-            <pc:docMk/>
-            <pc:sldMk cId="0" sldId="257"/>
-            <ac:grpSpMk id="12" creationId="{74B97927-8191-4618-A1A1-084856254492}"/>
-          </ac:grpSpMkLst>
-        </pc:grpChg>
-        <pc:picChg chg="del">
-          <ac:chgData name="Francois-Xavier Cat" userId="60886de0176e604a" providerId="LiveId" clId="{83C6BDEE-1A75-4B6B-932F-B33569052E57}" dt="2019-01-22T01:24:27.215" v="3" actId="478"/>
-          <ac:picMkLst>
-            <pc:docMk/>
-            <pc:sldMk cId="0" sldId="257"/>
-            <ac:picMk id="2" creationId="{965C7303-B529-4F73-8F11-AF8B177FF414}"/>
-          </ac:picMkLst>
-        </pc:picChg>
-        <pc:picChg chg="mod">
-          <ac:chgData name="Francois-Xavier Cat" userId="60886de0176e604a" providerId="LiveId" clId="{83C6BDEE-1A75-4B6B-932F-B33569052E57}" dt="2019-01-22T01:24:36.116" v="5" actId="207"/>
-          <ac:picMkLst>
-            <pc:docMk/>
-            <pc:sldMk cId="0" sldId="257"/>
-            <ac:picMk id="8" creationId="{DF793054-1F26-4809-8ECB-A7D7BBD80D49}"/>
-          </ac:picMkLst>
-        </pc:picChg>
-        <pc:cxnChg chg="del">
-          <ac:chgData name="Francois-Xavier Cat" userId="60886de0176e604a" providerId="LiveId" clId="{83C6BDEE-1A75-4B6B-932F-B33569052E57}" dt="2019-01-22T01:24:29.952" v="4" actId="478"/>
-          <ac:cxnSpMkLst>
-            <pc:docMk/>
-            <pc:sldMk cId="0" sldId="257"/>
-            <ac:cxnSpMk id="4" creationId="{36261001-9963-4210-A8AA-5B1689F511EE}"/>
-          </ac:cxnSpMkLst>
-        </pc:cxnChg>
-      </pc:sldChg>
-      <pc:sldChg chg="del">
-        <pc:chgData name="Francois-Xavier Cat" userId="60886de0176e604a" providerId="LiveId" clId="{83C6BDEE-1A75-4B6B-932F-B33569052E57}" dt="2019-01-22T01:28:12.210" v="51" actId="2696"/>
-        <pc:sldMkLst>
-          <pc:docMk/>
-          <pc:sldMk cId="1236621393" sldId="258"/>
-        </pc:sldMkLst>
-      </pc:sldChg>
-      <pc:sldChg chg="modSp">
-        <pc:chgData name="Francois-Xavier Cat" userId="60886de0176e604a" providerId="LiveId" clId="{83C6BDEE-1A75-4B6B-932F-B33569052E57}" dt="2019-01-22T01:28:57.266" v="95" actId="6549"/>
+      <pc:sldChg chg="addSp delSp modSp mod setBg modNotesTx">
+        <pc:chgData name="Francois-Xavier Cat" userId="60886de0176e604a" providerId="LiveId" clId="{83C6BDEE-1A75-4B6B-932F-B33569052E57}" dt="2019-02-14T23:26:49.126" v="3945" actId="6549"/>
         <pc:sldMkLst>
           <pc:docMk/>
           <pc:sldMk cId="2692688028" sldId="260"/>
         </pc:sldMkLst>
-        <pc:spChg chg="mod">
-          <ac:chgData name="Francois-Xavier Cat" userId="60886de0176e604a" providerId="LiveId" clId="{83C6BDEE-1A75-4B6B-932F-B33569052E57}" dt="2019-01-22T01:28:23.658" v="62" actId="20577"/>
+        <pc:spChg chg="del">
+          <ac:chgData name="Francois-Xavier Cat" userId="60886de0176e604a" providerId="LiveId" clId="{83C6BDEE-1A75-4B6B-932F-B33569052E57}" dt="2019-01-22T02:05:51.480" v="146" actId="478"/>
+          <ac:spMkLst>
+            <pc:docMk/>
+            <pc:sldMk cId="2692688028" sldId="260"/>
+            <ac:spMk id="7" creationId="{994BE803-BA89-437A-837B-54D471A0A161}"/>
+          </ac:spMkLst>
+        </pc:spChg>
+        <pc:spChg chg="del mod">
+          <ac:chgData name="Francois-Xavier Cat" userId="60886de0176e604a" providerId="LiveId" clId="{83C6BDEE-1A75-4B6B-932F-B33569052E57}" dt="2019-01-22T05:14:32.434" v="1212" actId="478"/>
           <ac:spMkLst>
             <pc:docMk/>
             <pc:sldMk cId="2692688028" sldId="260"/>
             <ac:spMk id="9" creationId="{3212C9BB-199F-4370-9EE3-08ACB2FC949D}"/>
           </ac:spMkLst>
         </pc:spChg>
-        <pc:spChg chg="mod">
-          <ac:chgData name="Francois-Xavier Cat" userId="60886de0176e604a" providerId="LiveId" clId="{83C6BDEE-1A75-4B6B-932F-B33569052E57}" dt="2019-01-22T01:28:57.266" v="95" actId="6549"/>
+        <pc:spChg chg="mod ord">
+          <ac:chgData name="Francois-Xavier Cat" userId="60886de0176e604a" providerId="LiveId" clId="{83C6BDEE-1A75-4B6B-932F-B33569052E57}" dt="2019-01-22T17:13:31.271" v="3887" actId="20577"/>
           <ac:spMkLst>
             <pc:docMk/>
             <pc:sldMk cId="2692688028" sldId="260"/>
             <ac:spMk id="11" creationId="{B2A12BA0-5118-4CA2-97AA-BCB16D8AE244}"/>
           </ac:spMkLst>
         </pc:spChg>
+        <pc:spChg chg="add mod">
+          <ac:chgData name="Francois-Xavier Cat" userId="60886de0176e604a" providerId="LiveId" clId="{83C6BDEE-1A75-4B6B-932F-B33569052E57}" dt="2019-01-22T05:14:36.745" v="1219" actId="20577"/>
+          <ac:spMkLst>
+            <pc:docMk/>
+            <pc:sldMk cId="2692688028" sldId="260"/>
+            <ac:spMk id="15" creationId="{7A1656E8-BE9C-48DD-B765-0A13C063D34B}"/>
+          </ac:spMkLst>
+        </pc:spChg>
+        <pc:spChg chg="add del">
+          <ac:chgData name="Francois-Xavier Cat" userId="60886de0176e604a" providerId="LiveId" clId="{83C6BDEE-1A75-4B6B-932F-B33569052E57}" dt="2019-01-22T05:10:02.040" v="698" actId="26606"/>
+          <ac:spMkLst>
+            <pc:docMk/>
+            <pc:sldMk cId="2692688028" sldId="260"/>
+            <ac:spMk id="18" creationId="{601DBFE7-59F3-41F8-BC4E-83FB08639B9C}"/>
+          </ac:spMkLst>
+        </pc:spChg>
+        <pc:spChg chg="add del">
+          <ac:chgData name="Francois-Xavier Cat" userId="60886de0176e604a" providerId="LiveId" clId="{83C6BDEE-1A75-4B6B-932F-B33569052E57}" dt="2019-01-22T05:10:02.040" v="698" actId="26606"/>
+          <ac:spMkLst>
+            <pc:docMk/>
+            <pc:sldMk cId="2692688028" sldId="260"/>
+            <ac:spMk id="24" creationId="{AB636136-2572-47F5-B45E-4AE6AD8673D3}"/>
+          </ac:spMkLst>
+        </pc:spChg>
+        <pc:picChg chg="ord">
+          <ac:chgData name="Francois-Xavier Cat" userId="60886de0176e604a" providerId="LiveId" clId="{83C6BDEE-1A75-4B6B-932F-B33569052E57}" dt="2019-01-22T05:10:02.040" v="698" actId="26606"/>
+          <ac:picMkLst>
+            <pc:docMk/>
+            <pc:sldMk cId="2692688028" sldId="260"/>
+            <ac:picMk id="8" creationId="{DF793054-1F26-4809-8ECB-A7D7BBD80D49}"/>
+          </ac:picMkLst>
+        </pc:picChg>
+        <pc:picChg chg="add mod ord">
+          <ac:chgData name="Francois-Xavier Cat" userId="60886de0176e604a" providerId="LiveId" clId="{83C6BDEE-1A75-4B6B-932F-B33569052E57}" dt="2019-01-22T05:10:02.040" v="698" actId="26606"/>
+          <ac:picMkLst>
+            <pc:docMk/>
+            <pc:sldMk cId="2692688028" sldId="260"/>
+            <ac:picMk id="10" creationId="{9899382D-1294-49B6-B60F-BDE6A306B9D9}"/>
+          </ac:picMkLst>
+        </pc:picChg>
+        <pc:picChg chg="add mod ord">
+          <ac:chgData name="Francois-Xavier Cat" userId="60886de0176e604a" providerId="LiveId" clId="{83C6BDEE-1A75-4B6B-932F-B33569052E57}" dt="2019-01-22T05:10:02.040" v="698" actId="26606"/>
+          <ac:picMkLst>
+            <pc:docMk/>
+            <pc:sldMk cId="2692688028" sldId="260"/>
+            <ac:picMk id="12" creationId="{2986D0BA-00E6-4077-9F19-EA54075E0F2F}"/>
+          </ac:picMkLst>
+        </pc:picChg>
+        <pc:picChg chg="add mod">
+          <ac:chgData name="Francois-Xavier Cat" userId="60886de0176e604a" providerId="LiveId" clId="{83C6BDEE-1A75-4B6B-932F-B33569052E57}" dt="2019-01-22T05:10:02.040" v="698" actId="26606"/>
+          <ac:picMkLst>
+            <pc:docMk/>
+            <pc:sldMk cId="2692688028" sldId="260"/>
+            <ac:picMk id="13" creationId="{6F3C3C12-0728-44BD-9412-CFB07C2BEBBA}"/>
+          </ac:picMkLst>
+        </pc:picChg>
+        <pc:picChg chg="add del mod">
+          <ac:chgData name="Francois-Xavier Cat" userId="60886de0176e604a" providerId="LiveId" clId="{83C6BDEE-1A75-4B6B-932F-B33569052E57}" dt="2019-01-22T05:06:23.750" v="404"/>
+          <ac:picMkLst>
+            <pc:docMk/>
+            <pc:sldMk cId="2692688028" sldId="260"/>
+            <ac:picMk id="1026" creationId="{AA56EB77-5FE5-4C87-99DC-1F7F6C080F72}"/>
+          </ac:picMkLst>
+        </pc:picChg>
+        <pc:picChg chg="add del mod">
+          <ac:chgData name="Francois-Xavier Cat" userId="60886de0176e604a" providerId="LiveId" clId="{83C6BDEE-1A75-4B6B-932F-B33569052E57}" dt="2019-01-22T05:06:23.750" v="404"/>
+          <ac:picMkLst>
+            <pc:docMk/>
+            <pc:sldMk cId="2692688028" sldId="260"/>
+            <ac:picMk id="1028" creationId="{B2308DAC-EC26-400B-8758-7BEDA9C0F6C7}"/>
+          </ac:picMkLst>
+        </pc:picChg>
+        <pc:picChg chg="add del mod">
+          <ac:chgData name="Francois-Xavier Cat" userId="60886de0176e604a" providerId="LiveId" clId="{83C6BDEE-1A75-4B6B-932F-B33569052E57}" dt="2019-01-22T05:06:23.750" v="404"/>
+          <ac:picMkLst>
+            <pc:docMk/>
+            <pc:sldMk cId="2692688028" sldId="260"/>
+            <ac:picMk id="1030" creationId="{E0DFB1E7-E6AD-477A-B34C-B2DDA6E46F88}"/>
+          </ac:picMkLst>
+        </pc:picChg>
+        <pc:cxnChg chg="add del">
+          <ac:chgData name="Francois-Xavier Cat" userId="60886de0176e604a" providerId="LiveId" clId="{83C6BDEE-1A75-4B6B-932F-B33569052E57}" dt="2019-01-22T05:10:02.040" v="698" actId="26606"/>
+          <ac:cxnSpMkLst>
+            <pc:docMk/>
+            <pc:sldMk cId="2692688028" sldId="260"/>
+            <ac:cxnSpMk id="20" creationId="{95AC3254-FB46-4BDF-B7F2-2D039653A36C}"/>
+          </ac:cxnSpMkLst>
+        </pc:cxnChg>
+        <pc:cxnChg chg="add del">
+          <ac:chgData name="Francois-Xavier Cat" userId="60886de0176e604a" providerId="LiveId" clId="{83C6BDEE-1A75-4B6B-932F-B33569052E57}" dt="2019-01-22T05:10:02.040" v="698" actId="26606"/>
+          <ac:cxnSpMkLst>
+            <pc:docMk/>
+            <pc:sldMk cId="2692688028" sldId="260"/>
+            <ac:cxnSpMk id="22" creationId="{DD6280CF-E187-4C89-97A6-CE354B2775D7}"/>
+          </ac:cxnSpMkLst>
+        </pc:cxnChg>
       </pc:sldChg>
-      <pc:sldChg chg="add del">
-        <pc:chgData name="Francois-Xavier Cat" userId="60886de0176e604a" providerId="LiveId" clId="{83C6BDEE-1A75-4B6B-932F-B33569052E57}" dt="2019-01-22T01:28:02.483" v="50" actId="2696"/>
+      <pc:sldChg chg="delSp modSp modNotesTx">
+        <pc:chgData name="Francois-Xavier Cat" userId="60886de0176e604a" providerId="LiveId" clId="{83C6BDEE-1A75-4B6B-932F-B33569052E57}" dt="2019-02-14T23:26:59.651" v="3948" actId="6549"/>
         <pc:sldMkLst>
           <pc:docMk/>
-          <pc:sldMk cId="540305447" sldId="268"/>
+          <pc:sldMk cId="2750594243" sldId="262"/>
         </pc:sldMkLst>
+        <pc:spChg chg="del">
+          <ac:chgData name="Francois-Xavier Cat" userId="60886de0176e604a" providerId="LiveId" clId="{83C6BDEE-1A75-4B6B-932F-B33569052E57}" dt="2019-01-22T02:05:57.338" v="148" actId="478"/>
+          <ac:spMkLst>
+            <pc:docMk/>
+            <pc:sldMk cId="2750594243" sldId="262"/>
+            <ac:spMk id="7" creationId="{994BE803-BA89-437A-837B-54D471A0A161}"/>
+          </ac:spMkLst>
+        </pc:spChg>
+        <pc:spChg chg="mod">
+          <ac:chgData name="Francois-Xavier Cat" userId="60886de0176e604a" providerId="LiveId" clId="{83C6BDEE-1A75-4B6B-932F-B33569052E57}" dt="2019-01-22T05:23:20.615" v="1808" actId="6549"/>
+          <ac:spMkLst>
+            <pc:docMk/>
+            <pc:sldMk cId="2750594243" sldId="262"/>
+            <ac:spMk id="11" creationId="{B2A12BA0-5118-4CA2-97AA-BCB16D8AE244}"/>
+          </ac:spMkLst>
+        </pc:spChg>
+      </pc:sldChg>
+      <pc:sldChg chg="addSp delSp modSp modNotesTx">
+        <pc:chgData name="Francois-Xavier Cat" userId="60886de0176e604a" providerId="LiveId" clId="{83C6BDEE-1A75-4B6B-932F-B33569052E57}" dt="2019-02-14T23:26:54.810" v="3947" actId="6549"/>
+        <pc:sldMkLst>
+          <pc:docMk/>
+          <pc:sldMk cId="1770106738" sldId="267"/>
+        </pc:sldMkLst>
+        <pc:spChg chg="add mod">
+          <ac:chgData name="Francois-Xavier Cat" userId="60886de0176e604a" providerId="LiveId" clId="{83C6BDEE-1A75-4B6B-932F-B33569052E57}" dt="2019-01-22T05:16:56.541" v="1465" actId="1076"/>
+          <ac:spMkLst>
+            <pc:docMk/>
+            <pc:sldMk cId="1770106738" sldId="267"/>
+            <ac:spMk id="2" creationId="{D4417182-69A7-4C9A-854E-3140FECF9EC7}"/>
+          </ac:spMkLst>
+        </pc:spChg>
+        <pc:spChg chg="del">
+          <ac:chgData name="Francois-Xavier Cat" userId="60886de0176e604a" providerId="LiveId" clId="{83C6BDEE-1A75-4B6B-932F-B33569052E57}" dt="2019-01-22T02:05:54.542" v="147" actId="478"/>
+          <ac:spMkLst>
+            <pc:docMk/>
+            <pc:sldMk cId="1770106738" sldId="267"/>
+            <ac:spMk id="7" creationId="{994BE803-BA89-437A-837B-54D471A0A161}"/>
+          </ac:spMkLst>
+        </pc:spChg>
+        <pc:spChg chg="mod">
+          <ac:chgData name="Francois-Xavier Cat" userId="60886de0176e604a" providerId="LiveId" clId="{83C6BDEE-1A75-4B6B-932F-B33569052E57}" dt="2019-01-22T05:16:36.331" v="1461" actId="20577"/>
+          <ac:spMkLst>
+            <pc:docMk/>
+            <pc:sldMk cId="1770106738" sldId="267"/>
+            <ac:spMk id="11" creationId="{B2A12BA0-5118-4CA2-97AA-BCB16D8AE244}"/>
+          </ac:spMkLst>
+        </pc:spChg>
+      </pc:sldChg>
+      <pc:sldChg chg="addSp delSp modSp add del mod setBg setClrOvrMap modNotesTx">
+        <pc:chgData name="Francois-Xavier Cat" userId="60886de0176e604a" providerId="LiveId" clId="{83C6BDEE-1A75-4B6B-932F-B33569052E57}" dt="2019-02-14T23:27:06.771" v="3949" actId="6549"/>
+        <pc:sldMkLst>
+          <pc:docMk/>
+          <pc:sldMk cId="2671445948" sldId="269"/>
+        </pc:sldMkLst>
+        <pc:spChg chg="del">
+          <ac:chgData name="Francois-Xavier Cat" userId="60886de0176e604a" providerId="LiveId" clId="{83C6BDEE-1A75-4B6B-932F-B33569052E57}" dt="2019-01-22T02:03:09.624" v="105" actId="478"/>
+          <ac:spMkLst>
+            <pc:docMk/>
+            <pc:sldMk cId="2671445948" sldId="269"/>
+            <ac:spMk id="2" creationId="{E97A30FA-EF9D-46B5-8E29-4985C7F114B3}"/>
+          </ac:spMkLst>
+        </pc:spChg>
+        <pc:spChg chg="mod">
+          <ac:chgData name="Francois-Xavier Cat" userId="60886de0176e604a" providerId="LiveId" clId="{83C6BDEE-1A75-4B6B-932F-B33569052E57}" dt="2019-01-22T02:04:39.319" v="133" actId="403"/>
+          <ac:spMkLst>
+            <pc:docMk/>
+            <pc:sldMk cId="2671445948" sldId="269"/>
+            <ac:spMk id="3" creationId="{4E45F674-D62E-4D49-93B5-7882550929A6}"/>
+          </ac:spMkLst>
+        </pc:spChg>
+        <pc:spChg chg="add">
+          <ac:chgData name="Francois-Xavier Cat" userId="60886de0176e604a" providerId="LiveId" clId="{83C6BDEE-1A75-4B6B-932F-B33569052E57}" dt="2019-01-22T02:04:31.867" v="123" actId="26606"/>
+          <ac:spMkLst>
+            <pc:docMk/>
+            <pc:sldMk cId="2671445948" sldId="269"/>
+            <ac:spMk id="9" creationId="{86C16C40-7C29-4ACC-B851-7E08E459B596}"/>
+          </ac:spMkLst>
+        </pc:spChg>
+        <pc:grpChg chg="add">
+          <ac:chgData name="Francois-Xavier Cat" userId="60886de0176e604a" providerId="LiveId" clId="{83C6BDEE-1A75-4B6B-932F-B33569052E57}" dt="2019-01-22T02:04:31.867" v="123" actId="26606"/>
+          <ac:grpSpMkLst>
+            <pc:docMk/>
+            <pc:sldMk cId="2671445948" sldId="269"/>
+            <ac:grpSpMk id="11" creationId="{648049AD-9827-49E8-8BF5-32E175C8EA8A}"/>
+          </ac:grpSpMkLst>
+        </pc:grpChg>
+        <pc:picChg chg="add">
+          <ac:chgData name="Francois-Xavier Cat" userId="60886de0176e604a" providerId="LiveId" clId="{83C6BDEE-1A75-4B6B-932F-B33569052E57}" dt="2019-01-22T02:04:22.198" v="122"/>
+          <ac:picMkLst>
+            <pc:docMk/>
+            <pc:sldMk cId="2671445948" sldId="269"/>
+            <ac:picMk id="4" creationId="{93D4CE19-6913-4097-B4CF-769090A90CF6}"/>
+          </ac:picMkLst>
+        </pc:picChg>
+      </pc:sldChg>
+      <pc:sldChg chg="addSp delSp modSp add ord">
+        <pc:chgData name="Francois-Xavier Cat" userId="60886de0176e604a" providerId="LiveId" clId="{83C6BDEE-1A75-4B6B-932F-B33569052E57}" dt="2019-01-22T17:12:53.156" v="3883" actId="1076"/>
+        <pc:sldMkLst>
+          <pc:docMk/>
+          <pc:sldMk cId="1711243966" sldId="271"/>
+        </pc:sldMkLst>
+        <pc:spChg chg="del">
+          <ac:chgData name="Francois-Xavier Cat" userId="60886de0176e604a" providerId="LiveId" clId="{83C6BDEE-1A75-4B6B-932F-B33569052E57}" dt="2019-01-22T02:09:01.900" v="159" actId="478"/>
+          <ac:spMkLst>
+            <pc:docMk/>
+            <pc:sldMk cId="1711243966" sldId="271"/>
+            <ac:spMk id="3" creationId="{4E45F674-D62E-4D49-93B5-7882550929A6}"/>
+          </ac:spMkLst>
+        </pc:spChg>
+        <pc:spChg chg="add del mod">
+          <ac:chgData name="Francois-Xavier Cat" userId="60886de0176e604a" providerId="LiveId" clId="{83C6BDEE-1A75-4B6B-932F-B33569052E57}" dt="2019-01-22T02:09:08.539" v="162" actId="478"/>
+          <ac:spMkLst>
+            <pc:docMk/>
+            <pc:sldMk cId="1711243966" sldId="271"/>
+            <ac:spMk id="5" creationId="{173EF9D3-3241-4B4E-AD93-3FC6DEFBB788}"/>
+          </ac:spMkLst>
+        </pc:spChg>
+        <pc:spChg chg="add mod">
+          <ac:chgData name="Francois-Xavier Cat" userId="60886de0176e604a" providerId="LiveId" clId="{83C6BDEE-1A75-4B6B-932F-B33569052E57}" dt="2019-01-22T17:12:53.156" v="3883" actId="1076"/>
+          <ac:spMkLst>
+            <pc:docMk/>
+            <pc:sldMk cId="1711243966" sldId="271"/>
+            <ac:spMk id="22" creationId="{3EE2498C-AD63-48D4-938D-CEE91A2D4D49}"/>
+          </ac:spMkLst>
+        </pc:spChg>
+        <pc:spChg chg="add mod">
+          <ac:chgData name="Francois-Xavier Cat" userId="60886de0176e604a" providerId="LiveId" clId="{83C6BDEE-1A75-4B6B-932F-B33569052E57}" dt="2019-01-22T02:09:40.578" v="171" actId="1076"/>
+          <ac:spMkLst>
+            <pc:docMk/>
+            <pc:sldMk cId="1711243966" sldId="271"/>
+            <ac:spMk id="23" creationId="{2A88661A-47A9-4F62-B997-465D42E2EE74}"/>
+          </ac:spMkLst>
+        </pc:spChg>
+      </pc:sldChg>
+      <pc:sldChg chg="modSp add modNotesTx">
+        <pc:chgData name="Francois-Xavier Cat" userId="60886de0176e604a" providerId="LiveId" clId="{83C6BDEE-1A75-4B6B-932F-B33569052E57}" dt="2019-01-22T16:59:50.875" v="3691" actId="20577"/>
+        <pc:sldMkLst>
+          <pc:docMk/>
+          <pc:sldMk cId="2146898588" sldId="273"/>
+        </pc:sldMkLst>
+        <pc:spChg chg="mod">
+          <ac:chgData name="Francois-Xavier Cat" userId="60886de0176e604a" providerId="LiveId" clId="{83C6BDEE-1A75-4B6B-932F-B33569052E57}" dt="2019-01-22T05:34:46.541" v="3444" actId="20577"/>
+          <ac:spMkLst>
+            <pc:docMk/>
+            <pc:sldMk cId="2146898588" sldId="273"/>
+            <ac:spMk id="9" creationId="{3212C9BB-199F-4370-9EE3-08ACB2FC949D}"/>
+          </ac:spMkLst>
+        </pc:spChg>
+        <pc:spChg chg="mod">
+          <ac:chgData name="Francois-Xavier Cat" userId="60886de0176e604a" providerId="LiveId" clId="{83C6BDEE-1A75-4B6B-932F-B33569052E57}" dt="2019-01-22T16:59:35.213" v="3690" actId="20577"/>
+          <ac:spMkLst>
+            <pc:docMk/>
+            <pc:sldMk cId="2146898588" sldId="273"/>
+            <ac:spMk id="11" creationId="{B2A12BA0-5118-4CA2-97AA-BCB16D8AE244}"/>
+          </ac:spMkLst>
+        </pc:spChg>
+      </pc:sldChg>
+      <pc:sldChg chg="addSp modSp add modNotesTx">
+        <pc:chgData name="Francois-Xavier Cat" userId="60886de0176e604a" providerId="LiveId" clId="{83C6BDEE-1A75-4B6B-932F-B33569052E57}" dt="2019-02-14T23:26:52.123" v="3946" actId="6549"/>
+        <pc:sldMkLst>
+          <pc:docMk/>
+          <pc:sldMk cId="853394293" sldId="274"/>
+        </pc:sldMkLst>
+        <pc:spChg chg="mod">
+          <ac:chgData name="Francois-Xavier Cat" userId="60886de0176e604a" providerId="LiveId" clId="{83C6BDEE-1A75-4B6B-932F-B33569052E57}" dt="2019-01-22T05:14:22.353" v="1210" actId="20577"/>
+          <ac:spMkLst>
+            <pc:docMk/>
+            <pc:sldMk cId="853394293" sldId="274"/>
+            <ac:spMk id="2" creationId="{45C07898-47AA-48BA-94C8-EE7F4E96AE76}"/>
+          </ac:spMkLst>
+        </pc:spChg>
+        <pc:spChg chg="mod">
+          <ac:chgData name="Francois-Xavier Cat" userId="60886de0176e604a" providerId="LiveId" clId="{83C6BDEE-1A75-4B6B-932F-B33569052E57}" dt="2019-01-22T05:15:24.463" v="1315" actId="20577"/>
+          <ac:spMkLst>
+            <pc:docMk/>
+            <pc:sldMk cId="853394293" sldId="274"/>
+            <ac:spMk id="3" creationId="{EEF7D76D-25E1-44AB-8BC5-5CEB4DD23FEC}"/>
+          </ac:spMkLst>
+        </pc:spChg>
+        <pc:picChg chg="add">
+          <ac:chgData name="Francois-Xavier Cat" userId="60886de0176e604a" providerId="LiveId" clId="{83C6BDEE-1A75-4B6B-932F-B33569052E57}" dt="2019-01-22T17:13:02.082" v="3884"/>
+          <ac:picMkLst>
+            <pc:docMk/>
+            <pc:sldMk cId="853394293" sldId="274"/>
+            <ac:picMk id="4" creationId="{FDE5D9E7-2F31-43D9-9B4D-65E5E82D58A4}"/>
+          </ac:picMkLst>
+        </pc:picChg>
+      </pc:sldChg>
+      <pc:sldChg chg="modSp add">
+        <pc:chgData name="Francois-Xavier Cat" userId="60886de0176e604a" providerId="LiveId" clId="{83C6BDEE-1A75-4B6B-932F-B33569052E57}" dt="2019-01-22T05:17:56.318" v="1487" actId="20577"/>
+        <pc:sldMkLst>
+          <pc:docMk/>
+          <pc:sldMk cId="2577657830" sldId="275"/>
+        </pc:sldMkLst>
+        <pc:spChg chg="mod">
+          <ac:chgData name="Francois-Xavier Cat" userId="60886de0176e604a" providerId="LiveId" clId="{83C6BDEE-1A75-4B6B-932F-B33569052E57}" dt="2019-01-22T05:17:56.318" v="1487" actId="20577"/>
+          <ac:spMkLst>
+            <pc:docMk/>
+            <pc:sldMk cId="2577657830" sldId="275"/>
+            <ac:spMk id="3" creationId="{4E45F674-D62E-4D49-93B5-7882550929A6}"/>
+          </ac:spMkLst>
+        </pc:spChg>
+      </pc:sldChg>
+      <pc:sldChg chg="modSp add">
+        <pc:chgData name="Francois-Xavier Cat" userId="60886de0176e604a" providerId="LiveId" clId="{83C6BDEE-1A75-4B6B-932F-B33569052E57}" dt="2019-01-22T05:20:58.931" v="1585" actId="20577"/>
+        <pc:sldMkLst>
+          <pc:docMk/>
+          <pc:sldMk cId="3618554769" sldId="276"/>
+        </pc:sldMkLst>
+        <pc:spChg chg="mod">
+          <ac:chgData name="Francois-Xavier Cat" userId="60886de0176e604a" providerId="LiveId" clId="{83C6BDEE-1A75-4B6B-932F-B33569052E57}" dt="2019-01-22T05:20:58.931" v="1585" actId="20577"/>
+          <ac:spMkLst>
+            <pc:docMk/>
+            <pc:sldMk cId="3618554769" sldId="276"/>
+            <ac:spMk id="3" creationId="{4E45F674-D62E-4D49-93B5-7882550929A6}"/>
+          </ac:spMkLst>
+        </pc:spChg>
       </pc:sldChg>
     </pc:docChg>
   </pc:docChgLst>
@@ -354,7 +584,7 @@
           <a:p>
             <a:fld id="{6E269935-6C4A-41B8-856E-03B9A1D34CC9}" type="datetimeFigureOut">
               <a:rPr lang="en-CA" smtClean="0"/>
-              <a:t>2019-01-21</a:t>
+              <a:t>2019-02-14</a:t>
             </a:fld>
             <a:endParaRPr lang="en-CA"/>
           </a:p>
@@ -677,7 +907,259 @@
             <a:spLocks noGrp="1"/>
           </p:cNvSpPr>
           <p:nvPr>
-            <p:ph type="sldNum" sz="quarter" idx="10"/>
+            <p:ph type="sldNum" sz="quarter" idx="5"/>
+          </p:nvPr>
+        </p:nvSpPr>
+        <p:spPr/>
+        <p:txBody>
+          <a:bodyPr/>
+          <a:lstStyle/>
+          <a:p>
+            <a:fld id="{9B9E0B71-8432-4993-A328-60990DEF3EAA}" type="slidenum">
+              <a:rPr lang="en-CA" smtClean="0"/>
+              <a:t>1</a:t>
+            </a:fld>
+            <a:endParaRPr lang="en-CA"/>
+          </a:p>
+        </p:txBody>
+      </p:sp>
+    </p:spTree>
+    <p:extLst>
+      <p:ext uri="{BB962C8B-B14F-4D97-AF65-F5344CB8AC3E}">
+        <p14:creationId xmlns:p14="http://schemas.microsoft.com/office/powerpoint/2010/main" val="1168197771"/>
+      </p:ext>
+    </p:extLst>
+  </p:cSld>
+  <p:clrMapOvr>
+    <a:masterClrMapping/>
+  </p:clrMapOvr>
+</p:notes>
+</file>
+
+<file path=ppt/notesSlides/notesSlide2.xml><?xml version="1.0" encoding="utf-8"?>
+<p:notes xmlns:a="http://schemas.openxmlformats.org/drawingml/2006/main" xmlns:r="http://schemas.openxmlformats.org/officeDocument/2006/relationships" xmlns:p="http://schemas.openxmlformats.org/presentationml/2006/main">
+  <p:cSld>
+    <p:spTree>
+      <p:nvGrpSpPr>
+        <p:cNvPr id="1" name=""/>
+        <p:cNvGrpSpPr/>
+        <p:nvPr/>
+      </p:nvGrpSpPr>
+      <p:grpSpPr>
+        <a:xfrm>
+          <a:off x="0" y="0"/>
+          <a:ext cx="0" cy="0"/>
+          <a:chOff x="0" y="0"/>
+          <a:chExt cx="0" cy="0"/>
+        </a:xfrm>
+      </p:grpSpPr>
+      <p:sp>
+        <p:nvSpPr>
+          <p:cNvPr id="2" name="Slide Image Placeholder 1"/>
+          <p:cNvSpPr>
+            <a:spLocks noGrp="1" noRot="1" noChangeAspect="1"/>
+          </p:cNvSpPr>
+          <p:nvPr>
+            <p:ph type="sldImg"/>
+          </p:nvPr>
+        </p:nvSpPr>
+        <p:spPr/>
+      </p:sp>
+      <p:sp>
+        <p:nvSpPr>
+          <p:cNvPr id="3" name="Notes Placeholder 2"/>
+          <p:cNvSpPr>
+            <a:spLocks noGrp="1"/>
+          </p:cNvSpPr>
+          <p:nvPr>
+            <p:ph type="body" idx="1"/>
+          </p:nvPr>
+        </p:nvSpPr>
+        <p:spPr/>
+        <p:txBody>
+          <a:bodyPr/>
+          <a:lstStyle/>
+          <a:p>
+            <a:endParaRPr lang="en-CA" dirty="0"/>
+          </a:p>
+        </p:txBody>
+      </p:sp>
+      <p:sp>
+        <p:nvSpPr>
+          <p:cNvPr id="4" name="Slide Number Placeholder 3"/>
+          <p:cNvSpPr>
+            <a:spLocks noGrp="1"/>
+          </p:cNvSpPr>
+          <p:nvPr>
+            <p:ph type="sldNum" sz="quarter" idx="5"/>
+          </p:nvPr>
+        </p:nvSpPr>
+        <p:spPr/>
+        <p:txBody>
+          <a:bodyPr/>
+          <a:lstStyle/>
+          <a:p>
+            <a:fld id="{9B9E0B71-8432-4993-A328-60990DEF3EAA}" type="slidenum">
+              <a:rPr lang="en-CA" smtClean="0"/>
+              <a:t>2</a:t>
+            </a:fld>
+            <a:endParaRPr lang="en-CA"/>
+          </a:p>
+        </p:txBody>
+      </p:sp>
+    </p:spTree>
+    <p:extLst>
+      <p:ext uri="{BB962C8B-B14F-4D97-AF65-F5344CB8AC3E}">
+        <p14:creationId xmlns:p14="http://schemas.microsoft.com/office/powerpoint/2010/main" val="512009470"/>
+      </p:ext>
+    </p:extLst>
+  </p:cSld>
+  <p:clrMapOvr>
+    <a:masterClrMapping/>
+  </p:clrMapOvr>
+</p:notes>
+</file>
+
+<file path=ppt/notesSlides/notesSlide3.xml><?xml version="1.0" encoding="utf-8"?>
+<p:notes xmlns:a="http://schemas.openxmlformats.org/drawingml/2006/main" xmlns:r="http://schemas.openxmlformats.org/officeDocument/2006/relationships" xmlns:p="http://schemas.openxmlformats.org/presentationml/2006/main">
+  <p:cSld>
+    <p:spTree>
+      <p:nvGrpSpPr>
+        <p:cNvPr id="1" name=""/>
+        <p:cNvGrpSpPr/>
+        <p:nvPr/>
+      </p:nvGrpSpPr>
+      <p:grpSpPr>
+        <a:xfrm>
+          <a:off x="0" y="0"/>
+          <a:ext cx="0" cy="0"/>
+          <a:chOff x="0" y="0"/>
+          <a:chExt cx="0" cy="0"/>
+        </a:xfrm>
+      </p:grpSpPr>
+      <p:sp>
+        <p:nvSpPr>
+          <p:cNvPr id="2" name="Slide Image Placeholder 1"/>
+          <p:cNvSpPr>
+            <a:spLocks noGrp="1" noRot="1" noChangeAspect="1"/>
+          </p:cNvSpPr>
+          <p:nvPr>
+            <p:ph type="sldImg"/>
+          </p:nvPr>
+        </p:nvSpPr>
+        <p:spPr/>
+      </p:sp>
+      <p:sp>
+        <p:nvSpPr>
+          <p:cNvPr id="3" name="Notes Placeholder 2"/>
+          <p:cNvSpPr>
+            <a:spLocks noGrp="1"/>
+          </p:cNvSpPr>
+          <p:nvPr>
+            <p:ph type="body" idx="1"/>
+          </p:nvPr>
+        </p:nvSpPr>
+        <p:spPr/>
+        <p:txBody>
+          <a:bodyPr/>
+          <a:lstStyle/>
+          <a:p>
+            <a:endParaRPr lang="en-CA" dirty="0"/>
+          </a:p>
+        </p:txBody>
+      </p:sp>
+      <p:sp>
+        <p:nvSpPr>
+          <p:cNvPr id="4" name="Slide Number Placeholder 3"/>
+          <p:cNvSpPr>
+            <a:spLocks noGrp="1"/>
+          </p:cNvSpPr>
+          <p:nvPr>
+            <p:ph type="sldNum" sz="quarter" idx="5"/>
+          </p:nvPr>
+        </p:nvSpPr>
+        <p:spPr/>
+        <p:txBody>
+          <a:bodyPr/>
+          <a:lstStyle/>
+          <a:p>
+            <a:fld id="{9B9E0B71-8432-4993-A328-60990DEF3EAA}" type="slidenum">
+              <a:rPr lang="en-CA" smtClean="0"/>
+              <a:t>3</a:t>
+            </a:fld>
+            <a:endParaRPr lang="en-CA"/>
+          </a:p>
+        </p:txBody>
+      </p:sp>
+    </p:spTree>
+    <p:extLst>
+      <p:ext uri="{BB962C8B-B14F-4D97-AF65-F5344CB8AC3E}">
+        <p14:creationId xmlns:p14="http://schemas.microsoft.com/office/powerpoint/2010/main" val="1308719522"/>
+      </p:ext>
+    </p:extLst>
+  </p:cSld>
+  <p:clrMapOvr>
+    <a:masterClrMapping/>
+  </p:clrMapOvr>
+</p:notes>
+</file>
+
+<file path=ppt/notesSlides/notesSlide4.xml><?xml version="1.0" encoding="utf-8"?>
+<p:notes xmlns:a="http://schemas.openxmlformats.org/drawingml/2006/main" xmlns:r="http://schemas.openxmlformats.org/officeDocument/2006/relationships" xmlns:p="http://schemas.openxmlformats.org/presentationml/2006/main">
+  <p:cSld>
+    <p:spTree>
+      <p:nvGrpSpPr>
+        <p:cNvPr id="1" name=""/>
+        <p:cNvGrpSpPr/>
+        <p:nvPr/>
+      </p:nvGrpSpPr>
+      <p:grpSpPr>
+        <a:xfrm>
+          <a:off x="0" y="0"/>
+          <a:ext cx="0" cy="0"/>
+          <a:chOff x="0" y="0"/>
+          <a:chExt cx="0" cy="0"/>
+        </a:xfrm>
+      </p:grpSpPr>
+      <p:sp>
+        <p:nvSpPr>
+          <p:cNvPr id="2" name="Slide Image Placeholder 1"/>
+          <p:cNvSpPr>
+            <a:spLocks noGrp="1" noRot="1" noChangeAspect="1"/>
+          </p:cNvSpPr>
+          <p:nvPr>
+            <p:ph type="sldImg"/>
+          </p:nvPr>
+        </p:nvSpPr>
+        <p:spPr/>
+      </p:sp>
+      <p:sp>
+        <p:nvSpPr>
+          <p:cNvPr id="3" name="Notes Placeholder 2"/>
+          <p:cNvSpPr>
+            <a:spLocks noGrp="1"/>
+          </p:cNvSpPr>
+          <p:nvPr>
+            <p:ph type="body" idx="1"/>
+          </p:nvPr>
+        </p:nvSpPr>
+        <p:spPr/>
+        <p:txBody>
+          <a:bodyPr/>
+          <a:lstStyle/>
+          <a:p>
+            <a:endParaRPr lang="en-CA" dirty="0"/>
+          </a:p>
+        </p:txBody>
+      </p:sp>
+      <p:sp>
+        <p:nvSpPr>
+          <p:cNvPr id="4" name="Slide Number Placeholder 3"/>
+          <p:cNvSpPr>
+            <a:spLocks noGrp="1"/>
+          </p:cNvSpPr>
+          <p:nvPr>
+            <p:ph type="sldNum" sz="quarter" idx="5"/>
           </p:nvPr>
         </p:nvSpPr>
         <p:spPr/>
@@ -696,7 +1178,427 @@
     </p:spTree>
     <p:extLst>
       <p:ext uri="{BB962C8B-B14F-4D97-AF65-F5344CB8AC3E}">
+        <p14:creationId xmlns:p14="http://schemas.microsoft.com/office/powerpoint/2010/main" val="1756814510"/>
+      </p:ext>
+    </p:extLst>
+  </p:cSld>
+  <p:clrMapOvr>
+    <a:masterClrMapping/>
+  </p:clrMapOvr>
+</p:notes>
+</file>
+
+<file path=ppt/notesSlides/notesSlide5.xml><?xml version="1.0" encoding="utf-8"?>
+<p:notes xmlns:a="http://schemas.openxmlformats.org/drawingml/2006/main" xmlns:r="http://schemas.openxmlformats.org/officeDocument/2006/relationships" xmlns:p="http://schemas.openxmlformats.org/presentationml/2006/main">
+  <p:cSld>
+    <p:spTree>
+      <p:nvGrpSpPr>
+        <p:cNvPr id="1" name=""/>
+        <p:cNvGrpSpPr/>
+        <p:nvPr/>
+      </p:nvGrpSpPr>
+      <p:grpSpPr>
+        <a:xfrm>
+          <a:off x="0" y="0"/>
+          <a:ext cx="0" cy="0"/>
+          <a:chOff x="0" y="0"/>
+          <a:chExt cx="0" cy="0"/>
+        </a:xfrm>
+      </p:grpSpPr>
+      <p:sp>
+        <p:nvSpPr>
+          <p:cNvPr id="2" name="Slide Image Placeholder 1"/>
+          <p:cNvSpPr>
+            <a:spLocks noGrp="1" noRot="1" noChangeAspect="1"/>
+          </p:cNvSpPr>
+          <p:nvPr>
+            <p:ph type="sldImg"/>
+          </p:nvPr>
+        </p:nvSpPr>
+        <p:spPr/>
+      </p:sp>
+      <p:sp>
+        <p:nvSpPr>
+          <p:cNvPr id="3" name="Notes Placeholder 2"/>
+          <p:cNvSpPr>
+            <a:spLocks noGrp="1"/>
+          </p:cNvSpPr>
+          <p:nvPr>
+            <p:ph type="body" idx="1"/>
+          </p:nvPr>
+        </p:nvSpPr>
+        <p:spPr/>
+        <p:txBody>
+          <a:bodyPr/>
+          <a:lstStyle/>
+          <a:p>
+            <a:endParaRPr lang="fr-FR" dirty="0"/>
+          </a:p>
+        </p:txBody>
+      </p:sp>
+      <p:sp>
+        <p:nvSpPr>
+          <p:cNvPr id="4" name="Slide Number Placeholder 3"/>
+          <p:cNvSpPr>
+            <a:spLocks noGrp="1"/>
+          </p:cNvSpPr>
+          <p:nvPr>
+            <p:ph type="sldNum" sz="quarter" idx="10"/>
+          </p:nvPr>
+        </p:nvSpPr>
+        <p:spPr/>
+        <p:txBody>
+          <a:bodyPr/>
+          <a:lstStyle/>
+          <a:p>
+            <a:fld id="{9B9E0B71-8432-4993-A328-60990DEF3EAA}" type="slidenum">
+              <a:rPr lang="en-CA" smtClean="0"/>
+              <a:t>5</a:t>
+            </a:fld>
+            <a:endParaRPr lang="en-CA"/>
+          </a:p>
+        </p:txBody>
+      </p:sp>
+    </p:spTree>
+    <p:extLst>
+      <p:ext uri="{BB962C8B-B14F-4D97-AF65-F5344CB8AC3E}">
         <p14:creationId xmlns:p14="http://schemas.microsoft.com/office/powerpoint/2010/main" val="2032476794"/>
+      </p:ext>
+    </p:extLst>
+  </p:cSld>
+  <p:clrMapOvr>
+    <a:masterClrMapping/>
+  </p:clrMapOvr>
+</p:notes>
+</file>
+
+<file path=ppt/notesSlides/notesSlide6.xml><?xml version="1.0" encoding="utf-8"?>
+<p:notes xmlns:a="http://schemas.openxmlformats.org/drawingml/2006/main" xmlns:r="http://schemas.openxmlformats.org/officeDocument/2006/relationships" xmlns:p="http://schemas.openxmlformats.org/presentationml/2006/main">
+  <p:cSld>
+    <p:spTree>
+      <p:nvGrpSpPr>
+        <p:cNvPr id="1" name=""/>
+        <p:cNvGrpSpPr/>
+        <p:nvPr/>
+      </p:nvGrpSpPr>
+      <p:grpSpPr>
+        <a:xfrm>
+          <a:off x="0" y="0"/>
+          <a:ext cx="0" cy="0"/>
+          <a:chOff x="0" y="0"/>
+          <a:chExt cx="0" cy="0"/>
+        </a:xfrm>
+      </p:grpSpPr>
+      <p:sp>
+        <p:nvSpPr>
+          <p:cNvPr id="2" name="Slide Image Placeholder 1"/>
+          <p:cNvSpPr>
+            <a:spLocks noGrp="1" noRot="1" noChangeAspect="1"/>
+          </p:cNvSpPr>
+          <p:nvPr>
+            <p:ph type="sldImg"/>
+          </p:nvPr>
+        </p:nvSpPr>
+        <p:spPr/>
+      </p:sp>
+      <p:sp>
+        <p:nvSpPr>
+          <p:cNvPr id="3" name="Notes Placeholder 2"/>
+          <p:cNvSpPr>
+            <a:spLocks noGrp="1"/>
+          </p:cNvSpPr>
+          <p:nvPr>
+            <p:ph type="body" idx="1"/>
+          </p:nvPr>
+        </p:nvSpPr>
+        <p:spPr/>
+        <p:txBody>
+          <a:bodyPr/>
+          <a:lstStyle/>
+          <a:p>
+            <a:endParaRPr lang="fr-FR" dirty="0"/>
+          </a:p>
+        </p:txBody>
+      </p:sp>
+      <p:sp>
+        <p:nvSpPr>
+          <p:cNvPr id="4" name="Slide Number Placeholder 3"/>
+          <p:cNvSpPr>
+            <a:spLocks noGrp="1"/>
+          </p:cNvSpPr>
+          <p:nvPr>
+            <p:ph type="sldNum" sz="quarter" idx="10"/>
+          </p:nvPr>
+        </p:nvSpPr>
+        <p:spPr/>
+        <p:txBody>
+          <a:bodyPr/>
+          <a:lstStyle/>
+          <a:p>
+            <a:fld id="{9B9E0B71-8432-4993-A328-60990DEF3EAA}" type="slidenum">
+              <a:rPr lang="en-CA" smtClean="0"/>
+              <a:t>6</a:t>
+            </a:fld>
+            <a:endParaRPr lang="en-CA"/>
+          </a:p>
+        </p:txBody>
+      </p:sp>
+    </p:spTree>
+    <p:extLst>
+      <p:ext uri="{BB962C8B-B14F-4D97-AF65-F5344CB8AC3E}">
+        <p14:creationId xmlns:p14="http://schemas.microsoft.com/office/powerpoint/2010/main" val="2654810686"/>
+      </p:ext>
+    </p:extLst>
+  </p:cSld>
+  <p:clrMapOvr>
+    <a:masterClrMapping/>
+  </p:clrMapOvr>
+</p:notes>
+</file>
+
+<file path=ppt/notesSlides/notesSlide7.xml><?xml version="1.0" encoding="utf-8"?>
+<p:notes xmlns:a="http://schemas.openxmlformats.org/drawingml/2006/main" xmlns:r="http://schemas.openxmlformats.org/officeDocument/2006/relationships" xmlns:p="http://schemas.openxmlformats.org/presentationml/2006/main">
+  <p:cSld>
+    <p:spTree>
+      <p:nvGrpSpPr>
+        <p:cNvPr id="1" name=""/>
+        <p:cNvGrpSpPr/>
+        <p:nvPr/>
+      </p:nvGrpSpPr>
+      <p:grpSpPr>
+        <a:xfrm>
+          <a:off x="0" y="0"/>
+          <a:ext cx="0" cy="0"/>
+          <a:chOff x="0" y="0"/>
+          <a:chExt cx="0" cy="0"/>
+        </a:xfrm>
+      </p:grpSpPr>
+      <p:sp>
+        <p:nvSpPr>
+          <p:cNvPr id="2" name="Slide Image Placeholder 1"/>
+          <p:cNvSpPr>
+            <a:spLocks noGrp="1" noRot="1" noChangeAspect="1"/>
+          </p:cNvSpPr>
+          <p:nvPr>
+            <p:ph type="sldImg"/>
+          </p:nvPr>
+        </p:nvSpPr>
+        <p:spPr/>
+      </p:sp>
+      <p:sp>
+        <p:nvSpPr>
+          <p:cNvPr id="3" name="Notes Placeholder 2"/>
+          <p:cNvSpPr>
+            <a:spLocks noGrp="1"/>
+          </p:cNvSpPr>
+          <p:nvPr>
+            <p:ph type="body" idx="1"/>
+          </p:nvPr>
+        </p:nvSpPr>
+        <p:spPr/>
+        <p:txBody>
+          <a:bodyPr/>
+          <a:lstStyle/>
+          <a:p>
+            <a:endParaRPr lang="en-CA" dirty="0"/>
+          </a:p>
+        </p:txBody>
+      </p:sp>
+      <p:sp>
+        <p:nvSpPr>
+          <p:cNvPr id="4" name="Slide Number Placeholder 3"/>
+          <p:cNvSpPr>
+            <a:spLocks noGrp="1"/>
+          </p:cNvSpPr>
+          <p:nvPr>
+            <p:ph type="sldNum" sz="quarter" idx="5"/>
+          </p:nvPr>
+        </p:nvSpPr>
+        <p:spPr/>
+        <p:txBody>
+          <a:bodyPr/>
+          <a:lstStyle/>
+          <a:p>
+            <a:fld id="{9B9E0B71-8432-4993-A328-60990DEF3EAA}" type="slidenum">
+              <a:rPr lang="en-CA" smtClean="0"/>
+              <a:t>7</a:t>
+            </a:fld>
+            <a:endParaRPr lang="en-CA"/>
+          </a:p>
+        </p:txBody>
+      </p:sp>
+    </p:spTree>
+    <p:extLst>
+      <p:ext uri="{BB962C8B-B14F-4D97-AF65-F5344CB8AC3E}">
+        <p14:creationId xmlns:p14="http://schemas.microsoft.com/office/powerpoint/2010/main" val="574250442"/>
+      </p:ext>
+    </p:extLst>
+  </p:cSld>
+  <p:clrMapOvr>
+    <a:masterClrMapping/>
+  </p:clrMapOvr>
+</p:notes>
+</file>
+
+<file path=ppt/notesSlides/notesSlide8.xml><?xml version="1.0" encoding="utf-8"?>
+<p:notes xmlns:a="http://schemas.openxmlformats.org/drawingml/2006/main" xmlns:r="http://schemas.openxmlformats.org/officeDocument/2006/relationships" xmlns:p="http://schemas.openxmlformats.org/presentationml/2006/main">
+  <p:cSld>
+    <p:spTree>
+      <p:nvGrpSpPr>
+        <p:cNvPr id="1" name=""/>
+        <p:cNvGrpSpPr/>
+        <p:nvPr/>
+      </p:nvGrpSpPr>
+      <p:grpSpPr>
+        <a:xfrm>
+          <a:off x="0" y="0"/>
+          <a:ext cx="0" cy="0"/>
+          <a:chOff x="0" y="0"/>
+          <a:chExt cx="0" cy="0"/>
+        </a:xfrm>
+      </p:grpSpPr>
+      <p:sp>
+        <p:nvSpPr>
+          <p:cNvPr id="2" name="Slide Image Placeholder 1"/>
+          <p:cNvSpPr>
+            <a:spLocks noGrp="1" noRot="1" noChangeAspect="1"/>
+          </p:cNvSpPr>
+          <p:nvPr>
+            <p:ph type="sldImg"/>
+          </p:nvPr>
+        </p:nvSpPr>
+        <p:spPr/>
+      </p:sp>
+      <p:sp>
+        <p:nvSpPr>
+          <p:cNvPr id="3" name="Notes Placeholder 2"/>
+          <p:cNvSpPr>
+            <a:spLocks noGrp="1"/>
+          </p:cNvSpPr>
+          <p:nvPr>
+            <p:ph type="body" idx="1"/>
+          </p:nvPr>
+        </p:nvSpPr>
+        <p:spPr/>
+        <p:txBody>
+          <a:bodyPr/>
+          <a:lstStyle/>
+          <a:p>
+            <a:endParaRPr lang="en-CA" dirty="0"/>
+          </a:p>
+        </p:txBody>
+      </p:sp>
+      <p:sp>
+        <p:nvSpPr>
+          <p:cNvPr id="4" name="Slide Number Placeholder 3"/>
+          <p:cNvSpPr>
+            <a:spLocks noGrp="1"/>
+          </p:cNvSpPr>
+          <p:nvPr>
+            <p:ph type="sldNum" sz="quarter" idx="5"/>
+          </p:nvPr>
+        </p:nvSpPr>
+        <p:spPr/>
+        <p:txBody>
+          <a:bodyPr/>
+          <a:lstStyle/>
+          <a:p>
+            <a:fld id="{9B9E0B71-8432-4993-A328-60990DEF3EAA}" type="slidenum">
+              <a:rPr lang="en-CA" smtClean="0"/>
+              <a:t>8</a:t>
+            </a:fld>
+            <a:endParaRPr lang="en-CA"/>
+          </a:p>
+        </p:txBody>
+      </p:sp>
+    </p:spTree>
+    <p:extLst>
+      <p:ext uri="{BB962C8B-B14F-4D97-AF65-F5344CB8AC3E}">
+        <p14:creationId xmlns:p14="http://schemas.microsoft.com/office/powerpoint/2010/main" val="3280883124"/>
+      </p:ext>
+    </p:extLst>
+  </p:cSld>
+  <p:clrMapOvr>
+    <a:masterClrMapping/>
+  </p:clrMapOvr>
+</p:notes>
+</file>
+
+<file path=ppt/notesSlides/notesSlide9.xml><?xml version="1.0" encoding="utf-8"?>
+<p:notes xmlns:a="http://schemas.openxmlformats.org/drawingml/2006/main" xmlns:r="http://schemas.openxmlformats.org/officeDocument/2006/relationships" xmlns:p="http://schemas.openxmlformats.org/presentationml/2006/main">
+  <p:cSld>
+    <p:spTree>
+      <p:nvGrpSpPr>
+        <p:cNvPr id="1" name=""/>
+        <p:cNvGrpSpPr/>
+        <p:nvPr/>
+      </p:nvGrpSpPr>
+      <p:grpSpPr>
+        <a:xfrm>
+          <a:off x="0" y="0"/>
+          <a:ext cx="0" cy="0"/>
+          <a:chOff x="0" y="0"/>
+          <a:chExt cx="0" cy="0"/>
+        </a:xfrm>
+      </p:grpSpPr>
+      <p:sp>
+        <p:nvSpPr>
+          <p:cNvPr id="2" name="Slide Image Placeholder 1"/>
+          <p:cNvSpPr>
+            <a:spLocks noGrp="1" noRot="1" noChangeAspect="1"/>
+          </p:cNvSpPr>
+          <p:nvPr>
+            <p:ph type="sldImg"/>
+          </p:nvPr>
+        </p:nvSpPr>
+        <p:spPr/>
+      </p:sp>
+      <p:sp>
+        <p:nvSpPr>
+          <p:cNvPr id="3" name="Notes Placeholder 2"/>
+          <p:cNvSpPr>
+            <a:spLocks noGrp="1"/>
+          </p:cNvSpPr>
+          <p:nvPr>
+            <p:ph type="body" idx="1"/>
+          </p:nvPr>
+        </p:nvSpPr>
+        <p:spPr/>
+        <p:txBody>
+          <a:bodyPr/>
+          <a:lstStyle/>
+          <a:p>
+            <a:endParaRPr lang="en-CA" dirty="0"/>
+          </a:p>
+        </p:txBody>
+      </p:sp>
+      <p:sp>
+        <p:nvSpPr>
+          <p:cNvPr id="4" name="Slide Number Placeholder 3"/>
+          <p:cNvSpPr>
+            <a:spLocks noGrp="1"/>
+          </p:cNvSpPr>
+          <p:nvPr>
+            <p:ph type="sldNum" sz="quarter" idx="5"/>
+          </p:nvPr>
+        </p:nvSpPr>
+        <p:spPr/>
+        <p:txBody>
+          <a:bodyPr/>
+          <a:lstStyle/>
+          <a:p>
+            <a:fld id="{9B9E0B71-8432-4993-A328-60990DEF3EAA}" type="slidenum">
+              <a:rPr lang="en-CA" smtClean="0"/>
+              <a:t>9</a:t>
+            </a:fld>
+            <a:endParaRPr lang="en-CA"/>
+          </a:p>
+        </p:txBody>
+      </p:sp>
+    </p:spTree>
+    <p:extLst>
+      <p:ext uri="{BB962C8B-B14F-4D97-AF65-F5344CB8AC3E}">
+        <p14:creationId xmlns:p14="http://schemas.microsoft.com/office/powerpoint/2010/main" val="1700203037"/>
       </p:ext>
     </p:extLst>
   </p:cSld>
@@ -1453,7 +2355,7 @@
             <a:fld id="{0DB167C8-2E4E-4037-B5AE-AD31BBB99166}" type="datetime1">
               <a:rPr lang="fr-FR" smtClean="0"/>
               <a:pPr lvl="0"/>
-              <a:t>21/01/2019</a:t>
+              <a:t>14/02/2019</a:t>
             </a:fld>
             <a:endParaRPr lang="fr-FR"/>
           </a:p>
@@ -1708,7 +2610,7 @@
             <a:fld id="{34F5086F-A922-4133-99B7-FC3B77C86447}" type="datetime1">
               <a:rPr lang="fr-FR" smtClean="0"/>
               <a:pPr lvl="0"/>
-              <a:t>21/01/2019</a:t>
+              <a:t>14/02/2019</a:t>
             </a:fld>
             <a:endParaRPr lang="fr-FR"/>
           </a:p>
@@ -2026,7 +2928,7 @@
             <a:fld id="{34F5086F-A922-4133-99B7-FC3B77C86447}" type="datetime1">
               <a:rPr lang="fr-FR" smtClean="0"/>
               <a:pPr lvl="0"/>
-              <a:t>21/01/2019</a:t>
+              <a:t>14/02/2019</a:t>
             </a:fld>
             <a:endParaRPr lang="fr-FR"/>
           </a:p>
@@ -2363,7 +3265,7 @@
             <a:fld id="{34F5086F-A922-4133-99B7-FC3B77C86447}" type="datetime1">
               <a:rPr lang="fr-FR" smtClean="0"/>
               <a:pPr lvl="0"/>
-              <a:t>21/01/2019</a:t>
+              <a:t>14/02/2019</a:t>
             </a:fld>
             <a:endParaRPr lang="fr-FR"/>
           </a:p>
@@ -2681,7 +3583,7 @@
             <a:fld id="{34F5086F-A922-4133-99B7-FC3B77C86447}" type="datetime1">
               <a:rPr lang="fr-FR" smtClean="0"/>
               <a:pPr lvl="0"/>
-              <a:t>21/01/2019</a:t>
+              <a:t>14/02/2019</a:t>
             </a:fld>
             <a:endParaRPr lang="fr-FR"/>
           </a:p>
@@ -3078,7 +3980,7 @@
             <a:fld id="{34F5086F-A922-4133-99B7-FC3B77C86447}" type="datetime1">
               <a:rPr lang="fr-FR" smtClean="0"/>
               <a:pPr lvl="0"/>
-              <a:t>21/01/2019</a:t>
+              <a:t>14/02/2019</a:t>
             </a:fld>
             <a:endParaRPr lang="fr-FR"/>
           </a:p>
@@ -3252,7 +4154,7 @@
             <a:fld id="{15876142-82B7-48AC-9971-E159D32A314F}" type="datetime1">
               <a:rPr lang="fr-FR" smtClean="0"/>
               <a:pPr lvl="0"/>
-              <a:t>21/01/2019</a:t>
+              <a:t>14/02/2019</a:t>
             </a:fld>
             <a:endParaRPr lang="fr-FR"/>
           </a:p>
@@ -3436,7 +4338,7 @@
             <a:fld id="{4DCC1520-E680-4D91-9B95-B66C6EC433D4}" type="datetime1">
               <a:rPr lang="fr-FR" smtClean="0"/>
               <a:pPr lvl="0"/>
-              <a:t>21/01/2019</a:t>
+              <a:t>14/02/2019</a:t>
             </a:fld>
             <a:endParaRPr lang="fr-FR"/>
           </a:p>
@@ -3610,7 +4512,7 @@
             <a:fld id="{96E04EFB-F6A4-4DD4-8DDB-76BB68517EF5}" type="datetime1">
               <a:rPr lang="fr-FR" smtClean="0"/>
               <a:pPr lvl="0"/>
-              <a:t>21/01/2019</a:t>
+              <a:t>14/02/2019</a:t>
             </a:fld>
             <a:endParaRPr lang="fr-FR"/>
           </a:p>
@@ -3862,7 +4764,7 @@
             <a:fld id="{6166C97C-2803-493D-9EF0-E3372CFC9BDF}" type="datetime1">
               <a:rPr lang="fr-FR" smtClean="0"/>
               <a:pPr lvl="0"/>
-              <a:t>21/01/2019</a:t>
+              <a:t>14/02/2019</a:t>
             </a:fld>
             <a:endParaRPr lang="fr-FR"/>
           </a:p>
@@ -4098,7 +5000,7 @@
             <a:fld id="{5A0448F5-B312-4A14-ADEF-D33E85FDA172}" type="datetime1">
               <a:rPr lang="fr-FR" smtClean="0"/>
               <a:pPr lvl="0"/>
-              <a:t>21/01/2019</a:t>
+              <a:t>14/02/2019</a:t>
             </a:fld>
             <a:endParaRPr lang="fr-FR"/>
           </a:p>
@@ -4476,7 +5378,7 @@
             <a:fld id="{A207F05F-8EC2-41BB-957E-8CFA5FBEA258}" type="datetime1">
               <a:rPr lang="fr-FR" smtClean="0"/>
               <a:pPr lvl="0"/>
-              <a:t>21/01/2019</a:t>
+              <a:t>14/02/2019</a:t>
             </a:fld>
             <a:endParaRPr lang="fr-FR"/>
           </a:p>
@@ -4603,7 +5505,7 @@
             <a:fld id="{3D85BDDE-3F29-4EC8-9FA3-84C584244416}" type="datetime1">
               <a:rPr lang="fr-FR" smtClean="0"/>
               <a:pPr lvl="0"/>
-              <a:t>21/01/2019</a:t>
+              <a:t>14/02/2019</a:t>
             </a:fld>
             <a:endParaRPr lang="fr-FR"/>
           </a:p>
@@ -4702,7 +5604,7 @@
             <a:fld id="{0165F27F-8883-4A1B-9F63-F32A6BF54199}" type="datetime1">
               <a:rPr lang="fr-FR" smtClean="0"/>
               <a:pPr lvl="0"/>
-              <a:t>21/01/2019</a:t>
+              <a:t>14/02/2019</a:t>
             </a:fld>
             <a:endParaRPr lang="fr-FR"/>
           </a:p>
@@ -4961,7 +5863,7 @@
             <a:fld id="{7735ACD9-3E2E-4F8B-9FE8-13C60CBBA3B2}" type="datetime1">
               <a:rPr lang="fr-FR" smtClean="0"/>
               <a:pPr lvl="0"/>
-              <a:t>21/01/2019</a:t>
+              <a:t>14/02/2019</a:t>
             </a:fld>
             <a:endParaRPr lang="fr-FR"/>
           </a:p>
@@ -5272,7 +6174,7 @@
             <a:fld id="{080A9674-7E6E-4257-A0E2-963500693F32}" type="datetime1">
               <a:rPr lang="fr-FR" smtClean="0"/>
               <a:pPr lvl="0"/>
-              <a:t>21/01/2019</a:t>
+              <a:t>14/02/2019</a:t>
             </a:fld>
             <a:endParaRPr lang="fr-FR"/>
           </a:p>
@@ -5976,7 +6878,7 @@
             <a:fld id="{34F5086F-A922-4133-99B7-FC3B77C86447}" type="datetime1">
               <a:rPr lang="fr-FR" smtClean="0"/>
               <a:pPr lvl="0"/>
-              <a:t>21/01/2019</a:t>
+              <a:t>14/02/2019</a:t>
             </a:fld>
             <a:endParaRPr lang="fr-FR"/>
           </a:p>
@@ -6487,7 +7389,15 @@
 
 <file path=ppt/slides/slide1.xml><?xml version="1.0" encoding="utf-8"?>
 <p:sld xmlns:a="http://schemas.openxmlformats.org/drawingml/2006/main" xmlns:r="http://schemas.openxmlformats.org/officeDocument/2006/relationships" xmlns:p="http://schemas.openxmlformats.org/presentationml/2006/main">
-  <p:cSld name="Slide2">
+  <p:cSld>
+    <p:bg>
+      <p:bgPr>
+        <a:solidFill>
+          <a:schemeClr val="bg2"/>
+        </a:solidFill>
+        <a:effectLst/>
+      </p:bgPr>
+    </p:bg>
     <p:spTree>
       <p:nvGrpSpPr>
         <p:cNvPr id="1" name=""/>
@@ -6502,135 +7412,770 @@
           <a:chExt cx="0" cy="0"/>
         </a:xfrm>
       </p:grpSpPr>
-      <p:sp>
-        <p:nvSpPr>
-          <p:cNvPr id="3" name="TextBox 7">
+      <p:sp useBgFill="1">
+        <p:nvSpPr>
+          <p:cNvPr id="9" name="Rectangle 8">
             <a:extLst>
               <a:ext uri="{FF2B5EF4-FFF2-40B4-BE49-F238E27FC236}">
-                <a16:creationId xmlns:a16="http://schemas.microsoft.com/office/drawing/2014/main" id="{BAE8C1E2-6F3D-421E-AEEC-58E177C5B153}"/>
+                <a16:creationId xmlns:a16="http://schemas.microsoft.com/office/drawing/2014/main" id="{86C16C40-7C29-4ACC-B851-7E08E459B596}"/>
+              </a:ext>
+              <a:ext uri="{C183D7F6-B498-43B3-948B-1728B52AA6E4}">
+                <adec:decorative xmlns:adec="http://schemas.microsoft.com/office/drawing/2017/decorative" val="1"/>
               </a:ext>
             </a:extLst>
           </p:cNvPr>
-          <p:cNvSpPr txBox="1"/>
-          <p:nvPr/>
+          <p:cNvSpPr>
+            <a:spLocks noGrp="1" noRot="1" noChangeAspect="1" noMove="1" noResize="1" noEditPoints="1" noAdjustHandles="1" noChangeArrowheads="1" noChangeShapeType="1" noTextEdit="1"/>
+          </p:cNvSpPr>
+          <p:nvPr>
+            <p:extLst>
+              <p:ext uri="{386F3935-93C4-4BCD-93E2-E3B085C9AB24}">
+                <p16:designElem xmlns:p16="http://schemas.microsoft.com/office/powerpoint/2015/main" val="1"/>
+              </p:ext>
+            </p:extLst>
+          </p:nvPr>
         </p:nvSpPr>
         <p:spPr>
           <a:xfrm>
-            <a:off x="5255660" y="107908"/>
-            <a:ext cx="10024219" cy="707882"/>
+            <a:off x="0" y="0"/>
+            <a:ext cx="12192000" cy="6858000"/>
           </a:xfrm>
           <a:prstGeom prst="rect">
             <a:avLst/>
           </a:prstGeom>
-          <a:noFill/>
-          <a:ln cap="flat">
+          <a:ln>
             <a:noFill/>
           </a:ln>
         </p:spPr>
-        <p:txBody>
-          <a:bodyPr vert="horz" wrap="square" lIns="91440" tIns="45720" rIns="91440" bIns="45720" anchor="t" anchorCtr="0" compatLnSpc="1">
-            <a:spAutoFit/>
-          </a:bodyPr>
+        <p:style>
+          <a:lnRef idx="2">
+            <a:schemeClr val="accent1">
+              <a:shade val="50000"/>
+            </a:schemeClr>
+          </a:lnRef>
+          <a:fillRef idx="1">
+            <a:schemeClr val="accent1"/>
+          </a:fillRef>
+          <a:effectRef idx="0">
+            <a:schemeClr val="accent1"/>
+          </a:effectRef>
+          <a:fontRef idx="minor">
+            <a:schemeClr val="lt1"/>
+          </a:fontRef>
+        </p:style>
+        <p:txBody>
+          <a:bodyPr rtlCol="0" anchor="ctr"/>
           <a:lstStyle/>
           <a:p>
-            <a:pPr marL="0" marR="0" lvl="0" indent="0" algn="l" defTabSz="914400" rtl="0" fontAlgn="auto" hangingPunct="1">
-              <a:lnSpc>
-                <a:spcPct val="100000"/>
-              </a:lnSpc>
-              <a:spcBef>
-                <a:spcPts val="0"/>
-              </a:spcBef>
-              <a:spcAft>
-                <a:spcPts val="0"/>
-              </a:spcAft>
-              <a:buNone/>
-              <a:tabLst/>
-              <a:defRPr sz="1800" b="0" i="0" u="none" strike="noStrike" kern="0" cap="none" spc="0" baseline="0">
-                <a:solidFill>
-                  <a:srgbClr val="000000"/>
-                </a:solidFill>
-                <a:uFillTx/>
-              </a:defRPr>
-            </a:pPr>
-            <a:r>
-              <a:rPr lang="fr-FR" sz="4000" b="0" i="0" u="none" strike="noStrike" kern="1200" cap="none" spc="0" baseline="0">
-                <a:uFillTx/>
-                <a:latin typeface="Calibri"/>
-              </a:rPr>
-              <a:t>French PowerShell Saturday</a:t>
-            </a:r>
-          </a:p>
-        </p:txBody>
-      </p:sp>
-      <p:sp>
-        <p:nvSpPr>
-          <p:cNvPr id="7" name="TextBox 13">
+            <a:pPr algn="ctr"/>
+            <a:endParaRPr lang="en-US"/>
+          </a:p>
+        </p:txBody>
+      </p:sp>
+      <p:grpSp>
+        <p:nvGrpSpPr>
+          <p:cNvPr id="11" name="Group 10">
             <a:extLst>
               <a:ext uri="{FF2B5EF4-FFF2-40B4-BE49-F238E27FC236}">
-                <a16:creationId xmlns:a16="http://schemas.microsoft.com/office/drawing/2014/main" id="{994BE803-BA89-437A-837B-54D471A0A161}"/>
+                <a16:creationId xmlns:a16="http://schemas.microsoft.com/office/drawing/2014/main" id="{648049AD-9827-49E8-8BF5-32E175C8EA8A}"/>
+              </a:ext>
+              <a:ext uri="{C183D7F6-B498-43B3-948B-1728B52AA6E4}">
+                <adec:decorative xmlns:adec="http://schemas.microsoft.com/office/drawing/2017/decorative" val="1"/>
               </a:ext>
             </a:extLst>
           </p:cNvPr>
-          <p:cNvSpPr txBox="1"/>
-          <p:nvPr/>
-        </p:nvSpPr>
-        <p:spPr>
+          <p:cNvGrpSpPr>
+            <a:grpSpLocks noGrp="1" noUngrp="1" noRot="1" noChangeAspect="1" noMove="1" noResize="1"/>
+          </p:cNvGrpSpPr>
+          <p:nvPr>
+            <p:extLst>
+              <p:ext uri="{386F3935-93C4-4BCD-93E2-E3B085C9AB24}">
+                <p16:designElem xmlns:p16="http://schemas.microsoft.com/office/powerpoint/2015/main" val="1"/>
+              </p:ext>
+            </p:extLst>
+          </p:nvPr>
+        </p:nvGrpSpPr>
+        <p:grpSpPr>
           <a:xfrm>
-            <a:off x="0" y="6400800"/>
-            <a:ext cx="12191996" cy="369335"/>
+            <a:off x="0" y="-8467"/>
+            <a:ext cx="12192000" cy="6866467"/>
+            <a:chOff x="0" y="-8467"/>
+            <a:chExt cx="12192000" cy="6866467"/>
           </a:xfrm>
-          <a:prstGeom prst="rect">
-            <a:avLst/>
-          </a:prstGeom>
-          <a:noFill/>
-          <a:ln cap="flat">
-            <a:noFill/>
-          </a:ln>
-        </p:spPr>
-        <p:txBody>
-          <a:bodyPr vert="horz" wrap="square" lIns="91440" tIns="45720" rIns="91440" bIns="45720" anchor="t" anchorCtr="0" compatLnSpc="1">
-            <a:spAutoFit/>
-          </a:bodyPr>
-          <a:lstStyle/>
-          <a:p>
-            <a:pPr marL="0" marR="0" lvl="0" indent="0" algn="ctr" defTabSz="914400" rtl="0" fontAlgn="auto" hangingPunct="1">
-              <a:lnSpc>
-                <a:spcPct val="100000"/>
-              </a:lnSpc>
-              <a:spcBef>
-                <a:spcPts val="0"/>
-              </a:spcBef>
-              <a:spcAft>
-                <a:spcPts val="0"/>
-              </a:spcAft>
-              <a:buNone/>
-              <a:tabLst/>
-              <a:defRPr sz="1800" b="0" i="0" u="none" strike="noStrike" kern="0" cap="none" spc="0" baseline="0">
-                <a:solidFill>
-                  <a:srgbClr val="000000"/>
-                </a:solidFill>
-                <a:uFillTx/>
-              </a:defRPr>
-            </a:pPr>
-            <a:r>
-              <a:rPr lang="fr-FR" dirty="0">
-                <a:latin typeface="Calibri"/>
-              </a:rPr>
-              <a:t>2019/01/22</a:t>
-            </a:r>
-            <a:endParaRPr lang="fr-FR" sz="1800" b="0" i="0" u="none" strike="noStrike" kern="1200" cap="none" spc="0" baseline="0" dirty="0">
-              <a:uFillTx/>
-              <a:latin typeface="Calibri"/>
-            </a:endParaRPr>
-          </a:p>
-        </p:txBody>
-      </p:sp>
+        </p:grpSpPr>
+        <p:cxnSp>
+          <p:nvCxnSpPr>
+            <p:cNvPr id="12" name="Straight Connector 11">
+              <a:extLst>
+                <a:ext uri="{FF2B5EF4-FFF2-40B4-BE49-F238E27FC236}">
+                  <a16:creationId xmlns:a16="http://schemas.microsoft.com/office/drawing/2014/main" id="{3AA99CFD-13BA-4D43-8274-E720ACDBED4B}"/>
+                </a:ext>
+                <a:ext uri="{C183D7F6-B498-43B3-948B-1728B52AA6E4}">
+                  <adec:decorative xmlns:adec="http://schemas.microsoft.com/office/drawing/2017/decorative" val="1"/>
+                </a:ext>
+              </a:extLst>
+            </p:cNvPr>
+            <p:cNvCxnSpPr/>
+            <p:nvPr>
+              <p:extLst>
+                <p:ext uri="{386F3935-93C4-4BCD-93E2-E3B085C9AB24}">
+                  <p16:designElem xmlns:p16="http://schemas.microsoft.com/office/powerpoint/2015/main" val="1"/>
+                </p:ext>
+              </p:extLst>
+            </p:nvPr>
+          </p:nvCxnSpPr>
+          <p:spPr>
+            <a:xfrm>
+              <a:off x="9371012" y="0"/>
+              <a:ext cx="1219200" cy="6858000"/>
+            </a:xfrm>
+            <a:prstGeom prst="line">
+              <a:avLst/>
+            </a:prstGeom>
+            <a:ln w="9525">
+              <a:solidFill>
+                <a:schemeClr val="accent1">
+                  <a:alpha val="70000"/>
+                </a:schemeClr>
+              </a:solidFill>
+            </a:ln>
+          </p:spPr>
+          <p:style>
+            <a:lnRef idx="2">
+              <a:schemeClr val="accent1"/>
+            </a:lnRef>
+            <a:fillRef idx="0">
+              <a:schemeClr val="accent1"/>
+            </a:fillRef>
+            <a:effectRef idx="1">
+              <a:schemeClr val="accent1"/>
+            </a:effectRef>
+            <a:fontRef idx="minor">
+              <a:schemeClr val="tx1"/>
+            </a:fontRef>
+          </p:style>
+        </p:cxnSp>
+        <p:cxnSp>
+          <p:nvCxnSpPr>
+            <p:cNvPr id="13" name="Straight Connector 12">
+              <a:extLst>
+                <a:ext uri="{FF2B5EF4-FFF2-40B4-BE49-F238E27FC236}">
+                  <a16:creationId xmlns:a16="http://schemas.microsoft.com/office/drawing/2014/main" id="{946D58D6-64B0-4752-8159-24114F47A5FF}"/>
+                </a:ext>
+                <a:ext uri="{C183D7F6-B498-43B3-948B-1728B52AA6E4}">
+                  <adec:decorative xmlns:adec="http://schemas.microsoft.com/office/drawing/2017/decorative" val="1"/>
+                </a:ext>
+              </a:extLst>
+            </p:cNvPr>
+            <p:cNvCxnSpPr/>
+            <p:nvPr>
+              <p:extLst>
+                <p:ext uri="{386F3935-93C4-4BCD-93E2-E3B085C9AB24}">
+                  <p16:designElem xmlns:p16="http://schemas.microsoft.com/office/powerpoint/2015/main" val="1"/>
+                </p:ext>
+              </p:extLst>
+            </p:nvPr>
+          </p:nvCxnSpPr>
+          <p:spPr>
+            <a:xfrm flipH="1">
+              <a:off x="7425267" y="3681413"/>
+              <a:ext cx="4763558" cy="3176587"/>
+            </a:xfrm>
+            <a:prstGeom prst="line">
+              <a:avLst/>
+            </a:prstGeom>
+            <a:ln w="9525">
+              <a:solidFill>
+                <a:schemeClr val="accent1">
+                  <a:alpha val="70000"/>
+                </a:schemeClr>
+              </a:solidFill>
+            </a:ln>
+          </p:spPr>
+          <p:style>
+            <a:lnRef idx="2">
+              <a:schemeClr val="accent1"/>
+            </a:lnRef>
+            <a:fillRef idx="0">
+              <a:schemeClr val="accent1"/>
+            </a:fillRef>
+            <a:effectRef idx="1">
+              <a:schemeClr val="accent1"/>
+            </a:effectRef>
+            <a:fontRef idx="minor">
+              <a:schemeClr val="tx1"/>
+            </a:fontRef>
+          </p:style>
+        </p:cxnSp>
+        <p:sp>
+          <p:nvSpPr>
+            <p:cNvPr id="14" name="Rectangle 23">
+              <a:extLst>
+                <a:ext uri="{FF2B5EF4-FFF2-40B4-BE49-F238E27FC236}">
+                  <a16:creationId xmlns:a16="http://schemas.microsoft.com/office/drawing/2014/main" id="{C16801F7-F15E-4355-8767-26487BA8B6C5}"/>
+                </a:ext>
+                <a:ext uri="{C183D7F6-B498-43B3-948B-1728B52AA6E4}">
+                  <adec:decorative xmlns:adec="http://schemas.microsoft.com/office/drawing/2017/decorative" val="1"/>
+                </a:ext>
+              </a:extLst>
+            </p:cNvPr>
+            <p:cNvSpPr/>
+            <p:nvPr>
+              <p:extLst>
+                <p:ext uri="{386F3935-93C4-4BCD-93E2-E3B085C9AB24}">
+                  <p16:designElem xmlns:p16="http://schemas.microsoft.com/office/powerpoint/2015/main" val="1"/>
+                </p:ext>
+              </p:extLst>
+            </p:nvPr>
+          </p:nvSpPr>
+          <p:spPr>
+            <a:xfrm>
+              <a:off x="9181476" y="-8467"/>
+              <a:ext cx="3007349" cy="6866467"/>
+            </a:xfrm>
+            <a:custGeom>
+              <a:avLst/>
+              <a:gdLst/>
+              <a:ahLst/>
+              <a:cxnLst/>
+              <a:rect l="l" t="t" r="r" b="b"/>
+              <a:pathLst>
+                <a:path w="3007349" h="6866467">
+                  <a:moveTo>
+                    <a:pt x="2045532" y="0"/>
+                  </a:moveTo>
+                  <a:lnTo>
+                    <a:pt x="3007349" y="0"/>
+                  </a:lnTo>
+                  <a:lnTo>
+                    <a:pt x="3007349" y="6866467"/>
+                  </a:lnTo>
+                  <a:lnTo>
+                    <a:pt x="0" y="6866467"/>
+                  </a:lnTo>
+                  <a:lnTo>
+                    <a:pt x="2045532" y="0"/>
+                  </a:lnTo>
+                  <a:close/>
+                </a:path>
+              </a:pathLst>
+            </a:custGeom>
+            <a:solidFill>
+              <a:schemeClr val="accent1">
+                <a:alpha val="36000"/>
+              </a:schemeClr>
+            </a:solidFill>
+            <a:ln>
+              <a:noFill/>
+            </a:ln>
+            <a:effectLst/>
+          </p:spPr>
+          <p:style>
+            <a:lnRef idx="1">
+              <a:schemeClr val="accent1"/>
+            </a:lnRef>
+            <a:fillRef idx="3">
+              <a:schemeClr val="accent1"/>
+            </a:fillRef>
+            <a:effectRef idx="2">
+              <a:schemeClr val="accent1"/>
+            </a:effectRef>
+            <a:fontRef idx="minor">
+              <a:schemeClr val="lt1"/>
+            </a:fontRef>
+          </p:style>
+        </p:sp>
+        <p:sp>
+          <p:nvSpPr>
+            <p:cNvPr id="15" name="Rectangle 25">
+              <a:extLst>
+                <a:ext uri="{FF2B5EF4-FFF2-40B4-BE49-F238E27FC236}">
+                  <a16:creationId xmlns:a16="http://schemas.microsoft.com/office/drawing/2014/main" id="{14FF0578-E224-4225-8396-B99D4881FF8F}"/>
+                </a:ext>
+                <a:ext uri="{C183D7F6-B498-43B3-948B-1728B52AA6E4}">
+                  <adec:decorative xmlns:adec="http://schemas.microsoft.com/office/drawing/2017/decorative" val="1"/>
+                </a:ext>
+              </a:extLst>
+            </p:cNvPr>
+            <p:cNvSpPr/>
+            <p:nvPr>
+              <p:extLst>
+                <p:ext uri="{386F3935-93C4-4BCD-93E2-E3B085C9AB24}">
+                  <p16:designElem xmlns:p16="http://schemas.microsoft.com/office/powerpoint/2015/main" val="1"/>
+                </p:ext>
+              </p:extLst>
+            </p:nvPr>
+          </p:nvSpPr>
+          <p:spPr>
+            <a:xfrm>
+              <a:off x="9603442" y="-8467"/>
+              <a:ext cx="2588558" cy="6866467"/>
+            </a:xfrm>
+            <a:custGeom>
+              <a:avLst/>
+              <a:gdLst/>
+              <a:ahLst/>
+              <a:cxnLst/>
+              <a:rect l="l" t="t" r="r" b="b"/>
+              <a:pathLst>
+                <a:path w="2573311" h="6866467">
+                  <a:moveTo>
+                    <a:pt x="0" y="0"/>
+                  </a:moveTo>
+                  <a:lnTo>
+                    <a:pt x="2573311" y="0"/>
+                  </a:lnTo>
+                  <a:lnTo>
+                    <a:pt x="2573311" y="6866467"/>
+                  </a:lnTo>
+                  <a:lnTo>
+                    <a:pt x="1202336" y="6866467"/>
+                  </a:lnTo>
+                  <a:lnTo>
+                    <a:pt x="0" y="0"/>
+                  </a:lnTo>
+                  <a:close/>
+                </a:path>
+              </a:pathLst>
+            </a:custGeom>
+            <a:solidFill>
+              <a:schemeClr val="accent1">
+                <a:alpha val="20000"/>
+              </a:schemeClr>
+            </a:solidFill>
+            <a:ln>
+              <a:noFill/>
+            </a:ln>
+            <a:effectLst/>
+          </p:spPr>
+          <p:style>
+            <a:lnRef idx="1">
+              <a:schemeClr val="accent1"/>
+            </a:lnRef>
+            <a:fillRef idx="3">
+              <a:schemeClr val="accent1"/>
+            </a:fillRef>
+            <a:effectRef idx="2">
+              <a:schemeClr val="accent1"/>
+            </a:effectRef>
+            <a:fontRef idx="minor">
+              <a:schemeClr val="lt1"/>
+            </a:fontRef>
+          </p:style>
+        </p:sp>
+        <p:sp>
+          <p:nvSpPr>
+            <p:cNvPr id="16" name="Isosceles Triangle 15">
+              <a:extLst>
+                <a:ext uri="{FF2B5EF4-FFF2-40B4-BE49-F238E27FC236}">
+                  <a16:creationId xmlns:a16="http://schemas.microsoft.com/office/drawing/2014/main" id="{4642C0E0-9644-41F1-8CF3-33779AA8A3F8}"/>
+                </a:ext>
+                <a:ext uri="{C183D7F6-B498-43B3-948B-1728B52AA6E4}">
+                  <adec:decorative xmlns:adec="http://schemas.microsoft.com/office/drawing/2017/decorative" val="1"/>
+                </a:ext>
+              </a:extLst>
+            </p:cNvPr>
+            <p:cNvSpPr/>
+            <p:nvPr>
+              <p:extLst>
+                <p:ext uri="{386F3935-93C4-4BCD-93E2-E3B085C9AB24}">
+                  <p16:designElem xmlns:p16="http://schemas.microsoft.com/office/powerpoint/2015/main" val="1"/>
+                </p:ext>
+              </p:extLst>
+            </p:nvPr>
+          </p:nvSpPr>
+          <p:spPr>
+            <a:xfrm>
+              <a:off x="8932333" y="3048000"/>
+              <a:ext cx="3259667" cy="3810000"/>
+            </a:xfrm>
+            <a:prstGeom prst="triangle">
+              <a:avLst>
+                <a:gd name="adj" fmla="val 100000"/>
+              </a:avLst>
+            </a:prstGeom>
+            <a:solidFill>
+              <a:schemeClr val="accent1">
+                <a:lumMod val="75000"/>
+                <a:alpha val="66000"/>
+              </a:schemeClr>
+            </a:solidFill>
+            <a:ln>
+              <a:noFill/>
+            </a:ln>
+            <a:effectLst/>
+          </p:spPr>
+          <p:style>
+            <a:lnRef idx="1">
+              <a:schemeClr val="accent1"/>
+            </a:lnRef>
+            <a:fillRef idx="3">
+              <a:schemeClr val="accent1"/>
+            </a:fillRef>
+            <a:effectRef idx="2">
+              <a:schemeClr val="accent1"/>
+            </a:effectRef>
+            <a:fontRef idx="minor">
+              <a:schemeClr val="lt1"/>
+            </a:fontRef>
+          </p:style>
+        </p:sp>
+        <p:sp>
+          <p:nvSpPr>
+            <p:cNvPr id="17" name="Rectangle 27">
+              <a:extLst>
+                <a:ext uri="{FF2B5EF4-FFF2-40B4-BE49-F238E27FC236}">
+                  <a16:creationId xmlns:a16="http://schemas.microsoft.com/office/drawing/2014/main" id="{5F77D9D3-628A-4607-B307-91AAA5603450}"/>
+                </a:ext>
+                <a:ext uri="{C183D7F6-B498-43B3-948B-1728B52AA6E4}">
+                  <adec:decorative xmlns:adec="http://schemas.microsoft.com/office/drawing/2017/decorative" val="1"/>
+                </a:ext>
+              </a:extLst>
+            </p:cNvPr>
+            <p:cNvSpPr/>
+            <p:nvPr>
+              <p:extLst>
+                <p:ext uri="{386F3935-93C4-4BCD-93E2-E3B085C9AB24}">
+                  <p16:designElem xmlns:p16="http://schemas.microsoft.com/office/powerpoint/2015/main" val="1"/>
+                </p:ext>
+              </p:extLst>
+            </p:nvPr>
+          </p:nvSpPr>
+          <p:spPr>
+            <a:xfrm>
+              <a:off x="9334500" y="-8467"/>
+              <a:ext cx="2854326" cy="6866467"/>
+            </a:xfrm>
+            <a:custGeom>
+              <a:avLst/>
+              <a:gdLst/>
+              <a:ahLst/>
+              <a:cxnLst/>
+              <a:rect l="l" t="t" r="r" b="b"/>
+              <a:pathLst>
+                <a:path w="2858013" h="6866467">
+                  <a:moveTo>
+                    <a:pt x="0" y="0"/>
+                  </a:moveTo>
+                  <a:lnTo>
+                    <a:pt x="2858013" y="0"/>
+                  </a:lnTo>
+                  <a:lnTo>
+                    <a:pt x="2858013" y="6866467"/>
+                  </a:lnTo>
+                  <a:lnTo>
+                    <a:pt x="2473942" y="6866467"/>
+                  </a:lnTo>
+                  <a:lnTo>
+                    <a:pt x="0" y="0"/>
+                  </a:lnTo>
+                  <a:close/>
+                </a:path>
+              </a:pathLst>
+            </a:custGeom>
+            <a:solidFill>
+              <a:schemeClr val="accent1">
+                <a:lumMod val="75000"/>
+                <a:alpha val="50000"/>
+              </a:schemeClr>
+            </a:solidFill>
+            <a:ln>
+              <a:noFill/>
+            </a:ln>
+            <a:effectLst/>
+          </p:spPr>
+          <p:style>
+            <a:lnRef idx="1">
+              <a:schemeClr val="accent1"/>
+            </a:lnRef>
+            <a:fillRef idx="3">
+              <a:schemeClr val="accent1"/>
+            </a:fillRef>
+            <a:effectRef idx="2">
+              <a:schemeClr val="accent1"/>
+            </a:effectRef>
+            <a:fontRef idx="minor">
+              <a:schemeClr val="lt1"/>
+            </a:fontRef>
+          </p:style>
+        </p:sp>
+        <p:sp>
+          <p:nvSpPr>
+            <p:cNvPr id="18" name="Rectangle 28">
+              <a:extLst>
+                <a:ext uri="{FF2B5EF4-FFF2-40B4-BE49-F238E27FC236}">
+                  <a16:creationId xmlns:a16="http://schemas.microsoft.com/office/drawing/2014/main" id="{0600759E-C22E-4F3D-8569-0DE8F1D4934F}"/>
+                </a:ext>
+                <a:ext uri="{C183D7F6-B498-43B3-948B-1728B52AA6E4}">
+                  <adec:decorative xmlns:adec="http://schemas.microsoft.com/office/drawing/2017/decorative" val="1"/>
+                </a:ext>
+              </a:extLst>
+            </p:cNvPr>
+            <p:cNvSpPr/>
+            <p:nvPr>
+              <p:extLst>
+                <p:ext uri="{386F3935-93C4-4BCD-93E2-E3B085C9AB24}">
+                  <p16:designElem xmlns:p16="http://schemas.microsoft.com/office/powerpoint/2015/main" val="1"/>
+                </p:ext>
+              </p:extLst>
+            </p:nvPr>
+          </p:nvSpPr>
+          <p:spPr>
+            <a:xfrm>
+              <a:off x="10898730" y="-8467"/>
+              <a:ext cx="1290094" cy="6866467"/>
+            </a:xfrm>
+            <a:custGeom>
+              <a:avLst/>
+              <a:gdLst/>
+              <a:ahLst/>
+              <a:cxnLst/>
+              <a:rect l="l" t="t" r="r" b="b"/>
+              <a:pathLst>
+                <a:path w="1290094" h="6858000">
+                  <a:moveTo>
+                    <a:pt x="1019735" y="0"/>
+                  </a:moveTo>
+                  <a:lnTo>
+                    <a:pt x="1290094" y="0"/>
+                  </a:lnTo>
+                  <a:lnTo>
+                    <a:pt x="1290094" y="6858000"/>
+                  </a:lnTo>
+                  <a:lnTo>
+                    <a:pt x="0" y="6858000"/>
+                  </a:lnTo>
+                  <a:lnTo>
+                    <a:pt x="1019735" y="0"/>
+                  </a:lnTo>
+                  <a:close/>
+                </a:path>
+              </a:pathLst>
+            </a:custGeom>
+            <a:solidFill>
+              <a:schemeClr val="accent2">
+                <a:alpha val="70000"/>
+              </a:schemeClr>
+            </a:solidFill>
+            <a:ln>
+              <a:noFill/>
+            </a:ln>
+            <a:effectLst/>
+          </p:spPr>
+          <p:style>
+            <a:lnRef idx="1">
+              <a:schemeClr val="accent1"/>
+            </a:lnRef>
+            <a:fillRef idx="3">
+              <a:schemeClr val="accent1"/>
+            </a:fillRef>
+            <a:effectRef idx="2">
+              <a:schemeClr val="accent1"/>
+            </a:effectRef>
+            <a:fontRef idx="minor">
+              <a:schemeClr val="lt1"/>
+            </a:fontRef>
+          </p:style>
+        </p:sp>
+        <p:sp>
+          <p:nvSpPr>
+            <p:cNvPr id="19" name="Rectangle 29">
+              <a:extLst>
+                <a:ext uri="{FF2B5EF4-FFF2-40B4-BE49-F238E27FC236}">
+                  <a16:creationId xmlns:a16="http://schemas.microsoft.com/office/drawing/2014/main" id="{9A4E951D-EAB0-4F6B-84AE-B5B25684FD61}"/>
+                </a:ext>
+                <a:ext uri="{C183D7F6-B498-43B3-948B-1728B52AA6E4}">
+                  <adec:decorative xmlns:adec="http://schemas.microsoft.com/office/drawing/2017/decorative" val="1"/>
+                </a:ext>
+              </a:extLst>
+            </p:cNvPr>
+            <p:cNvSpPr/>
+            <p:nvPr>
+              <p:extLst>
+                <p:ext uri="{386F3935-93C4-4BCD-93E2-E3B085C9AB24}">
+                  <p16:designElem xmlns:p16="http://schemas.microsoft.com/office/powerpoint/2015/main" val="1"/>
+                </p:ext>
+              </p:extLst>
+            </p:nvPr>
+          </p:nvSpPr>
+          <p:spPr>
+            <a:xfrm>
+              <a:off x="10938999" y="-8467"/>
+              <a:ext cx="1249825" cy="6866467"/>
+            </a:xfrm>
+            <a:custGeom>
+              <a:avLst/>
+              <a:gdLst/>
+              <a:ahLst/>
+              <a:cxnLst/>
+              <a:rect l="l" t="t" r="r" b="b"/>
+              <a:pathLst>
+                <a:path w="1249825" h="6858000">
+                  <a:moveTo>
+                    <a:pt x="0" y="0"/>
+                  </a:moveTo>
+                  <a:lnTo>
+                    <a:pt x="1249825" y="0"/>
+                  </a:lnTo>
+                  <a:lnTo>
+                    <a:pt x="1249825" y="6858000"/>
+                  </a:lnTo>
+                  <a:lnTo>
+                    <a:pt x="1109382" y="6858000"/>
+                  </a:lnTo>
+                  <a:lnTo>
+                    <a:pt x="0" y="0"/>
+                  </a:lnTo>
+                  <a:close/>
+                </a:path>
+              </a:pathLst>
+            </a:custGeom>
+            <a:solidFill>
+              <a:schemeClr val="accent2">
+                <a:lumMod val="75000"/>
+                <a:alpha val="80000"/>
+              </a:schemeClr>
+            </a:solidFill>
+            <a:ln>
+              <a:noFill/>
+            </a:ln>
+            <a:effectLst/>
+          </p:spPr>
+          <p:style>
+            <a:lnRef idx="1">
+              <a:schemeClr val="accent1"/>
+            </a:lnRef>
+            <a:fillRef idx="3">
+              <a:schemeClr val="accent1"/>
+            </a:fillRef>
+            <a:effectRef idx="2">
+              <a:schemeClr val="accent1"/>
+            </a:effectRef>
+            <a:fontRef idx="minor">
+              <a:schemeClr val="lt1"/>
+            </a:fontRef>
+          </p:style>
+        </p:sp>
+        <p:sp>
+          <p:nvSpPr>
+            <p:cNvPr id="20" name="Isosceles Triangle 19">
+              <a:extLst>
+                <a:ext uri="{FF2B5EF4-FFF2-40B4-BE49-F238E27FC236}">
+                  <a16:creationId xmlns:a16="http://schemas.microsoft.com/office/drawing/2014/main" id="{B953BEA8-1B45-419E-BACD-49DB8888B1DE}"/>
+                </a:ext>
+                <a:ext uri="{C183D7F6-B498-43B3-948B-1728B52AA6E4}">
+                  <adec:decorative xmlns:adec="http://schemas.microsoft.com/office/drawing/2017/decorative" val="1"/>
+                </a:ext>
+              </a:extLst>
+            </p:cNvPr>
+            <p:cNvSpPr/>
+            <p:nvPr>
+              <p:extLst>
+                <p:ext uri="{386F3935-93C4-4BCD-93E2-E3B085C9AB24}">
+                  <p16:designElem xmlns:p16="http://schemas.microsoft.com/office/powerpoint/2015/main" val="1"/>
+                </p:ext>
+              </p:extLst>
+            </p:nvPr>
+          </p:nvSpPr>
+          <p:spPr>
+            <a:xfrm>
+              <a:off x="10371666" y="3589867"/>
+              <a:ext cx="1817159" cy="3268133"/>
+            </a:xfrm>
+            <a:prstGeom prst="triangle">
+              <a:avLst>
+                <a:gd name="adj" fmla="val 100000"/>
+              </a:avLst>
+            </a:prstGeom>
+            <a:solidFill>
+              <a:schemeClr val="accent1">
+                <a:lumMod val="75000"/>
+                <a:alpha val="66000"/>
+              </a:schemeClr>
+            </a:solidFill>
+            <a:ln>
+              <a:noFill/>
+            </a:ln>
+            <a:effectLst/>
+          </p:spPr>
+          <p:style>
+            <a:lnRef idx="1">
+              <a:schemeClr val="accent1"/>
+            </a:lnRef>
+            <a:fillRef idx="3">
+              <a:schemeClr val="accent1"/>
+            </a:fillRef>
+            <a:effectRef idx="2">
+              <a:schemeClr val="accent1"/>
+            </a:effectRef>
+            <a:fontRef idx="minor">
+              <a:schemeClr val="lt1"/>
+            </a:fontRef>
+          </p:style>
+        </p:sp>
+        <p:sp>
+          <p:nvSpPr>
+            <p:cNvPr id="21" name="Isosceles Triangle 20">
+              <a:extLst>
+                <a:ext uri="{FF2B5EF4-FFF2-40B4-BE49-F238E27FC236}">
+                  <a16:creationId xmlns:a16="http://schemas.microsoft.com/office/drawing/2014/main" id="{72B7FA08-1FF3-4AED-B4E9-587D81D6B1B9}"/>
+                </a:ext>
+                <a:ext uri="{C183D7F6-B498-43B3-948B-1728B52AA6E4}">
+                  <adec:decorative xmlns:adec="http://schemas.microsoft.com/office/drawing/2017/decorative" val="1"/>
+                </a:ext>
+              </a:extLst>
+            </p:cNvPr>
+            <p:cNvSpPr/>
+            <p:nvPr>
+              <p:extLst>
+                <p:ext uri="{386F3935-93C4-4BCD-93E2-E3B085C9AB24}">
+                  <p16:designElem xmlns:p16="http://schemas.microsoft.com/office/powerpoint/2015/main" val="1"/>
+                </p:ext>
+              </p:extLst>
+            </p:nvPr>
+          </p:nvSpPr>
+          <p:spPr>
+            <a:xfrm>
+              <a:off x="0" y="4013200"/>
+              <a:ext cx="448733" cy="2844800"/>
+            </a:xfrm>
+            <a:prstGeom prst="triangle">
+              <a:avLst>
+                <a:gd name="adj" fmla="val 0"/>
+              </a:avLst>
+            </a:prstGeom>
+            <a:solidFill>
+              <a:schemeClr val="accent1">
+                <a:alpha val="70000"/>
+              </a:schemeClr>
+            </a:solidFill>
+            <a:ln>
+              <a:noFill/>
+            </a:ln>
+            <a:effectLst/>
+          </p:spPr>
+          <p:style>
+            <a:lnRef idx="1">
+              <a:schemeClr val="accent1"/>
+            </a:lnRef>
+            <a:fillRef idx="3">
+              <a:schemeClr val="accent1"/>
+            </a:fillRef>
+            <a:effectRef idx="2">
+              <a:schemeClr val="accent1"/>
+            </a:effectRef>
+            <a:fontRef idx="minor">
+              <a:schemeClr val="lt1"/>
+            </a:fontRef>
+          </p:style>
+        </p:sp>
+      </p:grpSp>
       <p:pic>
         <p:nvPicPr>
-          <p:cNvPr id="8" name="Picture 17">
+          <p:cNvPr id="4" name="Picture 17">
             <a:extLst>
               <a:ext uri="{FF2B5EF4-FFF2-40B4-BE49-F238E27FC236}">
-                <a16:creationId xmlns:a16="http://schemas.microsoft.com/office/drawing/2014/main" id="{DF793054-1F26-4809-8ECB-A7D7BBD80D49}"/>
+                <a16:creationId xmlns:a16="http://schemas.microsoft.com/office/drawing/2014/main" id="{93D4CE19-6913-4097-B4CF-769090A90CF6}"/>
               </a:ext>
             </a:extLst>
           </p:cNvPr>
@@ -6640,7 +8185,7 @@
           <p:nvPr/>
         </p:nvPicPr>
         <p:blipFill>
-          <a:blip r:embed="rId2"/>
+          <a:blip r:embed="rId3"/>
           <a:stretch>
             <a:fillRect/>
           </a:stretch>
@@ -6661,10 +8206,10 @@
       </p:pic>
       <p:sp>
         <p:nvSpPr>
-          <p:cNvPr id="9" name="TextBox 19">
+          <p:cNvPr id="22" name="TextBox 7">
             <a:extLst>
               <a:ext uri="{FF2B5EF4-FFF2-40B4-BE49-F238E27FC236}">
-                <a16:creationId xmlns:a16="http://schemas.microsoft.com/office/drawing/2014/main" id="{3212C9BB-199F-4370-9EE3-08ACB2FC949D}"/>
+                <a16:creationId xmlns:a16="http://schemas.microsoft.com/office/drawing/2014/main" id="{3EE2498C-AD63-48D4-938D-CEE91A2D4D49}"/>
               </a:ext>
             </a:extLst>
           </p:cNvPr>
@@ -6673,8 +8218,8 @@
         </p:nvSpPr>
         <p:spPr>
           <a:xfrm>
-            <a:off x="323859" y="2209901"/>
-            <a:ext cx="11776396" cy="2123658"/>
+            <a:off x="4591332" y="70582"/>
+            <a:ext cx="10024219" cy="707882"/>
           </a:xfrm>
           <a:prstGeom prst="rect">
             <a:avLst/>
@@ -6690,6 +8235,71 @@
           </a:bodyPr>
           <a:lstStyle/>
           <a:p>
+            <a:pPr marL="0" marR="0" lvl="0" indent="0" algn="l" defTabSz="914400" rtl="0" fontAlgn="auto" hangingPunct="1">
+              <a:lnSpc>
+                <a:spcPct val="100000"/>
+              </a:lnSpc>
+              <a:spcBef>
+                <a:spcPts val="0"/>
+              </a:spcBef>
+              <a:spcAft>
+                <a:spcPts val="0"/>
+              </a:spcAft>
+              <a:buNone/>
+              <a:tabLst/>
+              <a:defRPr sz="1800" b="0" i="0" u="none" strike="noStrike" kern="0" cap="none" spc="0" baseline="0">
+                <a:solidFill>
+                  <a:srgbClr val="000000"/>
+                </a:solidFill>
+                <a:uFillTx/>
+              </a:defRPr>
+            </a:pPr>
+            <a:r>
+              <a:rPr lang="fr-FR" sz="4000" b="0" i="0" u="none" strike="noStrike" kern="1200" cap="none" spc="0" baseline="0" dirty="0">
+                <a:solidFill>
+                  <a:schemeClr val="tx1">
+                    <a:lumMod val="95000"/>
+                  </a:schemeClr>
+                </a:solidFill>
+                <a:uFillTx/>
+                <a:latin typeface="Calibri"/>
+              </a:rPr>
+              <a:t>French PowerShell User Group</a:t>
+            </a:r>
+          </a:p>
+        </p:txBody>
+      </p:sp>
+      <p:sp>
+        <p:nvSpPr>
+          <p:cNvPr id="23" name="TextBox 19">
+            <a:extLst>
+              <a:ext uri="{FF2B5EF4-FFF2-40B4-BE49-F238E27FC236}">
+                <a16:creationId xmlns:a16="http://schemas.microsoft.com/office/drawing/2014/main" id="{2A88661A-47A9-4F62-B997-465D42E2EE74}"/>
+              </a:ext>
+            </a:extLst>
+          </p:cNvPr>
+          <p:cNvSpPr txBox="1"/>
+          <p:nvPr/>
+        </p:nvSpPr>
+        <p:spPr>
+          <a:xfrm>
+            <a:off x="1821733" y="2595659"/>
+            <a:ext cx="11776396" cy="1446550"/>
+          </a:xfrm>
+          <a:prstGeom prst="rect">
+            <a:avLst/>
+          </a:prstGeom>
+          <a:noFill/>
+          <a:ln cap="flat">
+            <a:noFill/>
+          </a:ln>
+        </p:spPr>
+        <p:txBody>
+          <a:bodyPr vert="horz" wrap="square" lIns="91440" tIns="45720" rIns="91440" bIns="45720" anchor="t" anchorCtr="0" compatLnSpc="1">
+            <a:spAutoFit/>
+          </a:bodyPr>
+          <a:lstStyle/>
+          <a:p>
             <a:pPr lvl="0">
               <a:defRPr sz="1800" b="0" i="0" u="none" strike="noStrike" kern="0" cap="none" spc="0" baseline="0">
                 <a:solidFill>
@@ -6699,27 +8309,29 @@
               </a:defRPr>
             </a:pPr>
             <a:r>
-              <a:rPr lang="fr-FR" sz="6600" b="1" i="0" u="none" strike="noStrike" kern="1200" cap="none" spc="0" baseline="0" dirty="0">
+              <a:rPr lang="fr-FR" sz="8800" b="1" i="0" u="none" strike="noStrike" kern="1200" cap="none" spc="0" baseline="0" dirty="0">
+                <a:solidFill>
+                  <a:schemeClr val="tx1">
+                    <a:lumMod val="95000"/>
+                  </a:schemeClr>
+                </a:solidFill>
                 <a:uFillTx/>
                 <a:latin typeface="Calibri"/>
               </a:rPr>
-              <a:t>Créer vos règles PSScriptAnalyzer</a:t>
-            </a:r>
-            <a:r>
-              <a:rPr lang="fr-FR" sz="6600" b="1" dirty="0"/>
-              <a:t> personnalisées </a:t>
-            </a:r>
-            <a:endParaRPr lang="fr-FR" sz="6600" b="1" i="0" u="none" strike="noStrike" kern="1200" cap="none" spc="0" baseline="0" dirty="0">
-              <a:uFillTx/>
-              <a:latin typeface="Calibri"/>
-            </a:endParaRPr>
+              <a:t>PSScriptAnalyzer</a:t>
+            </a:r>
           </a:p>
         </p:txBody>
       </p:sp>
     </p:spTree>
+    <p:extLst>
+      <p:ext uri="{BB962C8B-B14F-4D97-AF65-F5344CB8AC3E}">
+        <p14:creationId xmlns:p14="http://schemas.microsoft.com/office/powerpoint/2010/main" val="1711243966"/>
+      </p:ext>
+    </p:extLst>
   </p:cSld>
   <p:clrMapOvr>
-    <a:masterClrMapping/>
+    <a:overrideClrMapping bg1="dk1" tx1="lt1" bg2="dk2" tx2="lt2" accent1="accent1" accent2="accent2" accent3="accent3" accent4="accent4" accent5="accent5" accent6="accent6" hlink="hlink" folHlink="folHlink"/>
   </p:clrMapOvr>
 </p:sld>
 </file>
@@ -6741,797 +8353,6 @@
           <a:chExt cx="0" cy="0"/>
         </a:xfrm>
       </p:grpSpPr>
-      <p:sp>
-        <p:nvSpPr>
-          <p:cNvPr id="7" name="TextBox 13">
-            <a:extLst>
-              <a:ext uri="{FF2B5EF4-FFF2-40B4-BE49-F238E27FC236}">
-                <a16:creationId xmlns:a16="http://schemas.microsoft.com/office/drawing/2014/main" id="{994BE803-BA89-437A-837B-54D471A0A161}"/>
-              </a:ext>
-            </a:extLst>
-          </p:cNvPr>
-          <p:cNvSpPr txBox="1"/>
-          <p:nvPr/>
-        </p:nvSpPr>
-        <p:spPr>
-          <a:xfrm>
-            <a:off x="0" y="6400800"/>
-            <a:ext cx="12191996" cy="646331"/>
-          </a:xfrm>
-          <a:prstGeom prst="rect">
-            <a:avLst/>
-          </a:prstGeom>
-          <a:noFill/>
-          <a:ln cap="flat">
-            <a:noFill/>
-          </a:ln>
-        </p:spPr>
-        <p:txBody>
-          <a:bodyPr vert="horz" wrap="square" lIns="91440" tIns="45720" rIns="91440" bIns="45720" anchor="t" anchorCtr="0" compatLnSpc="1">
-            <a:spAutoFit/>
-          </a:bodyPr>
-          <a:lstStyle/>
-          <a:p>
-            <a:pPr algn="ctr">
-              <a:defRPr sz="1800" b="0" i="0" u="none" strike="noStrike" kern="0" cap="none" spc="0" baseline="0">
-                <a:solidFill>
-                  <a:srgbClr val="000000"/>
-                </a:solidFill>
-                <a:uFillTx/>
-              </a:defRPr>
-            </a:pPr>
-            <a:r>
-              <a:rPr lang="fr-FR" dirty="0"/>
-              <a:t>15 Septembre 2018 - #FrPwshSat2018</a:t>
-            </a:r>
-          </a:p>
-          <a:p>
-            <a:pPr marL="0" marR="0" lvl="0" indent="0" algn="ctr" defTabSz="914400" rtl="0" fontAlgn="auto" hangingPunct="1">
-              <a:lnSpc>
-                <a:spcPct val="100000"/>
-              </a:lnSpc>
-              <a:spcBef>
-                <a:spcPts val="0"/>
-              </a:spcBef>
-              <a:spcAft>
-                <a:spcPts val="0"/>
-              </a:spcAft>
-              <a:buNone/>
-              <a:tabLst/>
-              <a:defRPr sz="1800" b="0" i="0" u="none" strike="noStrike" kern="0" cap="none" spc="0" baseline="0">
-                <a:solidFill>
-                  <a:srgbClr val="000000"/>
-                </a:solidFill>
-                <a:uFillTx/>
-              </a:defRPr>
-            </a:pPr>
-            <a:endParaRPr lang="fr-FR" sz="1800" b="0" i="0" u="none" strike="noStrike" kern="1200" cap="none" spc="0" baseline="0" dirty="0">
-              <a:uFillTx/>
-              <a:latin typeface="Calibri"/>
-            </a:endParaRPr>
-          </a:p>
-        </p:txBody>
-      </p:sp>
-      <p:pic>
-        <p:nvPicPr>
-          <p:cNvPr id="8" name="Picture 17">
-            <a:extLst>
-              <a:ext uri="{FF2B5EF4-FFF2-40B4-BE49-F238E27FC236}">
-                <a16:creationId xmlns:a16="http://schemas.microsoft.com/office/drawing/2014/main" id="{DF793054-1F26-4809-8ECB-A7D7BBD80D49}"/>
-              </a:ext>
-            </a:extLst>
-          </p:cNvPr>
-          <p:cNvPicPr>
-            <a:picLocks noChangeAspect="1"/>
-          </p:cNvPicPr>
-          <p:nvPr/>
-        </p:nvPicPr>
-        <p:blipFill>
-          <a:blip r:embed="rId2"/>
-          <a:stretch>
-            <a:fillRect/>
-          </a:stretch>
-        </p:blipFill>
-        <p:spPr>
-          <a:xfrm>
-            <a:off x="11195182" y="70582"/>
-            <a:ext cx="905073" cy="905073"/>
-          </a:xfrm>
-          <a:prstGeom prst="rect">
-            <a:avLst/>
-          </a:prstGeom>
-          <a:noFill/>
-          <a:ln cap="flat">
-            <a:noFill/>
-          </a:ln>
-        </p:spPr>
-      </p:pic>
-      <p:sp>
-        <p:nvSpPr>
-          <p:cNvPr id="9" name="TextBox 19">
-            <a:extLst>
-              <a:ext uri="{FF2B5EF4-FFF2-40B4-BE49-F238E27FC236}">
-                <a16:creationId xmlns:a16="http://schemas.microsoft.com/office/drawing/2014/main" id="{3212C9BB-199F-4370-9EE3-08ACB2FC949D}"/>
-              </a:ext>
-            </a:extLst>
-          </p:cNvPr>
-          <p:cNvSpPr txBox="1"/>
-          <p:nvPr/>
-        </p:nvSpPr>
-        <p:spPr>
-          <a:xfrm>
-            <a:off x="91745" y="87865"/>
-            <a:ext cx="10384232" cy="646331"/>
-          </a:xfrm>
-          <a:prstGeom prst="rect">
-            <a:avLst/>
-          </a:prstGeom>
-          <a:noFill/>
-          <a:ln cap="flat">
-            <a:noFill/>
-          </a:ln>
-        </p:spPr>
-        <p:txBody>
-          <a:bodyPr vert="horz" wrap="square" lIns="91440" tIns="45720" rIns="91440" bIns="45720" anchor="t" anchorCtr="0" compatLnSpc="1">
-            <a:spAutoFit/>
-          </a:bodyPr>
-          <a:lstStyle/>
-          <a:p>
-            <a:pPr marL="0" marR="0" lvl="0" indent="0" algn="l" defTabSz="914400" rtl="0" fontAlgn="auto" hangingPunct="1">
-              <a:lnSpc>
-                <a:spcPct val="100000"/>
-              </a:lnSpc>
-              <a:spcBef>
-                <a:spcPts val="0"/>
-              </a:spcBef>
-              <a:spcAft>
-                <a:spcPts val="0"/>
-              </a:spcAft>
-              <a:buNone/>
-              <a:tabLst/>
-              <a:defRPr sz="1800" b="0" i="0" u="none" strike="noStrike" kern="0" cap="none" spc="0" baseline="0">
-                <a:solidFill>
-                  <a:srgbClr val="000000"/>
-                </a:solidFill>
-                <a:uFillTx/>
-              </a:defRPr>
-            </a:pPr>
-            <a:r>
-              <a:rPr lang="fr-FR" sz="3600" b="1" i="0" u="none" strike="noStrike" kern="1200" cap="none" spc="0" baseline="0" dirty="0">
-                <a:uFillTx/>
-                <a:latin typeface="Calibri"/>
-              </a:rPr>
-              <a:t>Speaker</a:t>
-            </a:r>
-          </a:p>
-        </p:txBody>
-      </p:sp>
-      <p:sp>
-        <p:nvSpPr>
-          <p:cNvPr id="11" name="TextBox 19">
-            <a:extLst>
-              <a:ext uri="{FF2B5EF4-FFF2-40B4-BE49-F238E27FC236}">
-                <a16:creationId xmlns:a16="http://schemas.microsoft.com/office/drawing/2014/main" id="{B2A12BA0-5118-4CA2-97AA-BCB16D8AE244}"/>
-              </a:ext>
-            </a:extLst>
-          </p:cNvPr>
-          <p:cNvSpPr txBox="1"/>
-          <p:nvPr/>
-        </p:nvSpPr>
-        <p:spPr>
-          <a:xfrm>
-            <a:off x="548945" y="2143118"/>
-            <a:ext cx="10384232" cy="3600986"/>
-          </a:xfrm>
-          <a:prstGeom prst="rect">
-            <a:avLst/>
-          </a:prstGeom>
-          <a:noFill/>
-          <a:ln cap="flat">
-            <a:noFill/>
-          </a:ln>
-        </p:spPr>
-        <p:txBody>
-          <a:bodyPr vert="horz" wrap="square" lIns="91440" tIns="45720" rIns="91440" bIns="45720" anchor="t" anchorCtr="0" compatLnSpc="1">
-            <a:spAutoFit/>
-          </a:bodyPr>
-          <a:lstStyle/>
-          <a:p>
-            <a:pPr marL="0" marR="0" lvl="0" indent="0" algn="l" defTabSz="914400" rtl="0" fontAlgn="auto" hangingPunct="1">
-              <a:lnSpc>
-                <a:spcPct val="100000"/>
-              </a:lnSpc>
-              <a:spcBef>
-                <a:spcPts val="0"/>
-              </a:spcBef>
-              <a:spcAft>
-                <a:spcPts val="0"/>
-              </a:spcAft>
-              <a:buNone/>
-              <a:tabLst/>
-              <a:defRPr sz="1800" b="0" i="0" u="none" strike="noStrike" kern="0" cap="none" spc="0" baseline="0">
-                <a:solidFill>
-                  <a:srgbClr val="000000"/>
-                </a:solidFill>
-                <a:uFillTx/>
-              </a:defRPr>
-            </a:pPr>
-            <a:r>
-              <a:rPr lang="fr-FR" sz="4800" b="1" i="0" u="none" strike="noStrike" kern="1200" cap="none" spc="0" baseline="0" dirty="0">
-                <a:uFillTx/>
-                <a:latin typeface="Calibri"/>
-              </a:rPr>
-              <a:t>Francois-Xavier Cat</a:t>
-            </a:r>
-            <a:endParaRPr lang="fr-FR" sz="4800" b="1" dirty="0">
-              <a:latin typeface="Calibri"/>
-            </a:endParaRPr>
-          </a:p>
-          <a:p>
-            <a:pPr marL="285750" marR="0" lvl="0" indent="-285750" algn="l" defTabSz="914400" rtl="0" fontAlgn="auto" hangingPunct="1">
-              <a:lnSpc>
-                <a:spcPct val="100000"/>
-              </a:lnSpc>
-              <a:spcBef>
-                <a:spcPts val="0"/>
-              </a:spcBef>
-              <a:spcAft>
-                <a:spcPts val="0"/>
-              </a:spcAft>
-              <a:buFont typeface="Arial" panose="020B0604020202020204" pitchFamily="34" charset="0"/>
-              <a:buChar char="•"/>
-              <a:tabLst/>
-              <a:defRPr sz="1800" b="0" i="0" u="none" strike="noStrike" kern="0" cap="none" spc="0" baseline="0">
-                <a:solidFill>
-                  <a:srgbClr val="000000"/>
-                </a:solidFill>
-                <a:uFillTx/>
-              </a:defRPr>
-            </a:pPr>
-            <a:r>
-              <a:rPr lang="fr-FR" sz="3600" dirty="0">
-                <a:latin typeface="Calibri"/>
-              </a:rPr>
-              <a:t>Automation </a:t>
-            </a:r>
-            <a:r>
-              <a:rPr lang="fr-FR" sz="3600" dirty="0" err="1">
-                <a:latin typeface="Calibri"/>
-              </a:rPr>
-              <a:t>Engineer</a:t>
-            </a:r>
-            <a:r>
-              <a:rPr lang="fr-FR" sz="3600" dirty="0">
-                <a:latin typeface="Calibri"/>
-              </a:rPr>
-              <a:t> @ Morgan Stanley</a:t>
-            </a:r>
-          </a:p>
-          <a:p>
-            <a:pPr marL="285750" marR="0" lvl="0" indent="-285750" algn="l" defTabSz="914400" rtl="0" fontAlgn="auto" hangingPunct="1">
-              <a:lnSpc>
-                <a:spcPct val="100000"/>
-              </a:lnSpc>
-              <a:spcBef>
-                <a:spcPts val="0"/>
-              </a:spcBef>
-              <a:spcAft>
-                <a:spcPts val="0"/>
-              </a:spcAft>
-              <a:buFont typeface="Arial" panose="020B0604020202020204" pitchFamily="34" charset="0"/>
-              <a:buChar char="•"/>
-              <a:tabLst/>
-              <a:defRPr sz="1800" b="0" i="0" u="none" strike="noStrike" kern="0" cap="none" spc="0" baseline="0">
-                <a:solidFill>
-                  <a:srgbClr val="000000"/>
-                </a:solidFill>
-                <a:uFillTx/>
-              </a:defRPr>
-            </a:pPr>
-            <a:r>
-              <a:rPr lang="fr-FR" sz="3600" dirty="0">
-                <a:latin typeface="Calibri"/>
-              </a:rPr>
-              <a:t>Microsoft MVP</a:t>
-            </a:r>
-          </a:p>
-          <a:p>
-            <a:pPr marL="285750" marR="0" lvl="0" indent="-285750" algn="l" defTabSz="914400" rtl="0" fontAlgn="auto" hangingPunct="1">
-              <a:lnSpc>
-                <a:spcPct val="100000"/>
-              </a:lnSpc>
-              <a:spcBef>
-                <a:spcPts val="0"/>
-              </a:spcBef>
-              <a:spcAft>
-                <a:spcPts val="0"/>
-              </a:spcAft>
-              <a:buFont typeface="Arial" panose="020B0604020202020204" pitchFamily="34" charset="0"/>
-              <a:buChar char="•"/>
-              <a:tabLst/>
-              <a:defRPr sz="1800" b="0" i="0" u="none" strike="noStrike" kern="0" cap="none" spc="0" baseline="0">
-                <a:solidFill>
-                  <a:srgbClr val="000000"/>
-                </a:solidFill>
-                <a:uFillTx/>
-              </a:defRPr>
-            </a:pPr>
-            <a:r>
-              <a:rPr lang="fr-FR" sz="3600" dirty="0">
-                <a:latin typeface="Calibri"/>
-                <a:hlinkClick r:id="rId3"/>
-              </a:rPr>
-              <a:t>https://lazywinadmin.com</a:t>
-            </a:r>
-            <a:endParaRPr lang="fr-FR" sz="3600" dirty="0">
-              <a:latin typeface="Calibri"/>
-            </a:endParaRPr>
-          </a:p>
-          <a:p>
-            <a:pPr marL="285750" marR="0" lvl="0" indent="-285750" algn="l" defTabSz="914400" rtl="0" fontAlgn="auto" hangingPunct="1">
-              <a:lnSpc>
-                <a:spcPct val="100000"/>
-              </a:lnSpc>
-              <a:spcBef>
-                <a:spcPts val="0"/>
-              </a:spcBef>
-              <a:spcAft>
-                <a:spcPts val="0"/>
-              </a:spcAft>
-              <a:buFont typeface="Arial" panose="020B0604020202020204" pitchFamily="34" charset="0"/>
-              <a:buChar char="•"/>
-              <a:tabLst/>
-              <a:defRPr sz="1800" b="0" i="0" u="none" strike="noStrike" kern="0" cap="none" spc="0" baseline="0">
-                <a:solidFill>
-                  <a:srgbClr val="000000"/>
-                </a:solidFill>
-                <a:uFillTx/>
-              </a:defRPr>
-            </a:pPr>
-            <a:r>
-              <a:rPr lang="fr-FR" sz="3600" dirty="0">
-                <a:latin typeface="Calibri"/>
-              </a:rPr>
-              <a:t>@</a:t>
-            </a:r>
-            <a:r>
-              <a:rPr lang="fr-FR" sz="3600" dirty="0" err="1">
-                <a:latin typeface="Calibri"/>
-              </a:rPr>
-              <a:t>lazywinadmin</a:t>
-            </a:r>
-            <a:endParaRPr lang="fr-FR" sz="3600" dirty="0">
-              <a:latin typeface="Calibri"/>
-            </a:endParaRPr>
-          </a:p>
-          <a:p>
-            <a:pPr marL="285750" marR="0" lvl="0" indent="-285750" algn="l" defTabSz="914400" rtl="0" fontAlgn="auto" hangingPunct="1">
-              <a:lnSpc>
-                <a:spcPct val="100000"/>
-              </a:lnSpc>
-              <a:spcBef>
-                <a:spcPts val="0"/>
-              </a:spcBef>
-              <a:spcAft>
-                <a:spcPts val="0"/>
-              </a:spcAft>
-              <a:buFont typeface="Arial" panose="020B0604020202020204" pitchFamily="34" charset="0"/>
-              <a:buChar char="•"/>
-              <a:tabLst/>
-              <a:defRPr sz="1800" b="0" i="0" u="none" strike="noStrike" kern="0" cap="none" spc="0" baseline="0">
-                <a:solidFill>
-                  <a:srgbClr val="000000"/>
-                </a:solidFill>
-                <a:uFillTx/>
-              </a:defRPr>
-            </a:pPr>
-            <a:r>
-              <a:rPr lang="fr-FR" sz="3600" dirty="0">
-                <a:latin typeface="Calibri"/>
-              </a:rPr>
-              <a:t>github.com/</a:t>
-            </a:r>
-            <a:r>
-              <a:rPr lang="fr-FR" sz="3600" dirty="0" err="1">
-                <a:latin typeface="Calibri"/>
-              </a:rPr>
-              <a:t>lazywinadmin</a:t>
-            </a:r>
-            <a:endParaRPr lang="fr-FR" sz="3600" dirty="0">
-              <a:latin typeface="Calibri"/>
-            </a:endParaRPr>
-          </a:p>
-        </p:txBody>
-      </p:sp>
-    </p:spTree>
-    <p:extLst>
-      <p:ext uri="{BB962C8B-B14F-4D97-AF65-F5344CB8AC3E}">
-        <p14:creationId xmlns:p14="http://schemas.microsoft.com/office/powerpoint/2010/main" val="2692688028"/>
-      </p:ext>
-    </p:extLst>
-  </p:cSld>
-  <p:clrMapOvr>
-    <a:masterClrMapping/>
-  </p:clrMapOvr>
-</p:sld>
-</file>
-
-<file path=ppt/slides/slide3.xml><?xml version="1.0" encoding="utf-8"?>
-<p:sld xmlns:a="http://schemas.openxmlformats.org/drawingml/2006/main" xmlns:r="http://schemas.openxmlformats.org/officeDocument/2006/relationships" xmlns:p="http://schemas.openxmlformats.org/presentationml/2006/main">
-  <p:cSld>
-    <p:spTree>
-      <p:nvGrpSpPr>
-        <p:cNvPr id="1" name=""/>
-        <p:cNvGrpSpPr/>
-        <p:nvPr/>
-      </p:nvGrpSpPr>
-      <p:grpSpPr>
-        <a:xfrm>
-          <a:off x="0" y="0"/>
-          <a:ext cx="0" cy="0"/>
-          <a:chOff x="0" y="0"/>
-          <a:chExt cx="0" cy="0"/>
-        </a:xfrm>
-      </p:grpSpPr>
-      <p:sp>
-        <p:nvSpPr>
-          <p:cNvPr id="7" name="TextBox 13">
-            <a:extLst>
-              <a:ext uri="{FF2B5EF4-FFF2-40B4-BE49-F238E27FC236}">
-                <a16:creationId xmlns:a16="http://schemas.microsoft.com/office/drawing/2014/main" id="{994BE803-BA89-437A-837B-54D471A0A161}"/>
-              </a:ext>
-            </a:extLst>
-          </p:cNvPr>
-          <p:cNvSpPr txBox="1"/>
-          <p:nvPr/>
-        </p:nvSpPr>
-        <p:spPr>
-          <a:xfrm>
-            <a:off x="0" y="6400800"/>
-            <a:ext cx="12191996" cy="646331"/>
-          </a:xfrm>
-          <a:prstGeom prst="rect">
-            <a:avLst/>
-          </a:prstGeom>
-          <a:noFill/>
-          <a:ln cap="flat">
-            <a:noFill/>
-          </a:ln>
-        </p:spPr>
-        <p:txBody>
-          <a:bodyPr vert="horz" wrap="square" lIns="91440" tIns="45720" rIns="91440" bIns="45720" anchor="t" anchorCtr="0" compatLnSpc="1">
-            <a:spAutoFit/>
-          </a:bodyPr>
-          <a:lstStyle/>
-          <a:p>
-            <a:pPr algn="ctr">
-              <a:defRPr sz="1800" b="0" i="0" u="none" strike="noStrike" kern="0" cap="none" spc="0" baseline="0">
-                <a:solidFill>
-                  <a:srgbClr val="000000"/>
-                </a:solidFill>
-                <a:uFillTx/>
-              </a:defRPr>
-            </a:pPr>
-            <a:r>
-              <a:rPr lang="fr-FR" dirty="0"/>
-              <a:t>15 Septembre 2018 - #FrPwshSat2018</a:t>
-            </a:r>
-          </a:p>
-          <a:p>
-            <a:pPr marL="0" marR="0" lvl="0" indent="0" algn="ctr" defTabSz="914400" rtl="0" fontAlgn="auto" hangingPunct="1">
-              <a:lnSpc>
-                <a:spcPct val="100000"/>
-              </a:lnSpc>
-              <a:spcBef>
-                <a:spcPts val="0"/>
-              </a:spcBef>
-              <a:spcAft>
-                <a:spcPts val="0"/>
-              </a:spcAft>
-              <a:buNone/>
-              <a:tabLst/>
-              <a:defRPr sz="1800" b="0" i="0" u="none" strike="noStrike" kern="0" cap="none" spc="0" baseline="0">
-                <a:solidFill>
-                  <a:srgbClr val="000000"/>
-                </a:solidFill>
-                <a:uFillTx/>
-              </a:defRPr>
-            </a:pPr>
-            <a:endParaRPr lang="fr-FR" sz="1800" b="0" i="0" u="none" strike="noStrike" kern="1200" cap="none" spc="0" baseline="0" dirty="0">
-              <a:uFillTx/>
-              <a:latin typeface="Calibri"/>
-            </a:endParaRPr>
-          </a:p>
-        </p:txBody>
-      </p:sp>
-      <p:pic>
-        <p:nvPicPr>
-          <p:cNvPr id="8" name="Picture 17">
-            <a:extLst>
-              <a:ext uri="{FF2B5EF4-FFF2-40B4-BE49-F238E27FC236}">
-                <a16:creationId xmlns:a16="http://schemas.microsoft.com/office/drawing/2014/main" id="{DF793054-1F26-4809-8ECB-A7D7BBD80D49}"/>
-              </a:ext>
-            </a:extLst>
-          </p:cNvPr>
-          <p:cNvPicPr>
-            <a:picLocks noChangeAspect="1"/>
-          </p:cNvPicPr>
-          <p:nvPr/>
-        </p:nvPicPr>
-        <p:blipFill>
-          <a:blip r:embed="rId2"/>
-          <a:stretch>
-            <a:fillRect/>
-          </a:stretch>
-        </p:blipFill>
-        <p:spPr>
-          <a:xfrm>
-            <a:off x="11195182" y="70582"/>
-            <a:ext cx="905073" cy="905073"/>
-          </a:xfrm>
-          <a:prstGeom prst="rect">
-            <a:avLst/>
-          </a:prstGeom>
-          <a:noFill/>
-          <a:ln cap="flat">
-            <a:noFill/>
-          </a:ln>
-        </p:spPr>
-      </p:pic>
-      <p:sp>
-        <p:nvSpPr>
-          <p:cNvPr id="9" name="TextBox 19">
-            <a:extLst>
-              <a:ext uri="{FF2B5EF4-FFF2-40B4-BE49-F238E27FC236}">
-                <a16:creationId xmlns:a16="http://schemas.microsoft.com/office/drawing/2014/main" id="{3212C9BB-199F-4370-9EE3-08ACB2FC949D}"/>
-              </a:ext>
-            </a:extLst>
-          </p:cNvPr>
-          <p:cNvSpPr txBox="1"/>
-          <p:nvPr/>
-        </p:nvSpPr>
-        <p:spPr>
-          <a:xfrm>
-            <a:off x="91745" y="87865"/>
-            <a:ext cx="10384232" cy="646331"/>
-          </a:xfrm>
-          <a:prstGeom prst="rect">
-            <a:avLst/>
-          </a:prstGeom>
-          <a:noFill/>
-          <a:ln cap="flat">
-            <a:noFill/>
-          </a:ln>
-        </p:spPr>
-        <p:txBody>
-          <a:bodyPr vert="horz" wrap="square" lIns="91440" tIns="45720" rIns="91440" bIns="45720" anchor="t" anchorCtr="0" compatLnSpc="1">
-            <a:spAutoFit/>
-          </a:bodyPr>
-          <a:lstStyle/>
-          <a:p>
-            <a:pPr marL="0" marR="0" lvl="0" indent="0" algn="l" defTabSz="914400" rtl="0" fontAlgn="auto" hangingPunct="1">
-              <a:lnSpc>
-                <a:spcPct val="100000"/>
-              </a:lnSpc>
-              <a:spcBef>
-                <a:spcPts val="0"/>
-              </a:spcBef>
-              <a:spcAft>
-                <a:spcPts val="0"/>
-              </a:spcAft>
-              <a:buNone/>
-              <a:tabLst/>
-              <a:defRPr sz="1800" b="0" i="0" u="none" strike="noStrike" kern="0" cap="none" spc="0" baseline="0">
-                <a:solidFill>
-                  <a:srgbClr val="000000"/>
-                </a:solidFill>
-                <a:uFillTx/>
-              </a:defRPr>
-            </a:pPr>
-            <a:r>
-              <a:rPr lang="fr-FR" sz="3600" b="1" i="0" u="none" strike="noStrike" kern="1200" cap="none" spc="0" baseline="0" dirty="0">
-                <a:uFillTx/>
-                <a:latin typeface="Calibri"/>
-              </a:rPr>
-              <a:t>PSScriptAnalyzer ?</a:t>
-            </a:r>
-          </a:p>
-        </p:txBody>
-      </p:sp>
-      <p:sp>
-        <p:nvSpPr>
-          <p:cNvPr id="11" name="TextBox 19">
-            <a:extLst>
-              <a:ext uri="{FF2B5EF4-FFF2-40B4-BE49-F238E27FC236}">
-                <a16:creationId xmlns:a16="http://schemas.microsoft.com/office/drawing/2014/main" id="{B2A12BA0-5118-4CA2-97AA-BCB16D8AE244}"/>
-              </a:ext>
-            </a:extLst>
-          </p:cNvPr>
-          <p:cNvSpPr txBox="1"/>
-          <p:nvPr/>
-        </p:nvSpPr>
-        <p:spPr>
-          <a:xfrm>
-            <a:off x="91745" y="734196"/>
-            <a:ext cx="10384232" cy="2339102"/>
-          </a:xfrm>
-          <a:prstGeom prst="rect">
-            <a:avLst/>
-          </a:prstGeom>
-          <a:noFill/>
-          <a:ln cap="flat">
-            <a:noFill/>
-          </a:ln>
-        </p:spPr>
-        <p:txBody>
-          <a:bodyPr vert="horz" wrap="square" lIns="91440" tIns="45720" rIns="91440" bIns="45720" anchor="t" anchorCtr="0" compatLnSpc="1">
-            <a:spAutoFit/>
-          </a:bodyPr>
-          <a:lstStyle/>
-          <a:p>
-            <a:pPr lvl="0">
-              <a:defRPr sz="1800" b="0" i="0" u="none" strike="noStrike" kern="0" cap="none" spc="0" baseline="0">
-                <a:solidFill>
-                  <a:srgbClr val="000000"/>
-                </a:solidFill>
-                <a:uFillTx/>
-              </a:defRPr>
-            </a:pPr>
-            <a:r>
-              <a:rPr lang="fr-FR" sz="3200" dirty="0"/>
-              <a:t>PSScriptAnalyzer fournit une analyse de script et vérifie les éventuels défauts de code dans les scripts en appliquant un groupe de règles intégrées ou personnalisées aux scripts analysés.</a:t>
-            </a:r>
-            <a:endParaRPr lang="fr-FR" sz="3200" dirty="0">
-              <a:latin typeface="Calibri"/>
-            </a:endParaRPr>
-          </a:p>
-          <a:p>
-            <a:pPr lvl="0">
-              <a:defRPr sz="1800" b="0" i="0" u="none" strike="noStrike" kern="0" cap="none" spc="0" baseline="0">
-                <a:solidFill>
-                  <a:srgbClr val="000000"/>
-                </a:solidFill>
-                <a:uFillTx/>
-              </a:defRPr>
-            </a:pPr>
-            <a:endParaRPr lang="fr-FR" i="0" u="none" strike="noStrike" kern="1200" cap="none" spc="0" baseline="0" dirty="0">
-              <a:uFillTx/>
-              <a:latin typeface="Calibri"/>
-            </a:endParaRPr>
-          </a:p>
-        </p:txBody>
-      </p:sp>
-      <p:pic>
-        <p:nvPicPr>
-          <p:cNvPr id="10" name="Picture 9">
-            <a:extLst>
-              <a:ext uri="{FF2B5EF4-FFF2-40B4-BE49-F238E27FC236}">
-                <a16:creationId xmlns:a16="http://schemas.microsoft.com/office/drawing/2014/main" id="{F7E4915E-7B7C-43C0-B546-E994EB28B267}"/>
-              </a:ext>
-            </a:extLst>
-          </p:cNvPr>
-          <p:cNvPicPr>
-            <a:picLocks noChangeAspect="1"/>
-          </p:cNvPicPr>
-          <p:nvPr/>
-        </p:nvPicPr>
-        <p:blipFill>
-          <a:blip r:embed="rId3"/>
-          <a:stretch>
-            <a:fillRect/>
-          </a:stretch>
-        </p:blipFill>
-        <p:spPr>
-          <a:xfrm>
-            <a:off x="1439774" y="2766785"/>
-            <a:ext cx="9312447" cy="3558848"/>
-          </a:xfrm>
-          <a:prstGeom prst="rect">
-            <a:avLst/>
-          </a:prstGeom>
-        </p:spPr>
-      </p:pic>
-    </p:spTree>
-    <p:extLst>
-      <p:ext uri="{BB962C8B-B14F-4D97-AF65-F5344CB8AC3E}">
-        <p14:creationId xmlns:p14="http://schemas.microsoft.com/office/powerpoint/2010/main" val="1770106738"/>
-      </p:ext>
-    </p:extLst>
-  </p:cSld>
-  <p:clrMapOvr>
-    <a:masterClrMapping/>
-  </p:clrMapOvr>
-</p:sld>
-</file>
-
-<file path=ppt/slides/slide4.xml><?xml version="1.0" encoding="utf-8"?>
-<p:sld xmlns:a="http://schemas.openxmlformats.org/drawingml/2006/main" xmlns:r="http://schemas.openxmlformats.org/officeDocument/2006/relationships" xmlns:p="http://schemas.openxmlformats.org/presentationml/2006/main">
-  <p:cSld>
-    <p:spTree>
-      <p:nvGrpSpPr>
-        <p:cNvPr id="1" name=""/>
-        <p:cNvGrpSpPr/>
-        <p:nvPr/>
-      </p:nvGrpSpPr>
-      <p:grpSpPr>
-        <a:xfrm>
-          <a:off x="0" y="0"/>
-          <a:ext cx="0" cy="0"/>
-          <a:chOff x="0" y="0"/>
-          <a:chExt cx="0" cy="0"/>
-        </a:xfrm>
-      </p:grpSpPr>
-      <p:sp>
-        <p:nvSpPr>
-          <p:cNvPr id="7" name="TextBox 13">
-            <a:extLst>
-              <a:ext uri="{FF2B5EF4-FFF2-40B4-BE49-F238E27FC236}">
-                <a16:creationId xmlns:a16="http://schemas.microsoft.com/office/drawing/2014/main" id="{994BE803-BA89-437A-837B-54D471A0A161}"/>
-              </a:ext>
-            </a:extLst>
-          </p:cNvPr>
-          <p:cNvSpPr txBox="1"/>
-          <p:nvPr/>
-        </p:nvSpPr>
-        <p:spPr>
-          <a:xfrm>
-            <a:off x="0" y="6400800"/>
-            <a:ext cx="12191996" cy="646331"/>
-          </a:xfrm>
-          <a:prstGeom prst="rect">
-            <a:avLst/>
-          </a:prstGeom>
-          <a:noFill/>
-          <a:ln cap="flat">
-            <a:noFill/>
-          </a:ln>
-        </p:spPr>
-        <p:txBody>
-          <a:bodyPr vert="horz" wrap="square" lIns="91440" tIns="45720" rIns="91440" bIns="45720" anchor="t" anchorCtr="0" compatLnSpc="1">
-            <a:spAutoFit/>
-          </a:bodyPr>
-          <a:lstStyle/>
-          <a:p>
-            <a:pPr algn="ctr">
-              <a:defRPr sz="1800" b="0" i="0" u="none" strike="noStrike" kern="0" cap="none" spc="0" baseline="0">
-                <a:solidFill>
-                  <a:srgbClr val="000000"/>
-                </a:solidFill>
-                <a:uFillTx/>
-              </a:defRPr>
-            </a:pPr>
-            <a:r>
-              <a:rPr lang="fr-FR" dirty="0"/>
-              <a:t>15 Septembre 2018 - #FrPwshSat2018</a:t>
-            </a:r>
-          </a:p>
-          <a:p>
-            <a:pPr marL="0" marR="0" lvl="0" indent="0" algn="ctr" defTabSz="914400" rtl="0" fontAlgn="auto" hangingPunct="1">
-              <a:lnSpc>
-                <a:spcPct val="100000"/>
-              </a:lnSpc>
-              <a:spcBef>
-                <a:spcPts val="0"/>
-              </a:spcBef>
-              <a:spcAft>
-                <a:spcPts val="0"/>
-              </a:spcAft>
-              <a:buNone/>
-              <a:tabLst/>
-              <a:defRPr sz="1800" b="0" i="0" u="none" strike="noStrike" kern="0" cap="none" spc="0" baseline="0">
-                <a:solidFill>
-                  <a:srgbClr val="000000"/>
-                </a:solidFill>
-                <a:uFillTx/>
-              </a:defRPr>
-            </a:pPr>
-            <a:endParaRPr lang="fr-FR" sz="1800" b="0" i="0" u="none" strike="noStrike" kern="1200" cap="none" spc="0" baseline="0" dirty="0">
-              <a:uFillTx/>
-              <a:latin typeface="Calibri"/>
-            </a:endParaRPr>
-          </a:p>
-        </p:txBody>
-      </p:sp>
       <p:pic>
         <p:nvPicPr>
           <p:cNvPr id="8" name="Picture 17">
@@ -7568,10 +8389,10 @@
       </p:pic>
       <p:sp>
         <p:nvSpPr>
-          <p:cNvPr id="9" name="TextBox 19">
+          <p:cNvPr id="11" name="TextBox 19">
             <a:extLst>
               <a:ext uri="{FF2B5EF4-FFF2-40B4-BE49-F238E27FC236}">
-                <a16:creationId xmlns:a16="http://schemas.microsoft.com/office/drawing/2014/main" id="{3212C9BB-199F-4370-9EE3-08ACB2FC949D}"/>
+                <a16:creationId xmlns:a16="http://schemas.microsoft.com/office/drawing/2014/main" id="{B2A12BA0-5118-4CA2-97AA-BCB16D8AE244}"/>
               </a:ext>
             </a:extLst>
           </p:cNvPr>
@@ -7580,8 +8401,8 @@
         </p:nvSpPr>
         <p:spPr>
           <a:xfrm>
-            <a:off x="91745" y="87865"/>
-            <a:ext cx="10384232" cy="646331"/>
+            <a:off x="548945" y="2143118"/>
+            <a:ext cx="10384232" cy="3600986"/>
           </a:xfrm>
           <a:prstGeom prst="rect">
             <a:avLst/>
@@ -7617,49 +8438,30 @@
               </a:defRPr>
             </a:pPr>
             <a:r>
-              <a:rPr lang="fr-FR" sz="3600" b="1" i="0" u="none" strike="noStrike" kern="1200" cap="none" spc="0" baseline="0" dirty="0">
+              <a:rPr lang="fr-FR" sz="4800" b="1" i="0" u="none" strike="noStrike" kern="1200" cap="none" spc="0" baseline="0" dirty="0">
                 <a:uFillTx/>
                 <a:latin typeface="Calibri"/>
               </a:rPr>
-              <a:t>Pourquoi l’utiliser ?</a:t>
-            </a:r>
-          </a:p>
-        </p:txBody>
-      </p:sp>
-      <p:sp>
-        <p:nvSpPr>
-          <p:cNvPr id="11" name="TextBox 19">
-            <a:extLst>
-              <a:ext uri="{FF2B5EF4-FFF2-40B4-BE49-F238E27FC236}">
-                <a16:creationId xmlns:a16="http://schemas.microsoft.com/office/drawing/2014/main" id="{B2A12BA0-5118-4CA2-97AA-BCB16D8AE244}"/>
-              </a:ext>
-            </a:extLst>
-          </p:cNvPr>
-          <p:cNvSpPr txBox="1"/>
-          <p:nvPr/>
-        </p:nvSpPr>
-        <p:spPr>
-          <a:xfrm>
-            <a:off x="91745" y="1359347"/>
-            <a:ext cx="10384232" cy="4431983"/>
-          </a:xfrm>
-          <a:prstGeom prst="rect">
-            <a:avLst/>
-          </a:prstGeom>
-          <a:noFill/>
-          <a:ln cap="flat">
-            <a:noFill/>
-          </a:ln>
-        </p:spPr>
-        <p:txBody>
-          <a:bodyPr vert="horz" wrap="square" lIns="91440" tIns="45720" rIns="91440" bIns="45720" anchor="t" anchorCtr="0" compatLnSpc="1">
-            <a:spAutoFit/>
-          </a:bodyPr>
-          <a:lstStyle/>
-          <a:p>
-            <a:pPr marL="742950" lvl="1" indent="-285750">
+              <a:t>Francois-Xavier Cat</a:t>
+            </a:r>
+            <a:endParaRPr lang="fr-FR" sz="4800" b="1" dirty="0">
+              <a:latin typeface="Calibri"/>
+            </a:endParaRPr>
+          </a:p>
+          <a:p>
+            <a:pPr marL="285750" marR="0" lvl="0" indent="-285750" algn="l" defTabSz="914400" rtl="0" fontAlgn="auto" hangingPunct="1">
+              <a:lnSpc>
+                <a:spcPct val="100000"/>
+              </a:lnSpc>
+              <a:spcBef>
+                <a:spcPts val="0"/>
+              </a:spcBef>
+              <a:spcAft>
+                <a:spcPts val="0"/>
+              </a:spcAft>
               <a:buFont typeface="Arial" panose="020B0604020202020204" pitchFamily="34" charset="0"/>
               <a:buChar char="•"/>
+              <a:tabLst/>
               <a:defRPr sz="1800" b="0" i="0" u="none" strike="noStrike" kern="0" cap="none" spc="0" baseline="0">
                 <a:solidFill>
                   <a:srgbClr val="000000"/>
@@ -7668,20 +8470,35 @@
               </a:defRPr>
             </a:pPr>
             <a:r>
-              <a:rPr lang="fr-FR" sz="4400" i="0" u="none" strike="noStrike" kern="1200" cap="none" spc="0" baseline="0" dirty="0">
-                <a:uFillTx/>
+              <a:rPr lang="fr-FR" sz="3600" dirty="0">
                 <a:latin typeface="Calibri"/>
               </a:rPr>
-              <a:t>Améliorer conformité</a:t>
-            </a:r>
-            <a:endParaRPr lang="fr-FR" sz="4400" dirty="0">
+              <a:t>Automation </a:t>
+            </a:r>
+            <a:r>
+              <a:rPr lang="fr-FR" sz="3600" dirty="0" err="1">
+                <a:latin typeface="Calibri"/>
+              </a:rPr>
+              <a:t>Engineer</a:t>
+            </a:r>
+            <a:endParaRPr lang="fr-FR" sz="3600" dirty="0">
               <a:latin typeface="Calibri"/>
             </a:endParaRPr>
           </a:p>
           <a:p>
-            <a:pPr marL="742950" lvl="1" indent="-285750">
+            <a:pPr marL="285750" marR="0" lvl="0" indent="-285750" algn="l" defTabSz="914400" rtl="0" fontAlgn="auto" hangingPunct="1">
+              <a:lnSpc>
+                <a:spcPct val="100000"/>
+              </a:lnSpc>
+              <a:spcBef>
+                <a:spcPts val="0"/>
+              </a:spcBef>
+              <a:spcAft>
+                <a:spcPts val="0"/>
+              </a:spcAft>
               <a:buFont typeface="Arial" panose="020B0604020202020204" pitchFamily="34" charset="0"/>
               <a:buChar char="•"/>
+              <a:tabLst/>
               <a:defRPr sz="1800" b="0" i="0" u="none" strike="noStrike" kern="0" cap="none" spc="0" baseline="0">
                 <a:solidFill>
                   <a:srgbClr val="000000"/>
@@ -7690,25 +8507,26 @@
               </a:defRPr>
             </a:pPr>
             <a:r>
-              <a:rPr lang="fr-FR" sz="4400" i="0" u="none" strike="noStrike" kern="1200" cap="none" spc="0" baseline="0" dirty="0">
-                <a:uFillTx/>
+              <a:rPr lang="fr-FR" sz="3600" dirty="0">
                 <a:latin typeface="Calibri"/>
               </a:rPr>
-              <a:t>Améliorer</a:t>
-            </a:r>
-            <a:r>
-              <a:rPr lang="fr-FR" sz="4400" dirty="0"/>
-              <a:t> lisibilité</a:t>
-            </a:r>
-            <a:endParaRPr lang="fr-FR" sz="4400" i="0" u="none" strike="noStrike" kern="1200" cap="none" spc="0" baseline="0" dirty="0">
-              <a:uFillTx/>
-              <a:latin typeface="Calibri"/>
-            </a:endParaRPr>
-          </a:p>
-          <a:p>
-            <a:pPr marL="742950" lvl="1" indent="-285750">
+              <a:t>Microsoft MVP</a:t>
+            </a:r>
+          </a:p>
+          <a:p>
+            <a:pPr marL="285750" marR="0" lvl="0" indent="-285750" algn="l" defTabSz="914400" rtl="0" fontAlgn="auto" hangingPunct="1">
+              <a:lnSpc>
+                <a:spcPct val="100000"/>
+              </a:lnSpc>
+              <a:spcBef>
+                <a:spcPts val="0"/>
+              </a:spcBef>
+              <a:spcAft>
+                <a:spcPts val="0"/>
+              </a:spcAft>
               <a:buFont typeface="Arial" panose="020B0604020202020204" pitchFamily="34" charset="0"/>
               <a:buChar char="•"/>
+              <a:tabLst/>
               <a:defRPr sz="1800" b="0" i="0" u="none" strike="noStrike" kern="0" cap="none" spc="0" baseline="0">
                 <a:solidFill>
                   <a:srgbClr val="000000"/>
@@ -7717,37 +8535,30 @@
               </a:defRPr>
             </a:pPr>
             <a:r>
-              <a:rPr lang="fr-FR" sz="4400" i="0" u="none" strike="noStrike" kern="1200" cap="none" spc="0" baseline="0" dirty="0">
-                <a:uFillTx/>
+              <a:rPr lang="fr-FR" sz="3600" dirty="0">
                 <a:latin typeface="Calibri"/>
+                <a:hlinkClick r:id="rId4"/>
               </a:rPr>
-              <a:t>Les règles</a:t>
-            </a:r>
-            <a:r>
-              <a:rPr lang="fr-FR" sz="4400" dirty="0"/>
-              <a:t> intégré (</a:t>
-            </a:r>
-            <a:r>
-              <a:rPr lang="fr-FR" sz="4400" dirty="0" err="1"/>
-              <a:t>Built-in</a:t>
-            </a:r>
-            <a:r>
-              <a:rPr lang="fr-FR" sz="4400" dirty="0"/>
-              <a:t> </a:t>
-            </a:r>
-            <a:r>
-              <a:rPr lang="fr-FR" sz="4400" dirty="0" err="1"/>
-              <a:t>rules</a:t>
-            </a:r>
-            <a:r>
-              <a:rPr lang="fr-FR" sz="4400" dirty="0"/>
-              <a:t>) couvrent beaucoup de chose</a:t>
-            </a:r>
-          </a:p>
-          <a:p>
-            <a:pPr marL="742950" lvl="1" indent="-285750">
+              <a:t>https://lazywinadmin.com</a:t>
+            </a:r>
+            <a:endParaRPr lang="fr-FR" sz="3600" dirty="0">
+              <a:latin typeface="Calibri"/>
+            </a:endParaRPr>
+          </a:p>
+          <a:p>
+            <a:pPr marL="285750" marR="0" lvl="0" indent="-285750" algn="l" defTabSz="914400" rtl="0" fontAlgn="auto" hangingPunct="1">
+              <a:lnSpc>
+                <a:spcPct val="100000"/>
+              </a:lnSpc>
+              <a:spcBef>
+                <a:spcPts val="0"/>
+              </a:spcBef>
+              <a:spcAft>
+                <a:spcPts val="0"/>
+              </a:spcAft>
               <a:buFont typeface="Arial" panose="020B0604020202020204" pitchFamily="34" charset="0"/>
               <a:buChar char="•"/>
+              <a:tabLst/>
               <a:defRPr sz="1800" b="0" i="0" u="none" strike="noStrike" kern="0" cap="none" spc="0" baseline="0">
                 <a:solidFill>
                   <a:srgbClr val="000000"/>
@@ -7756,12 +8567,92 @@
               </a:defRPr>
             </a:pPr>
             <a:r>
-              <a:rPr lang="fr-FR" sz="4400" dirty="0"/>
-              <a:t>Possibilité d’utiliser des règles personnalisées</a:t>
-            </a:r>
-          </a:p>
-          <a:p>
-            <a:pPr lvl="0">
+              <a:rPr lang="fr-FR" sz="3600" dirty="0">
+                <a:latin typeface="Calibri"/>
+              </a:rPr>
+              <a:t>@</a:t>
+            </a:r>
+            <a:r>
+              <a:rPr lang="fr-FR" sz="3600" dirty="0" err="1">
+                <a:latin typeface="Calibri"/>
+              </a:rPr>
+              <a:t>lazywinadmin</a:t>
+            </a:r>
+            <a:r>
+              <a:rPr lang="fr-FR" sz="3600" dirty="0">
+                <a:latin typeface="Calibri"/>
+              </a:rPr>
+              <a:t> </a:t>
+            </a:r>
+            <a:r>
+              <a:rPr lang="fr-FR" sz="2400" dirty="0">
+                <a:latin typeface="Calibri"/>
+              </a:rPr>
+              <a:t>(</a:t>
+            </a:r>
+            <a:r>
+              <a:rPr lang="fr-FR" sz="2400" dirty="0" err="1">
+                <a:latin typeface="Calibri"/>
+              </a:rPr>
+              <a:t>recently</a:t>
+            </a:r>
+            <a:r>
+              <a:rPr lang="fr-FR" sz="2400" dirty="0">
+                <a:latin typeface="Calibri"/>
+              </a:rPr>
+              <a:t> </a:t>
+            </a:r>
+            <a:r>
+              <a:rPr lang="fr-FR" sz="2400" dirty="0" err="1">
+                <a:latin typeface="Calibri"/>
+              </a:rPr>
+              <a:t>updated</a:t>
+            </a:r>
+            <a:r>
+              <a:rPr lang="fr-FR" sz="2400" dirty="0">
+                <a:latin typeface="Calibri"/>
+              </a:rPr>
+              <a:t> </a:t>
+            </a:r>
+            <a:r>
+              <a:rPr lang="fr-FR" sz="2400" dirty="0" err="1">
+                <a:latin typeface="Calibri"/>
+              </a:rPr>
+              <a:t>from</a:t>
+            </a:r>
+            <a:r>
+              <a:rPr lang="fr-FR" sz="2400" dirty="0">
+                <a:latin typeface="Calibri"/>
+              </a:rPr>
+              <a:t> @</a:t>
+            </a:r>
+            <a:r>
+              <a:rPr lang="fr-FR" sz="2400" dirty="0" err="1">
+                <a:latin typeface="Calibri"/>
+              </a:rPr>
+              <a:t>lazywinadm</a:t>
+            </a:r>
+            <a:r>
+              <a:rPr lang="fr-FR" sz="2400" dirty="0">
+                <a:latin typeface="Calibri"/>
+              </a:rPr>
+              <a:t>)</a:t>
+            </a:r>
+          </a:p>
+          <a:p>
+            <a:pPr marL="285750" marR="0" lvl="0" indent="-285750" algn="l" defTabSz="914400" rtl="0" fontAlgn="auto" hangingPunct="1">
+              <a:lnSpc>
+                <a:spcPct val="100000"/>
+              </a:lnSpc>
+              <a:spcBef>
+                <a:spcPts val="0"/>
+              </a:spcBef>
+              <a:spcAft>
+                <a:spcPts val="0"/>
+              </a:spcAft>
+              <a:buFont typeface="Arial" panose="020B0604020202020204" pitchFamily="34" charset="0"/>
+              <a:buChar char="•"/>
+              <a:tabLst/>
               <a:defRPr sz="1800" b="0" i="0" u="none" strike="noStrike" kern="0" cap="none" spc="0" baseline="0">
                 <a:solidFill>
                   <a:srgbClr val="000000"/>
@@ -7769,17 +8660,202 @@
                 <a:uFillTx/>
               </a:defRPr>
             </a:pPr>
-            <a:endParaRPr lang="fr-FR" i="0" u="none" strike="noStrike" kern="1200" cap="none" spc="0" baseline="0" dirty="0">
-              <a:uFillTx/>
+            <a:r>
+              <a:rPr lang="fr-FR" sz="3600" dirty="0">
+                <a:latin typeface="Calibri"/>
+              </a:rPr>
+              <a:t>github.com/</a:t>
+            </a:r>
+            <a:r>
+              <a:rPr lang="fr-FR" sz="3600" dirty="0" err="1">
+                <a:latin typeface="Calibri"/>
+              </a:rPr>
+              <a:t>lazywinadmin</a:t>
+            </a:r>
+            <a:endParaRPr lang="fr-FR" sz="3600" dirty="0">
               <a:latin typeface="Calibri"/>
             </a:endParaRPr>
+          </a:p>
+        </p:txBody>
+      </p:sp>
+      <p:pic>
+        <p:nvPicPr>
+          <p:cNvPr id="10" name="Picture 2" descr="http://icons.iconarchive.com/icons/custom-icon-design/all-country-flag/256/Canada-Flag-icon.png">
+            <a:extLst>
+              <a:ext uri="{FF2B5EF4-FFF2-40B4-BE49-F238E27FC236}">
+                <a16:creationId xmlns:a16="http://schemas.microsoft.com/office/drawing/2014/main" id="{9899382D-1294-49B6-B60F-BDE6A306B9D9}"/>
+              </a:ext>
+            </a:extLst>
+          </p:cNvPr>
+          <p:cNvPicPr>
+            <a:picLocks noChangeAspect="1" noChangeArrowheads="1"/>
+          </p:cNvPicPr>
+          <p:nvPr/>
+        </p:nvPicPr>
+        <p:blipFill>
+          <a:blip r:embed="rId5">
+            <a:extLst>
+              <a:ext uri="{28A0092B-C50C-407E-A947-70E740481C1C}">
+                <a14:useLocalDpi xmlns:a14="http://schemas.microsoft.com/office/drawing/2010/main" val="0"/>
+              </a:ext>
+            </a:extLst>
+          </a:blip>
+          <a:srcRect/>
+          <a:stretch>
+            <a:fillRect/>
+          </a:stretch>
+        </p:blipFill>
+        <p:spPr bwMode="auto">
+          <a:xfrm>
+            <a:off x="7032106" y="2075906"/>
+            <a:ext cx="930575" cy="930575"/>
+          </a:xfrm>
+          <a:prstGeom prst="rect">
+            <a:avLst/>
+          </a:prstGeom>
+          <a:noFill/>
+          <a:extLst>
+            <a:ext uri="{909E8E84-426E-40DD-AFC4-6F175D3DCCD1}">
+              <a14:hiddenFill xmlns:a14="http://schemas.microsoft.com/office/drawing/2010/main">
+                <a:solidFill>
+                  <a:srgbClr val="FFFFFF"/>
+                </a:solidFill>
+              </a14:hiddenFill>
+            </a:ext>
+          </a:extLst>
+        </p:spPr>
+      </p:pic>
+      <p:pic>
+        <p:nvPicPr>
+          <p:cNvPr id="12" name="Picture 4" descr="http://icons.iconarchive.com/icons/custom-icon-design/all-country-flag/256/France-Flag-icon.png">
+            <a:extLst>
+              <a:ext uri="{FF2B5EF4-FFF2-40B4-BE49-F238E27FC236}">
+                <a16:creationId xmlns:a16="http://schemas.microsoft.com/office/drawing/2014/main" id="{2986D0BA-00E6-4077-9F19-EA54075E0F2F}"/>
+              </a:ext>
+            </a:extLst>
+          </p:cNvPr>
+          <p:cNvPicPr>
+            <a:picLocks noChangeAspect="1" noChangeArrowheads="1"/>
+          </p:cNvPicPr>
+          <p:nvPr/>
+        </p:nvPicPr>
+        <p:blipFill>
+          <a:blip r:embed="rId6">
+            <a:extLst>
+              <a:ext uri="{28A0092B-C50C-407E-A947-70E740481C1C}">
+                <a14:useLocalDpi xmlns:a14="http://schemas.microsoft.com/office/drawing/2010/main" val="0"/>
+              </a:ext>
+            </a:extLst>
+          </a:blip>
+          <a:srcRect/>
+          <a:stretch>
+            <a:fillRect/>
+          </a:stretch>
+        </p:blipFill>
+        <p:spPr bwMode="auto">
+          <a:xfrm>
+            <a:off x="5957905" y="2075907"/>
+            <a:ext cx="930575" cy="930575"/>
+          </a:xfrm>
+          <a:prstGeom prst="rect">
+            <a:avLst/>
+          </a:prstGeom>
+          <a:noFill/>
+          <a:extLst>
+            <a:ext uri="{909E8E84-426E-40DD-AFC4-6F175D3DCCD1}">
+              <a14:hiddenFill xmlns:a14="http://schemas.microsoft.com/office/drawing/2010/main">
+                <a:solidFill>
+                  <a:srgbClr val="FFFFFF"/>
+                </a:solidFill>
+              </a14:hiddenFill>
+            </a:ext>
+          </a:extLst>
+        </p:spPr>
+      </p:pic>
+      <p:pic>
+        <p:nvPicPr>
+          <p:cNvPr id="13" name="Picture 6" descr="http://icons.iconarchive.com/icons/custom-icon-design/all-country-flag/256/Jarvis-Island-Flag-icon.png">
+            <a:extLst>
+              <a:ext uri="{FF2B5EF4-FFF2-40B4-BE49-F238E27FC236}">
+                <a16:creationId xmlns:a16="http://schemas.microsoft.com/office/drawing/2014/main" id="{6F3C3C12-0728-44BD-9412-CFB07C2BEBBA}"/>
+              </a:ext>
+            </a:extLst>
+          </p:cNvPr>
+          <p:cNvPicPr>
+            <a:picLocks noChangeAspect="1" noChangeArrowheads="1"/>
+          </p:cNvPicPr>
+          <p:nvPr/>
+        </p:nvPicPr>
+        <p:blipFill>
+          <a:blip r:embed="rId7">
+            <a:extLst>
+              <a:ext uri="{28A0092B-C50C-407E-A947-70E740481C1C}">
+                <a14:useLocalDpi xmlns:a14="http://schemas.microsoft.com/office/drawing/2010/main" val="0"/>
+              </a:ext>
+            </a:extLst>
+          </a:blip>
+          <a:srcRect/>
+          <a:stretch>
+            <a:fillRect/>
+          </a:stretch>
+        </p:blipFill>
+        <p:spPr bwMode="auto">
+          <a:xfrm>
+            <a:off x="8106307" y="2075906"/>
+            <a:ext cx="930575" cy="930575"/>
+          </a:xfrm>
+          <a:prstGeom prst="rect">
+            <a:avLst/>
+          </a:prstGeom>
+          <a:noFill/>
+          <a:extLst>
+            <a:ext uri="{909E8E84-426E-40DD-AFC4-6F175D3DCCD1}">
+              <a14:hiddenFill xmlns:a14="http://schemas.microsoft.com/office/drawing/2010/main">
+                <a:solidFill>
+                  <a:srgbClr val="FFFFFF"/>
+                </a:solidFill>
+              </a14:hiddenFill>
+            </a:ext>
+          </a:extLst>
+        </p:spPr>
+      </p:pic>
+      <p:sp>
+        <p:nvSpPr>
+          <p:cNvPr id="15" name="Title 1">
+            <a:extLst>
+              <a:ext uri="{FF2B5EF4-FFF2-40B4-BE49-F238E27FC236}">
+                <a16:creationId xmlns:a16="http://schemas.microsoft.com/office/drawing/2014/main" id="{7A1656E8-BE9C-48DD-B765-0A13C063D34B}"/>
+              </a:ext>
+            </a:extLst>
+          </p:cNvPr>
+          <p:cNvSpPr>
+            <a:spLocks noGrp="1"/>
+          </p:cNvSpPr>
+          <p:nvPr>
+            <p:ph type="title"/>
+          </p:nvPr>
+        </p:nvSpPr>
+        <p:spPr>
+          <a:xfrm>
+            <a:off x="677334" y="609600"/>
+            <a:ext cx="8596668" cy="1320800"/>
+          </a:xfrm>
+        </p:spPr>
+        <p:txBody>
+          <a:bodyPr/>
+          <a:lstStyle/>
+          <a:p>
+            <a:r>
+              <a:rPr lang="en-CA" dirty="0"/>
+              <a:t>Speaker</a:t>
+            </a:r>
           </a:p>
         </p:txBody>
       </p:sp>
     </p:spTree>
     <p:extLst>
       <p:ext uri="{BB962C8B-B14F-4D97-AF65-F5344CB8AC3E}">
-        <p14:creationId xmlns:p14="http://schemas.microsoft.com/office/powerpoint/2010/main" val="2750594243"/>
+        <p14:creationId xmlns:p14="http://schemas.microsoft.com/office/powerpoint/2010/main" val="2692688028"/>
       </p:ext>
     </p:extLst>
   </p:cSld>
@@ -7789,7 +8865,7 @@
 </p:sld>
 </file>
 
-<file path=ppt/slides/slide5.xml><?xml version="1.0" encoding="utf-8"?>
+<file path=ppt/slides/slide3.xml><?xml version="1.0" encoding="utf-8"?>
 <p:sld xmlns:a="http://schemas.openxmlformats.org/drawingml/2006/main" xmlns:r="http://schemas.openxmlformats.org/officeDocument/2006/relationships" xmlns:p="http://schemas.openxmlformats.org/presentationml/2006/main">
   <p:cSld>
     <p:spTree>
@@ -7806,12 +8882,131 @@
           <a:chExt cx="0" cy="0"/>
         </a:xfrm>
       </p:grpSpPr>
+      <p:sp>
+        <p:nvSpPr>
+          <p:cNvPr id="2" name="Title 1">
+            <a:extLst>
+              <a:ext uri="{FF2B5EF4-FFF2-40B4-BE49-F238E27FC236}">
+                <a16:creationId xmlns:a16="http://schemas.microsoft.com/office/drawing/2014/main" id="{45C07898-47AA-48BA-94C8-EE7F4E96AE76}"/>
+              </a:ext>
+            </a:extLst>
+          </p:cNvPr>
+          <p:cNvSpPr>
+            <a:spLocks noGrp="1"/>
+          </p:cNvSpPr>
+          <p:nvPr>
+            <p:ph type="title"/>
+          </p:nvPr>
+        </p:nvSpPr>
+        <p:spPr/>
+        <p:txBody>
+          <a:bodyPr/>
+          <a:lstStyle/>
+          <a:p>
+            <a:r>
+              <a:rPr lang="en-CA" dirty="0"/>
+              <a:t>Agenda</a:t>
+            </a:r>
+          </a:p>
+        </p:txBody>
+      </p:sp>
+      <p:sp>
+        <p:nvSpPr>
+          <p:cNvPr id="3" name="Content Placeholder 2">
+            <a:extLst>
+              <a:ext uri="{FF2B5EF4-FFF2-40B4-BE49-F238E27FC236}">
+                <a16:creationId xmlns:a16="http://schemas.microsoft.com/office/drawing/2014/main" id="{EEF7D76D-25E1-44AB-8BC5-5CEB4DD23FEC}"/>
+              </a:ext>
+            </a:extLst>
+          </p:cNvPr>
+          <p:cNvSpPr>
+            <a:spLocks noGrp="1"/>
+          </p:cNvSpPr>
+          <p:nvPr>
+            <p:ph idx="1"/>
+          </p:nvPr>
+        </p:nvSpPr>
+        <p:spPr/>
+        <p:txBody>
+          <a:bodyPr>
+            <a:normAutofit/>
+          </a:bodyPr>
+          <a:lstStyle/>
+          <a:p>
+            <a:r>
+              <a:rPr lang="en-CA" sz="3600" dirty="0"/>
+              <a:t>PSScriptAnalyzer ?</a:t>
+            </a:r>
+          </a:p>
+          <a:p>
+            <a:r>
+              <a:rPr lang="en-CA" sz="3600" dirty="0" err="1"/>
+              <a:t>Pourquoi</a:t>
+            </a:r>
+            <a:r>
+              <a:rPr lang="en-CA" sz="3600" dirty="0"/>
+              <a:t> ?</a:t>
+            </a:r>
+          </a:p>
+          <a:p>
+            <a:r>
+              <a:rPr lang="en-CA" sz="3600" dirty="0"/>
+              <a:t>Comment ca </a:t>
+            </a:r>
+            <a:r>
+              <a:rPr lang="en-CA" sz="3600" dirty="0" err="1"/>
+              <a:t>marche</a:t>
+            </a:r>
+            <a:r>
+              <a:rPr lang="en-CA" sz="3600" dirty="0"/>
+              <a:t> ?</a:t>
+            </a:r>
+          </a:p>
+          <a:p>
+            <a:r>
+              <a:rPr lang="en-CA" sz="3600" dirty="0" err="1"/>
+              <a:t>Creer</a:t>
+            </a:r>
+            <a:r>
+              <a:rPr lang="en-CA" sz="3600" dirty="0"/>
+              <a:t> </a:t>
+            </a:r>
+            <a:r>
+              <a:rPr lang="en-CA" sz="3600" dirty="0" err="1"/>
+              <a:t>nos</a:t>
+            </a:r>
+            <a:r>
+              <a:rPr lang="en-CA" sz="3600" dirty="0"/>
+              <a:t> </a:t>
+            </a:r>
+            <a:r>
+              <a:rPr lang="en-CA" sz="3600" dirty="0" err="1"/>
+              <a:t>propres</a:t>
+            </a:r>
+            <a:r>
+              <a:rPr lang="en-CA" sz="3600" dirty="0"/>
+              <a:t> </a:t>
+            </a:r>
+            <a:r>
+              <a:rPr lang="en-CA" sz="3600" dirty="0" err="1"/>
+              <a:t>regles</a:t>
+            </a:r>
+            <a:endParaRPr lang="en-CA" sz="3600" dirty="0"/>
+          </a:p>
+          <a:p>
+            <a:r>
+              <a:rPr lang="en-CA" sz="3600" dirty="0"/>
+              <a:t>QA</a:t>
+            </a:r>
+          </a:p>
+        </p:txBody>
+      </p:sp>
       <p:pic>
         <p:nvPicPr>
-          <p:cNvPr id="14" name="Picture 13">
+          <p:cNvPr id="4" name="Picture 17">
             <a:extLst>
               <a:ext uri="{FF2B5EF4-FFF2-40B4-BE49-F238E27FC236}">
-                <a16:creationId xmlns:a16="http://schemas.microsoft.com/office/drawing/2014/main" id="{7CA8A386-F7BA-4B4E-A34C-2D6F86912806}"/>
+                <a16:creationId xmlns:a16="http://schemas.microsoft.com/office/drawing/2014/main" id="{FDE5D9E7-2F31-43D9-9B4D-65E5E82D58A4}"/>
               </a:ext>
             </a:extLst>
           </p:cNvPr>
@@ -7821,328 +9016,15 @@
           <p:nvPr/>
         </p:nvPicPr>
         <p:blipFill>
-          <a:blip r:embed="rId2">
-            <a:extLst>
-              <a:ext uri="{28A0092B-C50C-407E-A947-70E740481C1C}">
-                <a14:useLocalDpi xmlns:a14="http://schemas.microsoft.com/office/drawing/2010/main" val="0"/>
-              </a:ext>
-            </a:extLst>
-          </a:blip>
+          <a:blip r:embed="rId3"/>
           <a:stretch>
             <a:fillRect/>
           </a:stretch>
         </p:blipFill>
         <p:spPr>
           <a:xfrm>
-            <a:off x="-1" y="0"/>
-            <a:ext cx="12192001" cy="6860580"/>
-          </a:xfrm>
-          <a:prstGeom prst="rect">
-            <a:avLst/>
-          </a:prstGeom>
-        </p:spPr>
-      </p:pic>
-      <p:cxnSp>
-        <p:nvCxnSpPr>
-          <p:cNvPr id="4" name="Straight Connector 9">
-            <a:extLst>
-              <a:ext uri="{FF2B5EF4-FFF2-40B4-BE49-F238E27FC236}">
-                <a16:creationId xmlns:a16="http://schemas.microsoft.com/office/drawing/2014/main" id="{36261001-9963-4210-A8AA-5B1689F511EE}"/>
-              </a:ext>
-            </a:extLst>
-          </p:cNvPr>
-          <p:cNvCxnSpPr/>
-          <p:nvPr/>
-        </p:nvCxnSpPr>
-        <p:spPr>
-          <a:xfrm>
-            <a:off x="4785649" y="0"/>
-            <a:ext cx="3375581" cy="6858000"/>
-          </a:xfrm>
-          <a:prstGeom prst="straightConnector1">
-            <a:avLst/>
-          </a:prstGeom>
-          <a:noFill/>
-          <a:ln w="6345" cap="flat">
-            <a:solidFill>
-              <a:srgbClr val="4472C4"/>
-            </a:solidFill>
-            <a:prstDash val="solid"/>
-            <a:miter/>
-          </a:ln>
-        </p:spPr>
-      </p:cxnSp>
-      <p:grpSp>
-        <p:nvGrpSpPr>
-          <p:cNvPr id="12" name="Group 11">
-            <a:extLst>
-              <a:ext uri="{FF2B5EF4-FFF2-40B4-BE49-F238E27FC236}">
-                <a16:creationId xmlns:a16="http://schemas.microsoft.com/office/drawing/2014/main" id="{74B97927-8191-4618-A1A1-084856254492}"/>
-              </a:ext>
-            </a:extLst>
-          </p:cNvPr>
-          <p:cNvGrpSpPr/>
-          <p:nvPr/>
-        </p:nvGrpSpPr>
-        <p:grpSpPr>
-          <a:xfrm>
-            <a:off x="0" y="0"/>
-            <a:ext cx="8161238" cy="6858000"/>
-            <a:chOff x="0" y="0"/>
-            <a:chExt cx="8161238" cy="6858000"/>
-          </a:xfrm>
-        </p:grpSpPr>
-        <p:sp>
-          <p:nvSpPr>
-            <p:cNvPr id="5" name="Rectangle 11">
-              <a:extLst>
-                <a:ext uri="{FF2B5EF4-FFF2-40B4-BE49-F238E27FC236}">
-                  <a16:creationId xmlns:a16="http://schemas.microsoft.com/office/drawing/2014/main" id="{E7C57C76-FEE2-4D0D-9ACC-F07BE4357B8F}"/>
-                </a:ext>
-              </a:extLst>
-            </p:cNvPr>
-            <p:cNvSpPr/>
-            <p:nvPr/>
-          </p:nvSpPr>
-          <p:spPr>
-            <a:xfrm>
-              <a:off x="0" y="0"/>
-              <a:ext cx="4785649" cy="6855439"/>
-            </a:xfrm>
-            <a:prstGeom prst="rect">
-              <a:avLst/>
-            </a:prstGeom>
-            <a:solidFill>
-              <a:srgbClr val="404040">
-                <a:alpha val="68000"/>
-              </a:srgbClr>
-            </a:solidFill>
-            <a:ln cap="flat">
-              <a:noFill/>
-              <a:prstDash val="solid"/>
-            </a:ln>
-          </p:spPr>
-          <p:txBody>
-            <a:bodyPr vert="horz" wrap="square" lIns="91440" tIns="45720" rIns="91440" bIns="45720" anchor="ctr" anchorCtr="1" compatLnSpc="1">
-              <a:noAutofit/>
-            </a:bodyPr>
-            <a:lstStyle/>
-            <a:p>
-              <a:pPr marL="0" marR="0" lvl="0" indent="0" algn="ctr" defTabSz="914400" rtl="0" fontAlgn="auto" hangingPunct="1">
-                <a:lnSpc>
-                  <a:spcPct val="100000"/>
-                </a:lnSpc>
-                <a:spcBef>
-                  <a:spcPts val="0"/>
-                </a:spcBef>
-                <a:spcAft>
-                  <a:spcPts val="0"/>
-                </a:spcAft>
-                <a:buNone/>
-                <a:tabLst/>
-                <a:defRPr sz="1800" b="0" i="0" u="none" strike="noStrike" kern="0" cap="none" spc="0" baseline="0">
-                  <a:solidFill>
-                    <a:srgbClr val="000000"/>
-                  </a:solidFill>
-                  <a:uFillTx/>
-                </a:defRPr>
-              </a:pPr>
-              <a:endParaRPr lang="fr-FR" sz="1800" b="0" i="0" u="none" strike="noStrike" kern="1200" cap="none" spc="0" baseline="0">
-                <a:solidFill>
-                  <a:srgbClr val="FFFFFF"/>
-                </a:solidFill>
-                <a:uFillTx/>
-                <a:latin typeface="Calibri"/>
-              </a:endParaRPr>
-            </a:p>
-          </p:txBody>
-        </p:sp>
-        <p:sp>
-          <p:nvSpPr>
-            <p:cNvPr id="6" name="Isosceles Triangle 12">
-              <a:extLst>
-                <a:ext uri="{FF2B5EF4-FFF2-40B4-BE49-F238E27FC236}">
-                  <a16:creationId xmlns:a16="http://schemas.microsoft.com/office/drawing/2014/main" id="{74D37B5B-21D1-4727-A136-420A467C8C54}"/>
-                </a:ext>
-              </a:extLst>
-            </p:cNvPr>
-            <p:cNvSpPr/>
-            <p:nvPr/>
-          </p:nvSpPr>
-          <p:spPr>
-            <a:xfrm>
-              <a:off x="4785649" y="0"/>
-              <a:ext cx="3375589" cy="6858000"/>
-            </a:xfrm>
-            <a:custGeom>
-              <a:avLst/>
-              <a:gdLst>
-                <a:gd name="f0" fmla="val 10800000"/>
-                <a:gd name="f1" fmla="val 5400000"/>
-                <a:gd name="f2" fmla="val 180"/>
-                <a:gd name="f3" fmla="val w"/>
-                <a:gd name="f4" fmla="val h"/>
-                <a:gd name="f5" fmla="val ss"/>
-                <a:gd name="f6" fmla="val 0"/>
-                <a:gd name="f7" fmla="+- 0 0 -360"/>
-                <a:gd name="f8" fmla="+- 0 0 -270"/>
-                <a:gd name="f9" fmla="+- 0 0 -180"/>
-                <a:gd name="f10" fmla="+- 0 0 -90"/>
-                <a:gd name="f11" fmla="abs f3"/>
-                <a:gd name="f12" fmla="abs f4"/>
-                <a:gd name="f13" fmla="abs f5"/>
-                <a:gd name="f14" fmla="*/ f7 f0 1"/>
-                <a:gd name="f15" fmla="*/ f8 f0 1"/>
-                <a:gd name="f16" fmla="*/ f9 f0 1"/>
-                <a:gd name="f17" fmla="*/ f10 f0 1"/>
-                <a:gd name="f18" fmla="?: f11 f3 1"/>
-                <a:gd name="f19" fmla="?: f12 f4 1"/>
-                <a:gd name="f20" fmla="?: f13 f5 1"/>
-                <a:gd name="f21" fmla="*/ f14 1 f2"/>
-                <a:gd name="f22" fmla="*/ f15 1 f2"/>
-                <a:gd name="f23" fmla="*/ f16 1 f2"/>
-                <a:gd name="f24" fmla="*/ f17 1 f2"/>
-                <a:gd name="f25" fmla="*/ f18 1 21600"/>
-                <a:gd name="f26" fmla="*/ f19 1 21600"/>
-                <a:gd name="f27" fmla="*/ 21600 f18 1"/>
-                <a:gd name="f28" fmla="*/ 21600 f19 1"/>
-                <a:gd name="f29" fmla="+- f21 0 f1"/>
-                <a:gd name="f30" fmla="+- f22 0 f1"/>
-                <a:gd name="f31" fmla="+- f23 0 f1"/>
-                <a:gd name="f32" fmla="+- f24 0 f1"/>
-                <a:gd name="f33" fmla="min f26 f25"/>
-                <a:gd name="f34" fmla="*/ f27 1 f20"/>
-                <a:gd name="f35" fmla="*/ f28 1 f20"/>
-                <a:gd name="f36" fmla="val f34"/>
-                <a:gd name="f37" fmla="val f35"/>
-                <a:gd name="f38" fmla="*/ f6 f33 1"/>
-                <a:gd name="f39" fmla="+- f37 0 f6"/>
-                <a:gd name="f40" fmla="+- f36 0 f6"/>
-                <a:gd name="f41" fmla="*/ f37 f33 1"/>
-                <a:gd name="f42" fmla="*/ f36 f33 1"/>
-                <a:gd name="f43" fmla="*/ f39 1 2"/>
-                <a:gd name="f44" fmla="*/ f40 1 2"/>
-                <a:gd name="f45" fmla="*/ f40 f6 1"/>
-                <a:gd name="f46" fmla="+- f6 f43 0"/>
-                <a:gd name="f47" fmla="*/ f45 1 200000"/>
-                <a:gd name="f48" fmla="*/ f45 1 100000"/>
-                <a:gd name="f49" fmla="+- f47 f44 0"/>
-                <a:gd name="f50" fmla="*/ f47 f33 1"/>
-                <a:gd name="f51" fmla="*/ f46 f33 1"/>
-                <a:gd name="f52" fmla="*/ f48 f33 1"/>
-                <a:gd name="f53" fmla="*/ f49 f33 1"/>
-              </a:gdLst>
-              <a:ahLst/>
-              <a:cxnLst>
-                <a:cxn ang="3cd4">
-                  <a:pos x="hc" y="t"/>
-                </a:cxn>
-                <a:cxn ang="0">
-                  <a:pos x="r" y="vc"/>
-                </a:cxn>
-                <a:cxn ang="cd4">
-                  <a:pos x="hc" y="b"/>
-                </a:cxn>
-                <a:cxn ang="cd2">
-                  <a:pos x="l" y="vc"/>
-                </a:cxn>
-                <a:cxn ang="f29">
-                  <a:pos x="f52" y="f38"/>
-                </a:cxn>
-                <a:cxn ang="f30">
-                  <a:pos x="f50" y="f51"/>
-                </a:cxn>
-                <a:cxn ang="f31">
-                  <a:pos x="f38" y="f41"/>
-                </a:cxn>
-                <a:cxn ang="f31">
-                  <a:pos x="f52" y="f41"/>
-                </a:cxn>
-                <a:cxn ang="f31">
-                  <a:pos x="f42" y="f41"/>
-                </a:cxn>
-                <a:cxn ang="f32">
-                  <a:pos x="f53" y="f51"/>
-                </a:cxn>
-              </a:cxnLst>
-              <a:rect l="f50" t="f51" r="f53" b="f41"/>
-              <a:pathLst>
-                <a:path>
-                  <a:moveTo>
-                    <a:pt x="f38" y="f41"/>
-                  </a:moveTo>
-                  <a:lnTo>
-                    <a:pt x="f52" y="f38"/>
-                  </a:lnTo>
-                  <a:lnTo>
-                    <a:pt x="f42" y="f41"/>
-                  </a:lnTo>
-                  <a:close/>
-                </a:path>
-              </a:pathLst>
-            </a:custGeom>
-            <a:solidFill>
-              <a:srgbClr val="404040">
-                <a:alpha val="68000"/>
-              </a:srgbClr>
-            </a:solidFill>
-            <a:ln cap="flat">
-              <a:noFill/>
-              <a:prstDash val="solid"/>
-            </a:ln>
-          </p:spPr>
-          <p:txBody>
-            <a:bodyPr vert="horz" wrap="square" lIns="91440" tIns="45720" rIns="91440" bIns="45720" anchor="ctr" anchorCtr="1" compatLnSpc="1">
-              <a:noAutofit/>
-            </a:bodyPr>
-            <a:lstStyle/>
-            <a:p>
-              <a:pPr marL="0" marR="0" lvl="0" indent="0" algn="ctr" defTabSz="914400" rtl="0" fontAlgn="auto" hangingPunct="1">
-                <a:lnSpc>
-                  <a:spcPct val="100000"/>
-                </a:lnSpc>
-                <a:spcBef>
-                  <a:spcPts val="0"/>
-                </a:spcBef>
-                <a:spcAft>
-                  <a:spcPts val="0"/>
-                </a:spcAft>
-                <a:buNone/>
-                <a:tabLst/>
-                <a:defRPr sz="1800" b="0" i="0" u="none" strike="noStrike" kern="0" cap="none" spc="0" baseline="0">
-                  <a:solidFill>
-                    <a:srgbClr val="000000"/>
-                  </a:solidFill>
-                  <a:uFillTx/>
-                </a:defRPr>
-              </a:pPr>
-              <a:endParaRPr lang="fr-FR" sz="1800" b="0" i="0" u="none" strike="noStrike" kern="1200" cap="none" spc="0" baseline="0">
-                <a:solidFill>
-                  <a:srgbClr val="FFFFFF"/>
-                </a:solidFill>
-                <a:uFillTx/>
-                <a:latin typeface="Calibri"/>
-              </a:endParaRPr>
-            </a:p>
-          </p:txBody>
-        </p:sp>
-      </p:grpSp>
-      <p:sp>
-        <p:nvSpPr>
-          <p:cNvPr id="7" name="TextBox 13">
-            <a:extLst>
-              <a:ext uri="{FF2B5EF4-FFF2-40B4-BE49-F238E27FC236}">
-                <a16:creationId xmlns:a16="http://schemas.microsoft.com/office/drawing/2014/main" id="{994BE803-BA89-437A-837B-54D471A0A161}"/>
-              </a:ext>
-            </a:extLst>
-          </p:cNvPr>
-          <p:cNvSpPr txBox="1"/>
-          <p:nvPr/>
-        </p:nvSpPr>
-        <p:spPr>
-          <a:xfrm>
-            <a:off x="0" y="6400800"/>
-            <a:ext cx="12191996" cy="646331"/>
+            <a:off x="11195182" y="70582"/>
+            <a:ext cx="905073" cy="905073"/>
           </a:xfrm>
           <a:prstGeom prst="rect">
             <a:avLst/>
@@ -8152,59 +9034,37 @@
             <a:noFill/>
           </a:ln>
         </p:spPr>
-        <p:txBody>
-          <a:bodyPr vert="horz" wrap="square" lIns="91440" tIns="45720" rIns="91440" bIns="45720" anchor="t" anchorCtr="0" compatLnSpc="1">
-            <a:spAutoFit/>
-          </a:bodyPr>
-          <a:lstStyle/>
-          <a:p>
-            <a:pPr algn="ctr">
-              <a:defRPr sz="1800" b="0" i="0" u="none" strike="noStrike" kern="0" cap="none" spc="0" baseline="0">
-                <a:solidFill>
-                  <a:srgbClr val="000000"/>
-                </a:solidFill>
-                <a:uFillTx/>
-              </a:defRPr>
-            </a:pPr>
-            <a:r>
-              <a:rPr lang="fr-FR" dirty="0">
-                <a:solidFill>
-                  <a:srgbClr val="FFFFFF"/>
-                </a:solidFill>
-              </a:rPr>
-              <a:t>15 Septembre 2018 - #FrPwshSat2018</a:t>
-            </a:r>
-          </a:p>
-          <a:p>
-            <a:pPr marL="0" marR="0" lvl="0" indent="0" algn="ctr" defTabSz="914400" rtl="0" fontAlgn="auto" hangingPunct="1">
-              <a:lnSpc>
-                <a:spcPct val="100000"/>
-              </a:lnSpc>
-              <a:spcBef>
-                <a:spcPts val="0"/>
-              </a:spcBef>
-              <a:spcAft>
-                <a:spcPts val="0"/>
-              </a:spcAft>
-              <a:buNone/>
-              <a:tabLst/>
-              <a:defRPr sz="1800" b="0" i="0" u="none" strike="noStrike" kern="0" cap="none" spc="0" baseline="0">
-                <a:solidFill>
-                  <a:srgbClr val="000000"/>
-                </a:solidFill>
-                <a:uFillTx/>
-              </a:defRPr>
-            </a:pPr>
-            <a:endParaRPr lang="fr-FR" sz="1800" b="0" i="0" u="none" strike="noStrike" kern="1200" cap="none" spc="0" baseline="0" dirty="0">
-              <a:solidFill>
-                <a:srgbClr val="FFFFFF"/>
-              </a:solidFill>
-              <a:uFillTx/>
-              <a:latin typeface="Calibri"/>
-            </a:endParaRPr>
-          </a:p>
-        </p:txBody>
-      </p:sp>
+      </p:pic>
+    </p:spTree>
+    <p:extLst>
+      <p:ext uri="{BB962C8B-B14F-4D97-AF65-F5344CB8AC3E}">
+        <p14:creationId xmlns:p14="http://schemas.microsoft.com/office/powerpoint/2010/main" val="853394293"/>
+      </p:ext>
+    </p:extLst>
+  </p:cSld>
+  <p:clrMapOvr>
+    <a:masterClrMapping/>
+  </p:clrMapOvr>
+</p:sld>
+</file>
+
+<file path=ppt/slides/slide4.xml><?xml version="1.0" encoding="utf-8"?>
+<p:sld xmlns:a="http://schemas.openxmlformats.org/drawingml/2006/main" xmlns:r="http://schemas.openxmlformats.org/officeDocument/2006/relationships" xmlns:p="http://schemas.openxmlformats.org/presentationml/2006/main">
+  <p:cSld>
+    <p:spTree>
+      <p:nvGrpSpPr>
+        <p:cNvPr id="1" name=""/>
+        <p:cNvGrpSpPr/>
+        <p:nvPr/>
+      </p:nvGrpSpPr>
+      <p:grpSpPr>
+        <a:xfrm>
+          <a:off x="0" y="0"/>
+          <a:ext cx="0" cy="0"/>
+          <a:chOff x="0" y="0"/>
+          <a:chExt cx="0" cy="0"/>
+        </a:xfrm>
+      </p:grpSpPr>
       <p:pic>
         <p:nvPicPr>
           <p:cNvPr id="8" name="Picture 17">
@@ -8290,28 +9150,147 @@
               </a:defRPr>
             </a:pPr>
             <a:r>
-              <a:rPr lang="fr-FR" sz="3600" b="1" dirty="0" err="1">
-                <a:solidFill>
-                  <a:srgbClr val="FFFFFF"/>
-                </a:solidFill>
+              <a:rPr lang="fr-FR" sz="3600" b="1" i="0" u="none" strike="noStrike" kern="1200" cap="none" spc="0" baseline="0" dirty="0">
+                <a:uFillTx/>
                 <a:latin typeface="Calibri"/>
               </a:rPr>
-              <a:t>Demo</a:t>
-            </a:r>
-            <a:endParaRPr lang="fr-FR" sz="3600" b="1" i="0" u="none" strike="noStrike" kern="1200" cap="none" spc="0" baseline="0" dirty="0">
-              <a:solidFill>
-                <a:srgbClr val="FFFFFF"/>
-              </a:solidFill>
+              <a:t>PSScriptAnalyzer ?</a:t>
+            </a:r>
+          </a:p>
+        </p:txBody>
+      </p:sp>
+      <p:sp>
+        <p:nvSpPr>
+          <p:cNvPr id="11" name="TextBox 19">
+            <a:extLst>
+              <a:ext uri="{FF2B5EF4-FFF2-40B4-BE49-F238E27FC236}">
+                <a16:creationId xmlns:a16="http://schemas.microsoft.com/office/drawing/2014/main" id="{B2A12BA0-5118-4CA2-97AA-BCB16D8AE244}"/>
+              </a:ext>
+            </a:extLst>
+          </p:cNvPr>
+          <p:cNvSpPr txBox="1"/>
+          <p:nvPr/>
+        </p:nvSpPr>
+        <p:spPr>
+          <a:xfrm>
+            <a:off x="91745" y="734196"/>
+            <a:ext cx="10384232" cy="2339102"/>
+          </a:xfrm>
+          <a:prstGeom prst="rect">
+            <a:avLst/>
+          </a:prstGeom>
+          <a:noFill/>
+          <a:ln cap="flat">
+            <a:noFill/>
+          </a:ln>
+        </p:spPr>
+        <p:txBody>
+          <a:bodyPr vert="horz" wrap="square" lIns="91440" tIns="45720" rIns="91440" bIns="45720" anchor="t" anchorCtr="0" compatLnSpc="1">
+            <a:spAutoFit/>
+          </a:bodyPr>
+          <a:lstStyle/>
+          <a:p>
+            <a:pPr lvl="0">
+              <a:defRPr sz="1800" b="0" i="0" u="none" strike="noStrike" kern="0" cap="none" spc="0" baseline="0">
+                <a:solidFill>
+                  <a:srgbClr val="000000"/>
+                </a:solidFill>
+                <a:uFillTx/>
+              </a:defRPr>
+            </a:pPr>
+            <a:r>
+              <a:rPr lang="fr-FR" sz="3200" dirty="0"/>
+              <a:t>PSScriptAnalyzer fournit une analyse de script et vérifie les éventuels défauts de code dans les scripts en appliquant un groupe de règles intégrées ou personnalisées aux scripts analysés. </a:t>
+            </a:r>
+            <a:endParaRPr lang="fr-FR" sz="3200" dirty="0">
+              <a:latin typeface="Calibri"/>
+            </a:endParaRPr>
+          </a:p>
+          <a:p>
+            <a:pPr lvl="0">
+              <a:defRPr sz="1800" b="0" i="0" u="none" strike="noStrike" kern="0" cap="none" spc="0" baseline="0">
+                <a:solidFill>
+                  <a:srgbClr val="000000"/>
+                </a:solidFill>
+                <a:uFillTx/>
+              </a:defRPr>
+            </a:pPr>
+            <a:endParaRPr lang="fr-FR" i="0" u="none" strike="noStrike" kern="1200" cap="none" spc="0" baseline="0" dirty="0">
               <a:uFillTx/>
               <a:latin typeface="Calibri"/>
             </a:endParaRPr>
           </a:p>
         </p:txBody>
       </p:sp>
+      <p:pic>
+        <p:nvPicPr>
+          <p:cNvPr id="10" name="Picture 9">
+            <a:extLst>
+              <a:ext uri="{FF2B5EF4-FFF2-40B4-BE49-F238E27FC236}">
+                <a16:creationId xmlns:a16="http://schemas.microsoft.com/office/drawing/2014/main" id="{F7E4915E-7B7C-43C0-B546-E994EB28B267}"/>
+              </a:ext>
+            </a:extLst>
+          </p:cNvPr>
+          <p:cNvPicPr>
+            <a:picLocks noChangeAspect="1"/>
+          </p:cNvPicPr>
+          <p:nvPr/>
+        </p:nvPicPr>
+        <p:blipFill>
+          <a:blip r:embed="rId4"/>
+          <a:stretch>
+            <a:fillRect/>
+          </a:stretch>
+        </p:blipFill>
+        <p:spPr>
+          <a:xfrm>
+            <a:off x="1439774" y="2766785"/>
+            <a:ext cx="9312447" cy="3558848"/>
+          </a:xfrm>
+          <a:prstGeom prst="rect">
+            <a:avLst/>
+          </a:prstGeom>
+        </p:spPr>
+      </p:pic>
+      <p:sp>
+        <p:nvSpPr>
+          <p:cNvPr id="2" name="TextBox 1">
+            <a:extLst>
+              <a:ext uri="{FF2B5EF4-FFF2-40B4-BE49-F238E27FC236}">
+                <a16:creationId xmlns:a16="http://schemas.microsoft.com/office/drawing/2014/main" id="{D4417182-69A7-4C9A-854E-3140FECF9EC7}"/>
+              </a:ext>
+            </a:extLst>
+          </p:cNvPr>
+          <p:cNvSpPr txBox="1"/>
+          <p:nvPr/>
+        </p:nvSpPr>
+        <p:spPr>
+          <a:xfrm>
+            <a:off x="557346" y="6518004"/>
+            <a:ext cx="5538651" cy="369332"/>
+          </a:xfrm>
+          <a:prstGeom prst="rect">
+            <a:avLst/>
+          </a:prstGeom>
+          <a:noFill/>
+        </p:spPr>
+        <p:txBody>
+          <a:bodyPr wrap="square" rtlCol="0">
+            <a:spAutoFit/>
+          </a:bodyPr>
+          <a:lstStyle/>
+          <a:p>
+            <a:r>
+              <a:rPr lang="en-CA" dirty="0"/>
+              <a:t>https://github.com/PowerShell/PSScriptAnalyzer</a:t>
+            </a:r>
+          </a:p>
+        </p:txBody>
+      </p:sp>
     </p:spTree>
     <p:extLst>
       <p:ext uri="{BB962C8B-B14F-4D97-AF65-F5344CB8AC3E}">
-        <p14:creationId xmlns:p14="http://schemas.microsoft.com/office/powerpoint/2010/main" val="446719906"/>
+        <p14:creationId xmlns:p14="http://schemas.microsoft.com/office/powerpoint/2010/main" val="1770106738"/>
       </p:ext>
     </p:extLst>
   </p:cSld>
@@ -8321,7 +9300,7 @@
 </p:sld>
 </file>
 
-<file path=ppt/slides/slide6.xml><?xml version="1.0" encoding="utf-8"?>
+<file path=ppt/slides/slide5.xml><?xml version="1.0" encoding="utf-8"?>
 <p:sld xmlns:a="http://schemas.openxmlformats.org/drawingml/2006/main" xmlns:r="http://schemas.openxmlformats.org/officeDocument/2006/relationships" xmlns:p="http://schemas.openxmlformats.org/presentationml/2006/main">
   <p:cSld>
     <p:spTree>
@@ -8338,153 +9317,6 @@
           <a:chExt cx="0" cy="0"/>
         </a:xfrm>
       </p:grpSpPr>
-      <p:pic>
-        <p:nvPicPr>
-          <p:cNvPr id="2" name="Picture 4">
-            <a:extLst>
-              <a:ext uri="{FF2B5EF4-FFF2-40B4-BE49-F238E27FC236}">
-                <a16:creationId xmlns:a16="http://schemas.microsoft.com/office/drawing/2014/main" id="{965C7303-B529-4F73-8F11-AF8B177FF414}"/>
-              </a:ext>
-            </a:extLst>
-          </p:cNvPr>
-          <p:cNvPicPr>
-            <a:picLocks noChangeAspect="1"/>
-          </p:cNvPicPr>
-          <p:nvPr/>
-        </p:nvPicPr>
-        <p:blipFill>
-          <a:blip r:embed="rId2"/>
-          <a:stretch>
-            <a:fillRect/>
-          </a:stretch>
-        </p:blipFill>
-        <p:spPr>
-          <a:xfrm>
-            <a:off x="0" y="2560"/>
-            <a:ext cx="12191996" cy="6855439"/>
-          </a:xfrm>
-          <a:prstGeom prst="rect">
-            <a:avLst/>
-          </a:prstGeom>
-          <a:noFill/>
-          <a:ln cap="flat">
-            <a:noFill/>
-          </a:ln>
-        </p:spPr>
-      </p:pic>
-      <p:sp>
-        <p:nvSpPr>
-          <p:cNvPr id="3" name="TextBox 7">
-            <a:extLst>
-              <a:ext uri="{FF2B5EF4-FFF2-40B4-BE49-F238E27FC236}">
-                <a16:creationId xmlns:a16="http://schemas.microsoft.com/office/drawing/2014/main" id="{BAE8C1E2-6F3D-421E-AEEC-58E177C5B153}"/>
-              </a:ext>
-            </a:extLst>
-          </p:cNvPr>
-          <p:cNvSpPr txBox="1"/>
-          <p:nvPr/>
-        </p:nvSpPr>
-        <p:spPr>
-          <a:xfrm>
-            <a:off x="5255660" y="107908"/>
-            <a:ext cx="10024219" cy="707882"/>
-          </a:xfrm>
-          <a:prstGeom prst="rect">
-            <a:avLst/>
-          </a:prstGeom>
-          <a:noFill/>
-          <a:ln cap="flat">
-            <a:noFill/>
-          </a:ln>
-        </p:spPr>
-        <p:txBody>
-          <a:bodyPr vert="horz" wrap="square" lIns="91440" tIns="45720" rIns="91440" bIns="45720" anchor="t" anchorCtr="0" compatLnSpc="1">
-            <a:spAutoFit/>
-          </a:bodyPr>
-          <a:lstStyle/>
-          <a:p>
-            <a:pPr marL="0" marR="0" lvl="0" indent="0" algn="l" defTabSz="914400" rtl="0" fontAlgn="auto" hangingPunct="1">
-              <a:lnSpc>
-                <a:spcPct val="100000"/>
-              </a:lnSpc>
-              <a:spcBef>
-                <a:spcPts val="0"/>
-              </a:spcBef>
-              <a:spcAft>
-                <a:spcPts val="0"/>
-              </a:spcAft>
-              <a:buNone/>
-              <a:tabLst/>
-              <a:defRPr sz="1800" b="0" i="0" u="none" strike="noStrike" kern="0" cap="none" spc="0" baseline="0">
-                <a:solidFill>
-                  <a:srgbClr val="000000"/>
-                </a:solidFill>
-                <a:uFillTx/>
-              </a:defRPr>
-            </a:pPr>
-            <a:r>
-              <a:rPr lang="fr-FR" sz="4000" b="0" i="0" u="none" strike="noStrike" kern="1200" cap="none" spc="0" baseline="0" dirty="0">
-                <a:solidFill>
-                  <a:srgbClr val="FFFFFF"/>
-                </a:solidFill>
-                <a:uFillTx/>
-                <a:latin typeface="Calibri"/>
-              </a:rPr>
-              <a:t>French PowerShell Saturday</a:t>
-            </a:r>
-          </a:p>
-        </p:txBody>
-      </p:sp>
-      <p:sp>
-        <p:nvSpPr>
-          <p:cNvPr id="7" name="TextBox 13">
-            <a:extLst>
-              <a:ext uri="{FF2B5EF4-FFF2-40B4-BE49-F238E27FC236}">
-                <a16:creationId xmlns:a16="http://schemas.microsoft.com/office/drawing/2014/main" id="{994BE803-BA89-437A-837B-54D471A0A161}"/>
-              </a:ext>
-            </a:extLst>
-          </p:cNvPr>
-          <p:cNvSpPr txBox="1"/>
-          <p:nvPr/>
-        </p:nvSpPr>
-        <p:spPr>
-          <a:xfrm>
-            <a:off x="0" y="6400800"/>
-            <a:ext cx="12191996" cy="369335"/>
-          </a:xfrm>
-          <a:prstGeom prst="rect">
-            <a:avLst/>
-          </a:prstGeom>
-          <a:noFill/>
-          <a:ln cap="flat">
-            <a:noFill/>
-          </a:ln>
-        </p:spPr>
-        <p:txBody>
-          <a:bodyPr vert="horz" wrap="square" lIns="91440" tIns="45720" rIns="91440" bIns="45720" anchor="t" anchorCtr="0" compatLnSpc="1">
-            <a:spAutoFit/>
-          </a:bodyPr>
-          <a:lstStyle/>
-          <a:p>
-            <a:pPr lvl="0" algn="ctr">
-              <a:defRPr sz="1800" b="0" i="0" u="none" strike="noStrike" kern="0" cap="none" spc="0" baseline="0">
-                <a:solidFill>
-                  <a:srgbClr val="000000"/>
-                </a:solidFill>
-                <a:uFillTx/>
-              </a:defRPr>
-            </a:pPr>
-            <a:r>
-              <a:rPr lang="fr-FR" dirty="0">
-                <a:solidFill>
-                  <a:srgbClr val="FFFFFF"/>
-                </a:solidFill>
-              </a:rPr>
-              <a:t>15 Septembre 2018 - #FrPwshSat2018</a:t>
-            </a:r>
-          </a:p>
-        </p:txBody>
-      </p:sp>
       <p:pic>
         <p:nvPicPr>
           <p:cNvPr id="8" name="Picture 17">
@@ -8521,240 +9353,6 @@
       </p:pic>
       <p:sp>
         <p:nvSpPr>
-          <p:cNvPr id="18" name="Rectangle 11">
-            <a:extLst>
-              <a:ext uri="{FF2B5EF4-FFF2-40B4-BE49-F238E27FC236}">
-                <a16:creationId xmlns:a16="http://schemas.microsoft.com/office/drawing/2014/main" id="{3FD09911-639A-4418-A70E-26B03418CA43}"/>
-              </a:ext>
-            </a:extLst>
-          </p:cNvPr>
-          <p:cNvSpPr/>
-          <p:nvPr/>
-        </p:nvSpPr>
-        <p:spPr>
-          <a:xfrm>
-            <a:off x="0" y="2561"/>
-            <a:ext cx="4785649" cy="6855439"/>
-          </a:xfrm>
-          <a:prstGeom prst="rect">
-            <a:avLst/>
-          </a:prstGeom>
-          <a:solidFill>
-            <a:schemeClr val="bg1">
-              <a:alpha val="68000"/>
-            </a:schemeClr>
-          </a:solidFill>
-          <a:ln cap="flat">
-            <a:noFill/>
-            <a:prstDash val="solid"/>
-          </a:ln>
-        </p:spPr>
-        <p:txBody>
-          <a:bodyPr vert="horz" wrap="square" lIns="91440" tIns="45720" rIns="91440" bIns="45720" anchor="ctr" anchorCtr="1" compatLnSpc="1">
-            <a:noAutofit/>
-          </a:bodyPr>
-          <a:lstStyle/>
-          <a:p>
-            <a:pPr marL="0" marR="0" lvl="0" indent="0" algn="ctr" defTabSz="914400" rtl="0" fontAlgn="auto" hangingPunct="1">
-              <a:lnSpc>
-                <a:spcPct val="100000"/>
-              </a:lnSpc>
-              <a:spcBef>
-                <a:spcPts val="0"/>
-              </a:spcBef>
-              <a:spcAft>
-                <a:spcPts val="0"/>
-              </a:spcAft>
-              <a:buNone/>
-              <a:tabLst/>
-              <a:defRPr sz="1800" b="0" i="0" u="none" strike="noStrike" kern="0" cap="none" spc="0" baseline="0">
-                <a:solidFill>
-                  <a:srgbClr val="000000"/>
-                </a:solidFill>
-                <a:uFillTx/>
-              </a:defRPr>
-            </a:pPr>
-            <a:endParaRPr lang="fr-FR" sz="1800" b="0" i="0" u="none" strike="noStrike" kern="1200" cap="none" spc="0" baseline="0">
-              <a:solidFill>
-                <a:srgbClr val="FFFFFF"/>
-              </a:solidFill>
-              <a:uFillTx/>
-              <a:latin typeface="Calibri"/>
-            </a:endParaRPr>
-          </a:p>
-        </p:txBody>
-      </p:sp>
-      <p:sp>
-        <p:nvSpPr>
-          <p:cNvPr id="19" name="Isosceles Triangle 12">
-            <a:extLst>
-              <a:ext uri="{FF2B5EF4-FFF2-40B4-BE49-F238E27FC236}">
-                <a16:creationId xmlns:a16="http://schemas.microsoft.com/office/drawing/2014/main" id="{1F458274-F48E-49EE-B3AC-80EE6E72A825}"/>
-              </a:ext>
-            </a:extLst>
-          </p:cNvPr>
-          <p:cNvSpPr/>
-          <p:nvPr/>
-        </p:nvSpPr>
-        <p:spPr>
-          <a:xfrm>
-            <a:off x="4785649" y="0"/>
-            <a:ext cx="3375589" cy="6858000"/>
-          </a:xfrm>
-          <a:custGeom>
-            <a:avLst/>
-            <a:gdLst>
-              <a:gd name="f0" fmla="val 10800000"/>
-              <a:gd name="f1" fmla="val 5400000"/>
-              <a:gd name="f2" fmla="val 180"/>
-              <a:gd name="f3" fmla="val w"/>
-              <a:gd name="f4" fmla="val h"/>
-              <a:gd name="f5" fmla="val ss"/>
-              <a:gd name="f6" fmla="val 0"/>
-              <a:gd name="f7" fmla="+- 0 0 -360"/>
-              <a:gd name="f8" fmla="+- 0 0 -270"/>
-              <a:gd name="f9" fmla="+- 0 0 -180"/>
-              <a:gd name="f10" fmla="+- 0 0 -90"/>
-              <a:gd name="f11" fmla="abs f3"/>
-              <a:gd name="f12" fmla="abs f4"/>
-              <a:gd name="f13" fmla="abs f5"/>
-              <a:gd name="f14" fmla="*/ f7 f0 1"/>
-              <a:gd name="f15" fmla="*/ f8 f0 1"/>
-              <a:gd name="f16" fmla="*/ f9 f0 1"/>
-              <a:gd name="f17" fmla="*/ f10 f0 1"/>
-              <a:gd name="f18" fmla="?: f11 f3 1"/>
-              <a:gd name="f19" fmla="?: f12 f4 1"/>
-              <a:gd name="f20" fmla="?: f13 f5 1"/>
-              <a:gd name="f21" fmla="*/ f14 1 f2"/>
-              <a:gd name="f22" fmla="*/ f15 1 f2"/>
-              <a:gd name="f23" fmla="*/ f16 1 f2"/>
-              <a:gd name="f24" fmla="*/ f17 1 f2"/>
-              <a:gd name="f25" fmla="*/ f18 1 21600"/>
-              <a:gd name="f26" fmla="*/ f19 1 21600"/>
-              <a:gd name="f27" fmla="*/ 21600 f18 1"/>
-              <a:gd name="f28" fmla="*/ 21600 f19 1"/>
-              <a:gd name="f29" fmla="+- f21 0 f1"/>
-              <a:gd name="f30" fmla="+- f22 0 f1"/>
-              <a:gd name="f31" fmla="+- f23 0 f1"/>
-              <a:gd name="f32" fmla="+- f24 0 f1"/>
-              <a:gd name="f33" fmla="min f26 f25"/>
-              <a:gd name="f34" fmla="*/ f27 1 f20"/>
-              <a:gd name="f35" fmla="*/ f28 1 f20"/>
-              <a:gd name="f36" fmla="val f34"/>
-              <a:gd name="f37" fmla="val f35"/>
-              <a:gd name="f38" fmla="*/ f6 f33 1"/>
-              <a:gd name="f39" fmla="+- f37 0 f6"/>
-              <a:gd name="f40" fmla="+- f36 0 f6"/>
-              <a:gd name="f41" fmla="*/ f37 f33 1"/>
-              <a:gd name="f42" fmla="*/ f36 f33 1"/>
-              <a:gd name="f43" fmla="*/ f39 1 2"/>
-              <a:gd name="f44" fmla="*/ f40 1 2"/>
-              <a:gd name="f45" fmla="*/ f40 f6 1"/>
-              <a:gd name="f46" fmla="+- f6 f43 0"/>
-              <a:gd name="f47" fmla="*/ f45 1 200000"/>
-              <a:gd name="f48" fmla="*/ f45 1 100000"/>
-              <a:gd name="f49" fmla="+- f47 f44 0"/>
-              <a:gd name="f50" fmla="*/ f47 f33 1"/>
-              <a:gd name="f51" fmla="*/ f46 f33 1"/>
-              <a:gd name="f52" fmla="*/ f48 f33 1"/>
-              <a:gd name="f53" fmla="*/ f49 f33 1"/>
-            </a:gdLst>
-            <a:ahLst/>
-            <a:cxnLst>
-              <a:cxn ang="3cd4">
-                <a:pos x="hc" y="t"/>
-              </a:cxn>
-              <a:cxn ang="0">
-                <a:pos x="r" y="vc"/>
-              </a:cxn>
-              <a:cxn ang="cd4">
-                <a:pos x="hc" y="b"/>
-              </a:cxn>
-              <a:cxn ang="cd2">
-                <a:pos x="l" y="vc"/>
-              </a:cxn>
-              <a:cxn ang="f29">
-                <a:pos x="f52" y="f38"/>
-              </a:cxn>
-              <a:cxn ang="f30">
-                <a:pos x="f50" y="f51"/>
-              </a:cxn>
-              <a:cxn ang="f31">
-                <a:pos x="f38" y="f41"/>
-              </a:cxn>
-              <a:cxn ang="f31">
-                <a:pos x="f52" y="f41"/>
-              </a:cxn>
-              <a:cxn ang="f31">
-                <a:pos x="f42" y="f41"/>
-              </a:cxn>
-              <a:cxn ang="f32">
-                <a:pos x="f53" y="f51"/>
-              </a:cxn>
-            </a:cxnLst>
-            <a:rect l="f50" t="f51" r="f53" b="f41"/>
-            <a:pathLst>
-              <a:path>
-                <a:moveTo>
-                  <a:pt x="f38" y="f41"/>
-                </a:moveTo>
-                <a:lnTo>
-                  <a:pt x="f52" y="f38"/>
-                </a:lnTo>
-                <a:lnTo>
-                  <a:pt x="f42" y="f41"/>
-                </a:lnTo>
-                <a:close/>
-              </a:path>
-            </a:pathLst>
-          </a:custGeom>
-          <a:solidFill>
-            <a:schemeClr val="bg1">
-              <a:alpha val="68000"/>
-            </a:schemeClr>
-          </a:solidFill>
-          <a:ln cap="flat">
-            <a:noFill/>
-            <a:prstDash val="solid"/>
-          </a:ln>
-        </p:spPr>
-        <p:txBody>
-          <a:bodyPr vert="horz" wrap="square" lIns="91440" tIns="45720" rIns="91440" bIns="45720" anchor="ctr" anchorCtr="1" compatLnSpc="1">
-            <a:noAutofit/>
-          </a:bodyPr>
-          <a:lstStyle/>
-          <a:p>
-            <a:pPr marL="0" marR="0" lvl="0" indent="0" algn="ctr" defTabSz="914400" rtl="0" fontAlgn="auto" hangingPunct="1">
-              <a:lnSpc>
-                <a:spcPct val="100000"/>
-              </a:lnSpc>
-              <a:spcBef>
-                <a:spcPts val="0"/>
-              </a:spcBef>
-              <a:spcAft>
-                <a:spcPts val="0"/>
-              </a:spcAft>
-              <a:buNone/>
-              <a:tabLst/>
-              <a:defRPr sz="1800" b="0" i="0" u="none" strike="noStrike" kern="0" cap="none" spc="0" baseline="0">
-                <a:solidFill>
-                  <a:srgbClr val="000000"/>
-                </a:solidFill>
-                <a:uFillTx/>
-              </a:defRPr>
-            </a:pPr>
-            <a:endParaRPr lang="fr-FR" sz="1800" b="0" i="0" u="none" strike="noStrike" kern="1200" cap="none" spc="0" baseline="0">
-              <a:solidFill>
-                <a:srgbClr val="FFFFFF"/>
-              </a:solidFill>
-              <a:uFillTx/>
-              <a:latin typeface="Calibri"/>
-            </a:endParaRPr>
-          </a:p>
-        </p:txBody>
-      </p:sp>
-      <p:sp>
-        <p:nvSpPr>
           <p:cNvPr id="9" name="TextBox 19">
             <a:extLst>
               <a:ext uri="{FF2B5EF4-FFF2-40B4-BE49-F238E27FC236}">
@@ -8767,8 +9365,8 @@
         </p:nvSpPr>
         <p:spPr>
           <a:xfrm>
-            <a:off x="235002" y="785533"/>
-            <a:ext cx="12191999" cy="646331"/>
+            <a:off x="91745" y="87865"/>
+            <a:ext cx="10384232" cy="646331"/>
           </a:xfrm>
           <a:prstGeom prst="rect">
             <a:avLst/>
@@ -8804,30 +9402,215 @@
               </a:defRPr>
             </a:pPr>
             <a:r>
-              <a:rPr lang="fr-FR" sz="3600" b="1" dirty="0">
-                <a:solidFill>
-                  <a:srgbClr val="FFFFFF"/>
-                </a:solidFill>
+              <a:rPr lang="fr-FR" sz="3600" b="1" i="0" u="none" strike="noStrike" kern="1200" cap="none" spc="0" baseline="0" dirty="0">
+                <a:uFillTx/>
                 <a:latin typeface="Calibri"/>
               </a:rPr>
-              <a:t>Merci à nos sponsors !!</a:t>
-            </a:r>
-            <a:endParaRPr lang="fr-FR" sz="3600" b="1" i="0" u="none" strike="noStrike" kern="1200" cap="none" spc="0" baseline="0" dirty="0">
-              <a:solidFill>
-                <a:srgbClr val="FFFFFF"/>
-              </a:solidFill>
+              <a:t>Pourquoi l’utiliser ?</a:t>
+            </a:r>
+          </a:p>
+        </p:txBody>
+      </p:sp>
+      <p:sp>
+        <p:nvSpPr>
+          <p:cNvPr id="11" name="TextBox 19">
+            <a:extLst>
+              <a:ext uri="{FF2B5EF4-FFF2-40B4-BE49-F238E27FC236}">
+                <a16:creationId xmlns:a16="http://schemas.microsoft.com/office/drawing/2014/main" id="{B2A12BA0-5118-4CA2-97AA-BCB16D8AE244}"/>
+              </a:ext>
+            </a:extLst>
+          </p:cNvPr>
+          <p:cNvSpPr txBox="1"/>
+          <p:nvPr/>
+        </p:nvSpPr>
+        <p:spPr>
+          <a:xfrm>
+            <a:off x="91745" y="1359347"/>
+            <a:ext cx="10384232" cy="3754874"/>
+          </a:xfrm>
+          <a:prstGeom prst="rect">
+            <a:avLst/>
+          </a:prstGeom>
+          <a:noFill/>
+          <a:ln cap="flat">
+            <a:noFill/>
+          </a:ln>
+        </p:spPr>
+        <p:txBody>
+          <a:bodyPr vert="horz" wrap="square" lIns="91440" tIns="45720" rIns="91440" bIns="45720" anchor="t" anchorCtr="0" compatLnSpc="1">
+            <a:spAutoFit/>
+          </a:bodyPr>
+          <a:lstStyle/>
+          <a:p>
+            <a:pPr marL="742950" lvl="1" indent="-285750">
+              <a:buFont typeface="Arial" panose="020B0604020202020204" pitchFamily="34" charset="0"/>
+              <a:buChar char="•"/>
+              <a:defRPr sz="1800" b="0" i="0" u="none" strike="noStrike" kern="0" cap="none" spc="0" baseline="0">
+                <a:solidFill>
+                  <a:srgbClr val="000000"/>
+                </a:solidFill>
+                <a:uFillTx/>
+              </a:defRPr>
+            </a:pPr>
+            <a:r>
+              <a:rPr lang="fr-FR" sz="4400" dirty="0">
+                <a:latin typeface="Calibri"/>
+              </a:rPr>
+              <a:t>Les règles</a:t>
+            </a:r>
+            <a:r>
+              <a:rPr lang="fr-FR" sz="4400" dirty="0"/>
+              <a:t> intégré (</a:t>
+            </a:r>
+            <a:r>
+              <a:rPr lang="fr-FR" sz="4400" dirty="0" err="1"/>
+              <a:t>Built-in</a:t>
+            </a:r>
+            <a:r>
+              <a:rPr lang="fr-FR" sz="4400" dirty="0"/>
+              <a:t> </a:t>
+            </a:r>
+            <a:r>
+              <a:rPr lang="fr-FR" sz="4400" dirty="0" err="1"/>
+              <a:t>rules</a:t>
+            </a:r>
+            <a:r>
+              <a:rPr lang="fr-FR" sz="4400" dirty="0"/>
+              <a:t>)</a:t>
+            </a:r>
+            <a:endParaRPr lang="fr-FR" sz="4400" i="0" u="none" strike="noStrike" kern="1200" cap="none" spc="0" baseline="0" dirty="0">
               <a:uFillTx/>
               <a:latin typeface="Calibri"/>
             </a:endParaRPr>
           </a:p>
-        </p:txBody>
-      </p:sp>
+          <a:p>
+            <a:pPr marL="742950" lvl="1" indent="-285750">
+              <a:buFont typeface="Arial" panose="020B0604020202020204" pitchFamily="34" charset="0"/>
+              <a:buChar char="•"/>
+              <a:defRPr sz="1800" b="0" i="0" u="none" strike="noStrike" kern="0" cap="none" spc="0" baseline="0">
+                <a:solidFill>
+                  <a:srgbClr val="000000"/>
+                </a:solidFill>
+                <a:uFillTx/>
+              </a:defRPr>
+            </a:pPr>
+            <a:r>
+              <a:rPr lang="fr-FR" sz="4400" i="0" u="none" strike="noStrike" kern="1200" cap="none" spc="0" baseline="0" dirty="0">
+                <a:uFillTx/>
+                <a:latin typeface="Calibri"/>
+              </a:rPr>
+              <a:t>Améliorer </a:t>
+            </a:r>
+            <a:r>
+              <a:rPr lang="fr-FR" sz="4400" b="1" i="0" u="none" strike="noStrike" kern="1200" cap="none" spc="0" baseline="0" dirty="0">
+                <a:uFillTx/>
+                <a:latin typeface="Calibri"/>
+              </a:rPr>
+              <a:t>conformité</a:t>
+            </a:r>
+            <a:endParaRPr lang="fr-FR" sz="4400" b="1" dirty="0">
+              <a:latin typeface="Calibri"/>
+            </a:endParaRPr>
+          </a:p>
+          <a:p>
+            <a:pPr marL="742950" lvl="1" indent="-285750">
+              <a:buFont typeface="Arial" panose="020B0604020202020204" pitchFamily="34" charset="0"/>
+              <a:buChar char="•"/>
+              <a:defRPr sz="1800" b="0" i="0" u="none" strike="noStrike" kern="0" cap="none" spc="0" baseline="0">
+                <a:solidFill>
+                  <a:srgbClr val="000000"/>
+                </a:solidFill>
+                <a:uFillTx/>
+              </a:defRPr>
+            </a:pPr>
+            <a:r>
+              <a:rPr lang="fr-FR" sz="4400" i="0" u="none" strike="noStrike" kern="1200" cap="none" spc="0" baseline="0" dirty="0">
+                <a:uFillTx/>
+                <a:latin typeface="Calibri"/>
+              </a:rPr>
+              <a:t>Améliorer</a:t>
+            </a:r>
+            <a:r>
+              <a:rPr lang="fr-FR" sz="4400" dirty="0"/>
+              <a:t> </a:t>
+            </a:r>
+            <a:r>
+              <a:rPr lang="fr-FR" sz="4400" b="1" dirty="0"/>
+              <a:t>lisibilité</a:t>
+            </a:r>
+            <a:endParaRPr lang="fr-FR" sz="4400" b="1" i="0" u="none" strike="noStrike" kern="1200" cap="none" spc="0" baseline="0" dirty="0">
+              <a:uFillTx/>
+              <a:latin typeface="Calibri"/>
+            </a:endParaRPr>
+          </a:p>
+          <a:p>
+            <a:pPr marL="742950" lvl="1" indent="-285750">
+              <a:buFont typeface="Arial" panose="020B0604020202020204" pitchFamily="34" charset="0"/>
+              <a:buChar char="•"/>
+              <a:defRPr sz="1800" b="0" i="0" u="none" strike="noStrike" kern="0" cap="none" spc="0" baseline="0">
+                <a:solidFill>
+                  <a:srgbClr val="000000"/>
+                </a:solidFill>
+                <a:uFillTx/>
+              </a:defRPr>
+            </a:pPr>
+            <a:r>
+              <a:rPr lang="fr-FR" sz="4400" dirty="0"/>
+              <a:t>Possibilité d’utiliser des règles personnalisées</a:t>
+            </a:r>
+          </a:p>
+          <a:p>
+            <a:pPr lvl="0">
+              <a:defRPr sz="1800" b="0" i="0" u="none" strike="noStrike" kern="0" cap="none" spc="0" baseline="0">
+                <a:solidFill>
+                  <a:srgbClr val="000000"/>
+                </a:solidFill>
+                <a:uFillTx/>
+              </a:defRPr>
+            </a:pPr>
+            <a:endParaRPr lang="fr-FR" i="0" u="none" strike="noStrike" kern="1200" cap="none" spc="0" baseline="0" dirty="0">
+              <a:uFillTx/>
+              <a:latin typeface="Calibri"/>
+            </a:endParaRPr>
+          </a:p>
+        </p:txBody>
+      </p:sp>
+    </p:spTree>
+    <p:extLst>
+      <p:ext uri="{BB962C8B-B14F-4D97-AF65-F5344CB8AC3E}">
+        <p14:creationId xmlns:p14="http://schemas.microsoft.com/office/powerpoint/2010/main" val="2750594243"/>
+      </p:ext>
+    </p:extLst>
+  </p:cSld>
+  <p:clrMapOvr>
+    <a:masterClrMapping/>
+  </p:clrMapOvr>
+</p:sld>
+</file>
+
+<file path=ppt/slides/slide6.xml><?xml version="1.0" encoding="utf-8"?>
+<p:sld xmlns:a="http://schemas.openxmlformats.org/drawingml/2006/main" xmlns:r="http://schemas.openxmlformats.org/officeDocument/2006/relationships" xmlns:p="http://schemas.openxmlformats.org/presentationml/2006/main">
+  <p:cSld>
+    <p:spTree>
+      <p:nvGrpSpPr>
+        <p:cNvPr id="1" name=""/>
+        <p:cNvGrpSpPr/>
+        <p:nvPr/>
+      </p:nvGrpSpPr>
+      <p:grpSpPr>
+        <a:xfrm>
+          <a:off x="0" y="0"/>
+          <a:ext cx="0" cy="0"/>
+          <a:chOff x="0" y="0"/>
+          <a:chExt cx="0" cy="0"/>
+        </a:xfrm>
+      </p:grpSpPr>
       <p:pic>
         <p:nvPicPr>
-          <p:cNvPr id="13" name="Picture 12">
+          <p:cNvPr id="8" name="Picture 17">
             <a:extLst>
               <a:ext uri="{FF2B5EF4-FFF2-40B4-BE49-F238E27FC236}">
-                <a16:creationId xmlns:a16="http://schemas.microsoft.com/office/drawing/2014/main" id="{802F9B91-1F9A-4976-85DC-DDE060E9D0CA}"/>
+                <a16:creationId xmlns:a16="http://schemas.microsoft.com/office/drawing/2014/main" id="{DF793054-1F26-4809-8ECB-A7D7BBD80D49}"/>
               </a:ext>
             </a:extLst>
           </p:cNvPr>
@@ -8837,33 +9620,1067 @@
           <p:nvPr/>
         </p:nvPicPr>
         <p:blipFill>
-          <a:blip r:embed="rId4">
-            <a:extLst>
-              <a:ext uri="{28A0092B-C50C-407E-A947-70E740481C1C}">
-                <a14:useLocalDpi xmlns:a14="http://schemas.microsoft.com/office/drawing/2010/main" val="0"/>
-              </a:ext>
-            </a:extLst>
-          </a:blip>
+          <a:blip r:embed="rId3"/>
           <a:stretch>
             <a:fillRect/>
           </a:stretch>
         </p:blipFill>
         <p:spPr>
           <a:xfrm>
-            <a:off x="1697766" y="1506937"/>
-            <a:ext cx="2110966" cy="2110966"/>
+            <a:off x="11195182" y="70582"/>
+            <a:ext cx="905073" cy="905073"/>
           </a:xfrm>
           <a:prstGeom prst="rect">
             <a:avLst/>
           </a:prstGeom>
+          <a:noFill/>
+          <a:ln cap="flat">
+            <a:noFill/>
+          </a:ln>
         </p:spPr>
       </p:pic>
+      <p:sp>
+        <p:nvSpPr>
+          <p:cNvPr id="9" name="TextBox 19">
+            <a:extLst>
+              <a:ext uri="{FF2B5EF4-FFF2-40B4-BE49-F238E27FC236}">
+                <a16:creationId xmlns:a16="http://schemas.microsoft.com/office/drawing/2014/main" id="{3212C9BB-199F-4370-9EE3-08ACB2FC949D}"/>
+              </a:ext>
+            </a:extLst>
+          </p:cNvPr>
+          <p:cNvSpPr txBox="1"/>
+          <p:nvPr/>
+        </p:nvSpPr>
+        <p:spPr>
+          <a:xfrm>
+            <a:off x="91745" y="87865"/>
+            <a:ext cx="10384232" cy="646331"/>
+          </a:xfrm>
+          <a:prstGeom prst="rect">
+            <a:avLst/>
+          </a:prstGeom>
+          <a:noFill/>
+          <a:ln cap="flat">
+            <a:noFill/>
+          </a:ln>
+        </p:spPr>
+        <p:txBody>
+          <a:bodyPr vert="horz" wrap="square" lIns="91440" tIns="45720" rIns="91440" bIns="45720" anchor="t" anchorCtr="0" compatLnSpc="1">
+            <a:spAutoFit/>
+          </a:bodyPr>
+          <a:lstStyle/>
+          <a:p>
+            <a:pPr marL="0" marR="0" lvl="0" indent="0" algn="l" defTabSz="914400" rtl="0" fontAlgn="auto" hangingPunct="1">
+              <a:lnSpc>
+                <a:spcPct val="100000"/>
+              </a:lnSpc>
+              <a:spcBef>
+                <a:spcPts val="0"/>
+              </a:spcBef>
+              <a:spcAft>
+                <a:spcPts val="0"/>
+              </a:spcAft>
+              <a:buNone/>
+              <a:tabLst/>
+              <a:defRPr sz="1800" b="0" i="0" u="none" strike="noStrike" kern="0" cap="none" spc="0" baseline="0">
+                <a:solidFill>
+                  <a:srgbClr val="000000"/>
+                </a:solidFill>
+                <a:uFillTx/>
+              </a:defRPr>
+            </a:pPr>
+            <a:r>
+              <a:rPr lang="fr-FR" sz="3600" b="1" i="0" u="none" strike="noStrike" kern="1200" cap="none" spc="0" baseline="0" dirty="0">
+                <a:uFillTx/>
+                <a:latin typeface="Calibri"/>
+              </a:rPr>
+              <a:t>Comment ca marche ?</a:t>
+            </a:r>
+          </a:p>
+        </p:txBody>
+      </p:sp>
+      <p:sp>
+        <p:nvSpPr>
+          <p:cNvPr id="11" name="TextBox 19">
+            <a:extLst>
+              <a:ext uri="{FF2B5EF4-FFF2-40B4-BE49-F238E27FC236}">
+                <a16:creationId xmlns:a16="http://schemas.microsoft.com/office/drawing/2014/main" id="{B2A12BA0-5118-4CA2-97AA-BCB16D8AE244}"/>
+              </a:ext>
+            </a:extLst>
+          </p:cNvPr>
+          <p:cNvSpPr txBox="1"/>
+          <p:nvPr/>
+        </p:nvSpPr>
+        <p:spPr>
+          <a:xfrm>
+            <a:off x="91745" y="1359347"/>
+            <a:ext cx="10384232" cy="2400657"/>
+          </a:xfrm>
+          <a:prstGeom prst="rect">
+            <a:avLst/>
+          </a:prstGeom>
+          <a:noFill/>
+          <a:ln cap="flat">
+            <a:noFill/>
+          </a:ln>
+        </p:spPr>
+        <p:txBody>
+          <a:bodyPr vert="horz" wrap="square" lIns="91440" tIns="45720" rIns="91440" bIns="45720" anchor="t" anchorCtr="0" compatLnSpc="1">
+            <a:spAutoFit/>
+          </a:bodyPr>
+          <a:lstStyle/>
+          <a:p>
+            <a:pPr marL="742950" lvl="1" indent="-285750">
+              <a:buFont typeface="Arial" panose="020B0604020202020204" pitchFamily="34" charset="0"/>
+              <a:buChar char="•"/>
+              <a:defRPr sz="1800" b="0" i="0" u="none" strike="noStrike" kern="0" cap="none" spc="0" baseline="0">
+                <a:solidFill>
+                  <a:srgbClr val="000000"/>
+                </a:solidFill>
+                <a:uFillTx/>
+              </a:defRPr>
+            </a:pPr>
+            <a:r>
+              <a:rPr lang="fr-FR" sz="4400" i="0" u="none" strike="noStrike" kern="1200" cap="none" spc="0" baseline="0" dirty="0">
+                <a:uFillTx/>
+                <a:latin typeface="Calibri"/>
+              </a:rPr>
+              <a:t>AST (Abstract </a:t>
+            </a:r>
+            <a:r>
+              <a:rPr lang="fr-FR" sz="4400" i="0" u="none" strike="noStrike" kern="1200" cap="none" spc="0" baseline="0" dirty="0" err="1">
+                <a:uFillTx/>
+                <a:latin typeface="Calibri"/>
+              </a:rPr>
+              <a:t>Syntax</a:t>
+            </a:r>
+            <a:r>
+              <a:rPr lang="fr-FR" sz="4400" i="0" u="none" strike="noStrike" kern="1200" cap="none" spc="0" baseline="0" dirty="0">
+                <a:uFillTx/>
+                <a:latin typeface="Calibri"/>
+              </a:rPr>
+              <a:t> </a:t>
+            </a:r>
+            <a:r>
+              <a:rPr lang="fr-FR" sz="4400" i="0" u="none" strike="noStrike" kern="1200" cap="none" spc="0" baseline="0" dirty="0" err="1">
+                <a:uFillTx/>
+                <a:latin typeface="Calibri"/>
+              </a:rPr>
+              <a:t>Tree</a:t>
+            </a:r>
+            <a:r>
+              <a:rPr lang="fr-FR" sz="4400" i="0" u="none" strike="noStrike" kern="1200" cap="none" spc="0" baseline="0" dirty="0">
+                <a:uFillTx/>
+                <a:latin typeface="Calibri"/>
+              </a:rPr>
+              <a:t>)</a:t>
+            </a:r>
+          </a:p>
+          <a:p>
+            <a:pPr marL="1200150" lvl="2" indent="-285750">
+              <a:buFont typeface="Arial" panose="020B0604020202020204" pitchFamily="34" charset="0"/>
+              <a:buChar char="•"/>
+              <a:defRPr sz="1800" b="0" i="0" u="none" strike="noStrike" kern="0" cap="none" spc="0" baseline="0">
+                <a:solidFill>
+                  <a:srgbClr val="000000"/>
+                </a:solidFill>
+                <a:uFillTx/>
+              </a:defRPr>
+            </a:pPr>
+            <a:r>
+              <a:rPr lang="fr-FR" sz="4400" dirty="0">
+                <a:latin typeface="Calibri"/>
+              </a:rPr>
+              <a:t>Permet de </a:t>
+            </a:r>
+            <a:r>
+              <a:rPr lang="fr-FR" sz="4400" dirty="0" err="1">
+                <a:latin typeface="Calibri"/>
+              </a:rPr>
+              <a:t>parser</a:t>
+            </a:r>
+            <a:r>
+              <a:rPr lang="fr-FR" sz="4400" dirty="0">
+                <a:latin typeface="Calibri"/>
+              </a:rPr>
+              <a:t> le code</a:t>
+            </a:r>
+          </a:p>
+          <a:p>
+            <a:pPr marL="1200150" lvl="2" indent="-285750">
+              <a:buFont typeface="Arial" panose="020B0604020202020204" pitchFamily="34" charset="0"/>
+              <a:buChar char="•"/>
+              <a:defRPr sz="1800" b="0" i="0" u="none" strike="noStrike" kern="0" cap="none" spc="0" baseline="0">
+                <a:solidFill>
+                  <a:srgbClr val="000000"/>
+                </a:solidFill>
+                <a:uFillTx/>
+              </a:defRPr>
+            </a:pPr>
+            <a:r>
+              <a:rPr lang="fr-FR" sz="4400" dirty="0">
+                <a:latin typeface="Calibri"/>
+              </a:rPr>
+              <a:t>Créer une structure</a:t>
+            </a:r>
+            <a:endParaRPr lang="fr-FR" sz="4400" dirty="0"/>
+          </a:p>
+          <a:p>
+            <a:pPr lvl="0">
+              <a:defRPr sz="1800" b="0" i="0" u="none" strike="noStrike" kern="0" cap="none" spc="0" baseline="0">
+                <a:solidFill>
+                  <a:srgbClr val="000000"/>
+                </a:solidFill>
+                <a:uFillTx/>
+              </a:defRPr>
+            </a:pPr>
+            <a:endParaRPr lang="fr-FR" i="0" u="none" strike="noStrike" kern="1200" cap="none" spc="0" baseline="0" dirty="0">
+              <a:uFillTx/>
+              <a:latin typeface="Calibri"/>
+            </a:endParaRPr>
+          </a:p>
+        </p:txBody>
+      </p:sp>
+    </p:spTree>
+    <p:extLst>
+      <p:ext uri="{BB962C8B-B14F-4D97-AF65-F5344CB8AC3E}">
+        <p14:creationId xmlns:p14="http://schemas.microsoft.com/office/powerpoint/2010/main" val="2146898588"/>
+      </p:ext>
+    </p:extLst>
+  </p:cSld>
+  <p:clrMapOvr>
+    <a:masterClrMapping/>
+  </p:clrMapOvr>
+</p:sld>
+</file>
+
+<file path=ppt/slides/slide7.xml><?xml version="1.0" encoding="utf-8"?>
+<p:sld xmlns:a="http://schemas.openxmlformats.org/drawingml/2006/main" xmlns:r="http://schemas.openxmlformats.org/officeDocument/2006/relationships" xmlns:p="http://schemas.openxmlformats.org/presentationml/2006/main">
+  <p:cSld>
+    <p:bg>
+      <p:bgPr>
+        <a:solidFill>
+          <a:schemeClr val="bg2"/>
+        </a:solidFill>
+        <a:effectLst/>
+      </p:bgPr>
+    </p:bg>
+    <p:spTree>
+      <p:nvGrpSpPr>
+        <p:cNvPr id="1" name=""/>
+        <p:cNvGrpSpPr/>
+        <p:nvPr/>
+      </p:nvGrpSpPr>
+      <p:grpSpPr>
+        <a:xfrm>
+          <a:off x="0" y="0"/>
+          <a:ext cx="0" cy="0"/>
+          <a:chOff x="0" y="0"/>
+          <a:chExt cx="0" cy="0"/>
+        </a:xfrm>
+      </p:grpSpPr>
+      <p:sp useBgFill="1">
+        <p:nvSpPr>
+          <p:cNvPr id="9" name="Rectangle 8">
+            <a:extLst>
+              <a:ext uri="{FF2B5EF4-FFF2-40B4-BE49-F238E27FC236}">
+                <a16:creationId xmlns:a16="http://schemas.microsoft.com/office/drawing/2014/main" id="{86C16C40-7C29-4ACC-B851-7E08E459B596}"/>
+              </a:ext>
+              <a:ext uri="{C183D7F6-B498-43B3-948B-1728B52AA6E4}">
+                <adec:decorative xmlns:adec="http://schemas.microsoft.com/office/drawing/2017/decorative" val="1"/>
+              </a:ext>
+            </a:extLst>
+          </p:cNvPr>
+          <p:cNvSpPr>
+            <a:spLocks noGrp="1" noRot="1" noChangeAspect="1" noMove="1" noResize="1" noEditPoints="1" noAdjustHandles="1" noChangeArrowheads="1" noChangeShapeType="1" noTextEdit="1"/>
+          </p:cNvSpPr>
+          <p:nvPr>
+            <p:extLst>
+              <p:ext uri="{386F3935-93C4-4BCD-93E2-E3B085C9AB24}">
+                <p16:designElem xmlns:p16="http://schemas.microsoft.com/office/powerpoint/2015/main" val="1"/>
+              </p:ext>
+            </p:extLst>
+          </p:nvPr>
+        </p:nvSpPr>
+        <p:spPr>
+          <a:xfrm>
+            <a:off x="0" y="0"/>
+            <a:ext cx="12192000" cy="6858000"/>
+          </a:xfrm>
+          <a:prstGeom prst="rect">
+            <a:avLst/>
+          </a:prstGeom>
+          <a:ln>
+            <a:noFill/>
+          </a:ln>
+        </p:spPr>
+        <p:style>
+          <a:lnRef idx="2">
+            <a:schemeClr val="accent1">
+              <a:shade val="50000"/>
+            </a:schemeClr>
+          </a:lnRef>
+          <a:fillRef idx="1">
+            <a:schemeClr val="accent1"/>
+          </a:fillRef>
+          <a:effectRef idx="0">
+            <a:schemeClr val="accent1"/>
+          </a:effectRef>
+          <a:fontRef idx="minor">
+            <a:schemeClr val="lt1"/>
+          </a:fontRef>
+        </p:style>
+        <p:txBody>
+          <a:bodyPr rtlCol="0" anchor="ctr"/>
+          <a:lstStyle/>
+          <a:p>
+            <a:pPr algn="ctr"/>
+            <a:endParaRPr lang="en-US"/>
+          </a:p>
+        </p:txBody>
+      </p:sp>
+      <p:grpSp>
+        <p:nvGrpSpPr>
+          <p:cNvPr id="11" name="Group 10">
+            <a:extLst>
+              <a:ext uri="{FF2B5EF4-FFF2-40B4-BE49-F238E27FC236}">
+                <a16:creationId xmlns:a16="http://schemas.microsoft.com/office/drawing/2014/main" id="{648049AD-9827-49E8-8BF5-32E175C8EA8A}"/>
+              </a:ext>
+              <a:ext uri="{C183D7F6-B498-43B3-948B-1728B52AA6E4}">
+                <adec:decorative xmlns:adec="http://schemas.microsoft.com/office/drawing/2017/decorative" val="1"/>
+              </a:ext>
+            </a:extLst>
+          </p:cNvPr>
+          <p:cNvGrpSpPr>
+            <a:grpSpLocks noGrp="1" noUngrp="1" noRot="1" noChangeAspect="1" noMove="1" noResize="1"/>
+          </p:cNvGrpSpPr>
+          <p:nvPr>
+            <p:extLst>
+              <p:ext uri="{386F3935-93C4-4BCD-93E2-E3B085C9AB24}">
+                <p16:designElem xmlns:p16="http://schemas.microsoft.com/office/powerpoint/2015/main" val="1"/>
+              </p:ext>
+            </p:extLst>
+          </p:nvPr>
+        </p:nvGrpSpPr>
+        <p:grpSpPr>
+          <a:xfrm>
+            <a:off x="0" y="-8467"/>
+            <a:ext cx="12192000" cy="6866467"/>
+            <a:chOff x="0" y="-8467"/>
+            <a:chExt cx="12192000" cy="6866467"/>
+          </a:xfrm>
+        </p:grpSpPr>
+        <p:cxnSp>
+          <p:nvCxnSpPr>
+            <p:cNvPr id="12" name="Straight Connector 11">
+              <a:extLst>
+                <a:ext uri="{FF2B5EF4-FFF2-40B4-BE49-F238E27FC236}">
+                  <a16:creationId xmlns:a16="http://schemas.microsoft.com/office/drawing/2014/main" id="{3AA99CFD-13BA-4D43-8274-E720ACDBED4B}"/>
+                </a:ext>
+                <a:ext uri="{C183D7F6-B498-43B3-948B-1728B52AA6E4}">
+                  <adec:decorative xmlns:adec="http://schemas.microsoft.com/office/drawing/2017/decorative" val="1"/>
+                </a:ext>
+              </a:extLst>
+            </p:cNvPr>
+            <p:cNvCxnSpPr/>
+            <p:nvPr>
+              <p:extLst>
+                <p:ext uri="{386F3935-93C4-4BCD-93E2-E3B085C9AB24}">
+                  <p16:designElem xmlns:p16="http://schemas.microsoft.com/office/powerpoint/2015/main" val="1"/>
+                </p:ext>
+              </p:extLst>
+            </p:nvPr>
+          </p:nvCxnSpPr>
+          <p:spPr>
+            <a:xfrm>
+              <a:off x="9371012" y="0"/>
+              <a:ext cx="1219200" cy="6858000"/>
+            </a:xfrm>
+            <a:prstGeom prst="line">
+              <a:avLst/>
+            </a:prstGeom>
+            <a:ln w="9525">
+              <a:solidFill>
+                <a:schemeClr val="accent1">
+                  <a:alpha val="70000"/>
+                </a:schemeClr>
+              </a:solidFill>
+            </a:ln>
+          </p:spPr>
+          <p:style>
+            <a:lnRef idx="2">
+              <a:schemeClr val="accent1"/>
+            </a:lnRef>
+            <a:fillRef idx="0">
+              <a:schemeClr val="accent1"/>
+            </a:fillRef>
+            <a:effectRef idx="1">
+              <a:schemeClr val="accent1"/>
+            </a:effectRef>
+            <a:fontRef idx="minor">
+              <a:schemeClr val="tx1"/>
+            </a:fontRef>
+          </p:style>
+        </p:cxnSp>
+        <p:cxnSp>
+          <p:nvCxnSpPr>
+            <p:cNvPr id="13" name="Straight Connector 12">
+              <a:extLst>
+                <a:ext uri="{FF2B5EF4-FFF2-40B4-BE49-F238E27FC236}">
+                  <a16:creationId xmlns:a16="http://schemas.microsoft.com/office/drawing/2014/main" id="{946D58D6-64B0-4752-8159-24114F47A5FF}"/>
+                </a:ext>
+                <a:ext uri="{C183D7F6-B498-43B3-948B-1728B52AA6E4}">
+                  <adec:decorative xmlns:adec="http://schemas.microsoft.com/office/drawing/2017/decorative" val="1"/>
+                </a:ext>
+              </a:extLst>
+            </p:cNvPr>
+            <p:cNvCxnSpPr/>
+            <p:nvPr>
+              <p:extLst>
+                <p:ext uri="{386F3935-93C4-4BCD-93E2-E3B085C9AB24}">
+                  <p16:designElem xmlns:p16="http://schemas.microsoft.com/office/powerpoint/2015/main" val="1"/>
+                </p:ext>
+              </p:extLst>
+            </p:nvPr>
+          </p:nvCxnSpPr>
+          <p:spPr>
+            <a:xfrm flipH="1">
+              <a:off x="7425267" y="3681413"/>
+              <a:ext cx="4763558" cy="3176587"/>
+            </a:xfrm>
+            <a:prstGeom prst="line">
+              <a:avLst/>
+            </a:prstGeom>
+            <a:ln w="9525">
+              <a:solidFill>
+                <a:schemeClr val="accent1">
+                  <a:alpha val="70000"/>
+                </a:schemeClr>
+              </a:solidFill>
+            </a:ln>
+          </p:spPr>
+          <p:style>
+            <a:lnRef idx="2">
+              <a:schemeClr val="accent1"/>
+            </a:lnRef>
+            <a:fillRef idx="0">
+              <a:schemeClr val="accent1"/>
+            </a:fillRef>
+            <a:effectRef idx="1">
+              <a:schemeClr val="accent1"/>
+            </a:effectRef>
+            <a:fontRef idx="minor">
+              <a:schemeClr val="tx1"/>
+            </a:fontRef>
+          </p:style>
+        </p:cxnSp>
+        <p:sp>
+          <p:nvSpPr>
+            <p:cNvPr id="14" name="Rectangle 23">
+              <a:extLst>
+                <a:ext uri="{FF2B5EF4-FFF2-40B4-BE49-F238E27FC236}">
+                  <a16:creationId xmlns:a16="http://schemas.microsoft.com/office/drawing/2014/main" id="{C16801F7-F15E-4355-8767-26487BA8B6C5}"/>
+                </a:ext>
+                <a:ext uri="{C183D7F6-B498-43B3-948B-1728B52AA6E4}">
+                  <adec:decorative xmlns:adec="http://schemas.microsoft.com/office/drawing/2017/decorative" val="1"/>
+                </a:ext>
+              </a:extLst>
+            </p:cNvPr>
+            <p:cNvSpPr/>
+            <p:nvPr>
+              <p:extLst>
+                <p:ext uri="{386F3935-93C4-4BCD-93E2-E3B085C9AB24}">
+                  <p16:designElem xmlns:p16="http://schemas.microsoft.com/office/powerpoint/2015/main" val="1"/>
+                </p:ext>
+              </p:extLst>
+            </p:nvPr>
+          </p:nvSpPr>
+          <p:spPr>
+            <a:xfrm>
+              <a:off x="9181476" y="-8467"/>
+              <a:ext cx="3007349" cy="6866467"/>
+            </a:xfrm>
+            <a:custGeom>
+              <a:avLst/>
+              <a:gdLst/>
+              <a:ahLst/>
+              <a:cxnLst/>
+              <a:rect l="l" t="t" r="r" b="b"/>
+              <a:pathLst>
+                <a:path w="3007349" h="6866467">
+                  <a:moveTo>
+                    <a:pt x="2045532" y="0"/>
+                  </a:moveTo>
+                  <a:lnTo>
+                    <a:pt x="3007349" y="0"/>
+                  </a:lnTo>
+                  <a:lnTo>
+                    <a:pt x="3007349" y="6866467"/>
+                  </a:lnTo>
+                  <a:lnTo>
+                    <a:pt x="0" y="6866467"/>
+                  </a:lnTo>
+                  <a:lnTo>
+                    <a:pt x="2045532" y="0"/>
+                  </a:lnTo>
+                  <a:close/>
+                </a:path>
+              </a:pathLst>
+            </a:custGeom>
+            <a:solidFill>
+              <a:schemeClr val="accent1">
+                <a:alpha val="36000"/>
+              </a:schemeClr>
+            </a:solidFill>
+            <a:ln>
+              <a:noFill/>
+            </a:ln>
+            <a:effectLst/>
+          </p:spPr>
+          <p:style>
+            <a:lnRef idx="1">
+              <a:schemeClr val="accent1"/>
+            </a:lnRef>
+            <a:fillRef idx="3">
+              <a:schemeClr val="accent1"/>
+            </a:fillRef>
+            <a:effectRef idx="2">
+              <a:schemeClr val="accent1"/>
+            </a:effectRef>
+            <a:fontRef idx="minor">
+              <a:schemeClr val="lt1"/>
+            </a:fontRef>
+          </p:style>
+        </p:sp>
+        <p:sp>
+          <p:nvSpPr>
+            <p:cNvPr id="15" name="Rectangle 25">
+              <a:extLst>
+                <a:ext uri="{FF2B5EF4-FFF2-40B4-BE49-F238E27FC236}">
+                  <a16:creationId xmlns:a16="http://schemas.microsoft.com/office/drawing/2014/main" id="{14FF0578-E224-4225-8396-B99D4881FF8F}"/>
+                </a:ext>
+                <a:ext uri="{C183D7F6-B498-43B3-948B-1728B52AA6E4}">
+                  <adec:decorative xmlns:adec="http://schemas.microsoft.com/office/drawing/2017/decorative" val="1"/>
+                </a:ext>
+              </a:extLst>
+            </p:cNvPr>
+            <p:cNvSpPr/>
+            <p:nvPr>
+              <p:extLst>
+                <p:ext uri="{386F3935-93C4-4BCD-93E2-E3B085C9AB24}">
+                  <p16:designElem xmlns:p16="http://schemas.microsoft.com/office/powerpoint/2015/main" val="1"/>
+                </p:ext>
+              </p:extLst>
+            </p:nvPr>
+          </p:nvSpPr>
+          <p:spPr>
+            <a:xfrm>
+              <a:off x="9603442" y="-8467"/>
+              <a:ext cx="2588558" cy="6866467"/>
+            </a:xfrm>
+            <a:custGeom>
+              <a:avLst/>
+              <a:gdLst/>
+              <a:ahLst/>
+              <a:cxnLst/>
+              <a:rect l="l" t="t" r="r" b="b"/>
+              <a:pathLst>
+                <a:path w="2573311" h="6866467">
+                  <a:moveTo>
+                    <a:pt x="0" y="0"/>
+                  </a:moveTo>
+                  <a:lnTo>
+                    <a:pt x="2573311" y="0"/>
+                  </a:lnTo>
+                  <a:lnTo>
+                    <a:pt x="2573311" y="6866467"/>
+                  </a:lnTo>
+                  <a:lnTo>
+                    <a:pt x="1202336" y="6866467"/>
+                  </a:lnTo>
+                  <a:lnTo>
+                    <a:pt x="0" y="0"/>
+                  </a:lnTo>
+                  <a:close/>
+                </a:path>
+              </a:pathLst>
+            </a:custGeom>
+            <a:solidFill>
+              <a:schemeClr val="accent1">
+                <a:alpha val="20000"/>
+              </a:schemeClr>
+            </a:solidFill>
+            <a:ln>
+              <a:noFill/>
+            </a:ln>
+            <a:effectLst/>
+          </p:spPr>
+          <p:style>
+            <a:lnRef idx="1">
+              <a:schemeClr val="accent1"/>
+            </a:lnRef>
+            <a:fillRef idx="3">
+              <a:schemeClr val="accent1"/>
+            </a:fillRef>
+            <a:effectRef idx="2">
+              <a:schemeClr val="accent1"/>
+            </a:effectRef>
+            <a:fontRef idx="minor">
+              <a:schemeClr val="lt1"/>
+            </a:fontRef>
+          </p:style>
+        </p:sp>
+        <p:sp>
+          <p:nvSpPr>
+            <p:cNvPr id="16" name="Isosceles Triangle 15">
+              <a:extLst>
+                <a:ext uri="{FF2B5EF4-FFF2-40B4-BE49-F238E27FC236}">
+                  <a16:creationId xmlns:a16="http://schemas.microsoft.com/office/drawing/2014/main" id="{4642C0E0-9644-41F1-8CF3-33779AA8A3F8}"/>
+                </a:ext>
+                <a:ext uri="{C183D7F6-B498-43B3-948B-1728B52AA6E4}">
+                  <adec:decorative xmlns:adec="http://schemas.microsoft.com/office/drawing/2017/decorative" val="1"/>
+                </a:ext>
+              </a:extLst>
+            </p:cNvPr>
+            <p:cNvSpPr/>
+            <p:nvPr>
+              <p:extLst>
+                <p:ext uri="{386F3935-93C4-4BCD-93E2-E3B085C9AB24}">
+                  <p16:designElem xmlns:p16="http://schemas.microsoft.com/office/powerpoint/2015/main" val="1"/>
+                </p:ext>
+              </p:extLst>
+            </p:nvPr>
+          </p:nvSpPr>
+          <p:spPr>
+            <a:xfrm>
+              <a:off x="8932333" y="3048000"/>
+              <a:ext cx="3259667" cy="3810000"/>
+            </a:xfrm>
+            <a:prstGeom prst="triangle">
+              <a:avLst>
+                <a:gd name="adj" fmla="val 100000"/>
+              </a:avLst>
+            </a:prstGeom>
+            <a:solidFill>
+              <a:schemeClr val="accent1">
+                <a:lumMod val="75000"/>
+                <a:alpha val="66000"/>
+              </a:schemeClr>
+            </a:solidFill>
+            <a:ln>
+              <a:noFill/>
+            </a:ln>
+            <a:effectLst/>
+          </p:spPr>
+          <p:style>
+            <a:lnRef idx="1">
+              <a:schemeClr val="accent1"/>
+            </a:lnRef>
+            <a:fillRef idx="3">
+              <a:schemeClr val="accent1"/>
+            </a:fillRef>
+            <a:effectRef idx="2">
+              <a:schemeClr val="accent1"/>
+            </a:effectRef>
+            <a:fontRef idx="minor">
+              <a:schemeClr val="lt1"/>
+            </a:fontRef>
+          </p:style>
+        </p:sp>
+        <p:sp>
+          <p:nvSpPr>
+            <p:cNvPr id="17" name="Rectangle 27">
+              <a:extLst>
+                <a:ext uri="{FF2B5EF4-FFF2-40B4-BE49-F238E27FC236}">
+                  <a16:creationId xmlns:a16="http://schemas.microsoft.com/office/drawing/2014/main" id="{5F77D9D3-628A-4607-B307-91AAA5603450}"/>
+                </a:ext>
+                <a:ext uri="{C183D7F6-B498-43B3-948B-1728B52AA6E4}">
+                  <adec:decorative xmlns:adec="http://schemas.microsoft.com/office/drawing/2017/decorative" val="1"/>
+                </a:ext>
+              </a:extLst>
+            </p:cNvPr>
+            <p:cNvSpPr/>
+            <p:nvPr>
+              <p:extLst>
+                <p:ext uri="{386F3935-93C4-4BCD-93E2-E3B085C9AB24}">
+                  <p16:designElem xmlns:p16="http://schemas.microsoft.com/office/powerpoint/2015/main" val="1"/>
+                </p:ext>
+              </p:extLst>
+            </p:nvPr>
+          </p:nvSpPr>
+          <p:spPr>
+            <a:xfrm>
+              <a:off x="9334500" y="-8467"/>
+              <a:ext cx="2854326" cy="6866467"/>
+            </a:xfrm>
+            <a:custGeom>
+              <a:avLst/>
+              <a:gdLst/>
+              <a:ahLst/>
+              <a:cxnLst/>
+              <a:rect l="l" t="t" r="r" b="b"/>
+              <a:pathLst>
+                <a:path w="2858013" h="6866467">
+                  <a:moveTo>
+                    <a:pt x="0" y="0"/>
+                  </a:moveTo>
+                  <a:lnTo>
+                    <a:pt x="2858013" y="0"/>
+                  </a:lnTo>
+                  <a:lnTo>
+                    <a:pt x="2858013" y="6866467"/>
+                  </a:lnTo>
+                  <a:lnTo>
+                    <a:pt x="2473942" y="6866467"/>
+                  </a:lnTo>
+                  <a:lnTo>
+                    <a:pt x="0" y="0"/>
+                  </a:lnTo>
+                  <a:close/>
+                </a:path>
+              </a:pathLst>
+            </a:custGeom>
+            <a:solidFill>
+              <a:schemeClr val="accent1">
+                <a:lumMod val="75000"/>
+                <a:alpha val="50000"/>
+              </a:schemeClr>
+            </a:solidFill>
+            <a:ln>
+              <a:noFill/>
+            </a:ln>
+            <a:effectLst/>
+          </p:spPr>
+          <p:style>
+            <a:lnRef idx="1">
+              <a:schemeClr val="accent1"/>
+            </a:lnRef>
+            <a:fillRef idx="3">
+              <a:schemeClr val="accent1"/>
+            </a:fillRef>
+            <a:effectRef idx="2">
+              <a:schemeClr val="accent1"/>
+            </a:effectRef>
+            <a:fontRef idx="minor">
+              <a:schemeClr val="lt1"/>
+            </a:fontRef>
+          </p:style>
+        </p:sp>
+        <p:sp>
+          <p:nvSpPr>
+            <p:cNvPr id="18" name="Rectangle 28">
+              <a:extLst>
+                <a:ext uri="{FF2B5EF4-FFF2-40B4-BE49-F238E27FC236}">
+                  <a16:creationId xmlns:a16="http://schemas.microsoft.com/office/drawing/2014/main" id="{0600759E-C22E-4F3D-8569-0DE8F1D4934F}"/>
+                </a:ext>
+                <a:ext uri="{C183D7F6-B498-43B3-948B-1728B52AA6E4}">
+                  <adec:decorative xmlns:adec="http://schemas.microsoft.com/office/drawing/2017/decorative" val="1"/>
+                </a:ext>
+              </a:extLst>
+            </p:cNvPr>
+            <p:cNvSpPr/>
+            <p:nvPr>
+              <p:extLst>
+                <p:ext uri="{386F3935-93C4-4BCD-93E2-E3B085C9AB24}">
+                  <p16:designElem xmlns:p16="http://schemas.microsoft.com/office/powerpoint/2015/main" val="1"/>
+                </p:ext>
+              </p:extLst>
+            </p:nvPr>
+          </p:nvSpPr>
+          <p:spPr>
+            <a:xfrm>
+              <a:off x="10898730" y="-8467"/>
+              <a:ext cx="1290094" cy="6866467"/>
+            </a:xfrm>
+            <a:custGeom>
+              <a:avLst/>
+              <a:gdLst/>
+              <a:ahLst/>
+              <a:cxnLst/>
+              <a:rect l="l" t="t" r="r" b="b"/>
+              <a:pathLst>
+                <a:path w="1290094" h="6858000">
+                  <a:moveTo>
+                    <a:pt x="1019735" y="0"/>
+                  </a:moveTo>
+                  <a:lnTo>
+                    <a:pt x="1290094" y="0"/>
+                  </a:lnTo>
+                  <a:lnTo>
+                    <a:pt x="1290094" y="6858000"/>
+                  </a:lnTo>
+                  <a:lnTo>
+                    <a:pt x="0" y="6858000"/>
+                  </a:lnTo>
+                  <a:lnTo>
+                    <a:pt x="1019735" y="0"/>
+                  </a:lnTo>
+                  <a:close/>
+                </a:path>
+              </a:pathLst>
+            </a:custGeom>
+            <a:solidFill>
+              <a:schemeClr val="accent2">
+                <a:alpha val="70000"/>
+              </a:schemeClr>
+            </a:solidFill>
+            <a:ln>
+              <a:noFill/>
+            </a:ln>
+            <a:effectLst/>
+          </p:spPr>
+          <p:style>
+            <a:lnRef idx="1">
+              <a:schemeClr val="accent1"/>
+            </a:lnRef>
+            <a:fillRef idx="3">
+              <a:schemeClr val="accent1"/>
+            </a:fillRef>
+            <a:effectRef idx="2">
+              <a:schemeClr val="accent1"/>
+            </a:effectRef>
+            <a:fontRef idx="minor">
+              <a:schemeClr val="lt1"/>
+            </a:fontRef>
+          </p:style>
+        </p:sp>
+        <p:sp>
+          <p:nvSpPr>
+            <p:cNvPr id="19" name="Rectangle 29">
+              <a:extLst>
+                <a:ext uri="{FF2B5EF4-FFF2-40B4-BE49-F238E27FC236}">
+                  <a16:creationId xmlns:a16="http://schemas.microsoft.com/office/drawing/2014/main" id="{9A4E951D-EAB0-4F6B-84AE-B5B25684FD61}"/>
+                </a:ext>
+                <a:ext uri="{C183D7F6-B498-43B3-948B-1728B52AA6E4}">
+                  <adec:decorative xmlns:adec="http://schemas.microsoft.com/office/drawing/2017/decorative" val="1"/>
+                </a:ext>
+              </a:extLst>
+            </p:cNvPr>
+            <p:cNvSpPr/>
+            <p:nvPr>
+              <p:extLst>
+                <p:ext uri="{386F3935-93C4-4BCD-93E2-E3B085C9AB24}">
+                  <p16:designElem xmlns:p16="http://schemas.microsoft.com/office/powerpoint/2015/main" val="1"/>
+                </p:ext>
+              </p:extLst>
+            </p:nvPr>
+          </p:nvSpPr>
+          <p:spPr>
+            <a:xfrm>
+              <a:off x="10938999" y="-8467"/>
+              <a:ext cx="1249825" cy="6866467"/>
+            </a:xfrm>
+            <a:custGeom>
+              <a:avLst/>
+              <a:gdLst/>
+              <a:ahLst/>
+              <a:cxnLst/>
+              <a:rect l="l" t="t" r="r" b="b"/>
+              <a:pathLst>
+                <a:path w="1249825" h="6858000">
+                  <a:moveTo>
+                    <a:pt x="0" y="0"/>
+                  </a:moveTo>
+                  <a:lnTo>
+                    <a:pt x="1249825" y="0"/>
+                  </a:lnTo>
+                  <a:lnTo>
+                    <a:pt x="1249825" y="6858000"/>
+                  </a:lnTo>
+                  <a:lnTo>
+                    <a:pt x="1109382" y="6858000"/>
+                  </a:lnTo>
+                  <a:lnTo>
+                    <a:pt x="0" y="0"/>
+                  </a:lnTo>
+                  <a:close/>
+                </a:path>
+              </a:pathLst>
+            </a:custGeom>
+            <a:solidFill>
+              <a:schemeClr val="accent2">
+                <a:lumMod val="75000"/>
+                <a:alpha val="80000"/>
+              </a:schemeClr>
+            </a:solidFill>
+            <a:ln>
+              <a:noFill/>
+            </a:ln>
+            <a:effectLst/>
+          </p:spPr>
+          <p:style>
+            <a:lnRef idx="1">
+              <a:schemeClr val="accent1"/>
+            </a:lnRef>
+            <a:fillRef idx="3">
+              <a:schemeClr val="accent1"/>
+            </a:fillRef>
+            <a:effectRef idx="2">
+              <a:schemeClr val="accent1"/>
+            </a:effectRef>
+            <a:fontRef idx="minor">
+              <a:schemeClr val="lt1"/>
+            </a:fontRef>
+          </p:style>
+        </p:sp>
+        <p:sp>
+          <p:nvSpPr>
+            <p:cNvPr id="20" name="Isosceles Triangle 19">
+              <a:extLst>
+                <a:ext uri="{FF2B5EF4-FFF2-40B4-BE49-F238E27FC236}">
+                  <a16:creationId xmlns:a16="http://schemas.microsoft.com/office/drawing/2014/main" id="{B953BEA8-1B45-419E-BACD-49DB8888B1DE}"/>
+                </a:ext>
+                <a:ext uri="{C183D7F6-B498-43B3-948B-1728B52AA6E4}">
+                  <adec:decorative xmlns:adec="http://schemas.microsoft.com/office/drawing/2017/decorative" val="1"/>
+                </a:ext>
+              </a:extLst>
+            </p:cNvPr>
+            <p:cNvSpPr/>
+            <p:nvPr>
+              <p:extLst>
+                <p:ext uri="{386F3935-93C4-4BCD-93E2-E3B085C9AB24}">
+                  <p16:designElem xmlns:p16="http://schemas.microsoft.com/office/powerpoint/2015/main" val="1"/>
+                </p:ext>
+              </p:extLst>
+            </p:nvPr>
+          </p:nvSpPr>
+          <p:spPr>
+            <a:xfrm>
+              <a:off x="10371666" y="3589867"/>
+              <a:ext cx="1817159" cy="3268133"/>
+            </a:xfrm>
+            <a:prstGeom prst="triangle">
+              <a:avLst>
+                <a:gd name="adj" fmla="val 100000"/>
+              </a:avLst>
+            </a:prstGeom>
+            <a:solidFill>
+              <a:schemeClr val="accent1">
+                <a:lumMod val="75000"/>
+                <a:alpha val="66000"/>
+              </a:schemeClr>
+            </a:solidFill>
+            <a:ln>
+              <a:noFill/>
+            </a:ln>
+            <a:effectLst/>
+          </p:spPr>
+          <p:style>
+            <a:lnRef idx="1">
+              <a:schemeClr val="accent1"/>
+            </a:lnRef>
+            <a:fillRef idx="3">
+              <a:schemeClr val="accent1"/>
+            </a:fillRef>
+            <a:effectRef idx="2">
+              <a:schemeClr val="accent1"/>
+            </a:effectRef>
+            <a:fontRef idx="minor">
+              <a:schemeClr val="lt1"/>
+            </a:fontRef>
+          </p:style>
+        </p:sp>
+        <p:sp>
+          <p:nvSpPr>
+            <p:cNvPr id="21" name="Isosceles Triangle 20">
+              <a:extLst>
+                <a:ext uri="{FF2B5EF4-FFF2-40B4-BE49-F238E27FC236}">
+                  <a16:creationId xmlns:a16="http://schemas.microsoft.com/office/drawing/2014/main" id="{72B7FA08-1FF3-4AED-B4E9-587D81D6B1B9}"/>
+                </a:ext>
+                <a:ext uri="{C183D7F6-B498-43B3-948B-1728B52AA6E4}">
+                  <adec:decorative xmlns:adec="http://schemas.microsoft.com/office/drawing/2017/decorative" val="1"/>
+                </a:ext>
+              </a:extLst>
+            </p:cNvPr>
+            <p:cNvSpPr/>
+            <p:nvPr>
+              <p:extLst>
+                <p:ext uri="{386F3935-93C4-4BCD-93E2-E3B085C9AB24}">
+                  <p16:designElem xmlns:p16="http://schemas.microsoft.com/office/powerpoint/2015/main" val="1"/>
+                </p:ext>
+              </p:extLst>
+            </p:nvPr>
+          </p:nvSpPr>
+          <p:spPr>
+            <a:xfrm>
+              <a:off x="0" y="4013200"/>
+              <a:ext cx="448733" cy="2844800"/>
+            </a:xfrm>
+            <a:prstGeom prst="triangle">
+              <a:avLst>
+                <a:gd name="adj" fmla="val 0"/>
+              </a:avLst>
+            </a:prstGeom>
+            <a:solidFill>
+              <a:schemeClr val="accent1">
+                <a:alpha val="70000"/>
+              </a:schemeClr>
+            </a:solidFill>
+            <a:ln>
+              <a:noFill/>
+            </a:ln>
+            <a:effectLst/>
+          </p:spPr>
+          <p:style>
+            <a:lnRef idx="1">
+              <a:schemeClr val="accent1"/>
+            </a:lnRef>
+            <a:fillRef idx="3">
+              <a:schemeClr val="accent1"/>
+            </a:fillRef>
+            <a:effectRef idx="2">
+              <a:schemeClr val="accent1"/>
+            </a:effectRef>
+            <a:fontRef idx="minor">
+              <a:schemeClr val="lt1"/>
+            </a:fontRef>
+          </p:style>
+        </p:sp>
+      </p:grpSp>
+      <p:sp>
+        <p:nvSpPr>
+          <p:cNvPr id="3" name="Content Placeholder 2">
+            <a:extLst>
+              <a:ext uri="{FF2B5EF4-FFF2-40B4-BE49-F238E27FC236}">
+                <a16:creationId xmlns:a16="http://schemas.microsoft.com/office/drawing/2014/main" id="{4E45F674-D62E-4D49-93B5-7882550929A6}"/>
+              </a:ext>
+            </a:extLst>
+          </p:cNvPr>
+          <p:cNvSpPr>
+            <a:spLocks noGrp="1"/>
+          </p:cNvSpPr>
+          <p:nvPr>
+            <p:ph idx="1"/>
+          </p:nvPr>
+        </p:nvSpPr>
+        <p:spPr>
+          <a:xfrm>
+            <a:off x="677334" y="2160589"/>
+            <a:ext cx="8596668" cy="3880773"/>
+          </a:xfrm>
+        </p:spPr>
+        <p:txBody>
+          <a:bodyPr>
+            <a:normAutofit/>
+          </a:bodyPr>
+          <a:lstStyle/>
+          <a:p>
+            <a:pPr marL="0" indent="0">
+              <a:buNone/>
+            </a:pPr>
+            <a:r>
+              <a:rPr lang="en-CA" sz="6000" dirty="0"/>
+              <a:t>DEMO</a:t>
+            </a:r>
+          </a:p>
+        </p:txBody>
+      </p:sp>
       <p:pic>
         <p:nvPicPr>
-          <p:cNvPr id="17" name="Picture 16">
+          <p:cNvPr id="4" name="Picture 17">
             <a:extLst>
               <a:ext uri="{FF2B5EF4-FFF2-40B4-BE49-F238E27FC236}">
-                <a16:creationId xmlns:a16="http://schemas.microsoft.com/office/drawing/2014/main" id="{72BCC18D-5D32-43A3-9206-C1E5DE89C8E6}"/>
+                <a16:creationId xmlns:a16="http://schemas.microsoft.com/office/drawing/2014/main" id="{93D4CE19-6913-4097-B4CF-769090A90CF6}"/>
               </a:ext>
             </a:extLst>
           </p:cNvPr>
@@ -8873,33 +10690,865 @@
           <p:nvPr/>
         </p:nvPicPr>
         <p:blipFill>
-          <a:blip r:embed="rId5">
-            <a:extLst>
-              <a:ext uri="{28A0092B-C50C-407E-A947-70E740481C1C}">
-                <a14:useLocalDpi xmlns:a14="http://schemas.microsoft.com/office/drawing/2010/main" val="0"/>
-              </a:ext>
-            </a:extLst>
-          </a:blip>
+          <a:blip r:embed="rId3"/>
           <a:stretch>
             <a:fillRect/>
           </a:stretch>
         </p:blipFill>
         <p:spPr>
           <a:xfrm>
-            <a:off x="983362" y="3399784"/>
-            <a:ext cx="3539774" cy="1769887"/>
+            <a:off x="11195182" y="70582"/>
+            <a:ext cx="905073" cy="905073"/>
           </a:xfrm>
           <a:prstGeom prst="rect">
             <a:avLst/>
           </a:prstGeom>
+          <a:noFill/>
+          <a:ln cap="flat">
+            <a:noFill/>
+          </a:ln>
         </p:spPr>
       </p:pic>
+    </p:spTree>
+    <p:extLst>
+      <p:ext uri="{BB962C8B-B14F-4D97-AF65-F5344CB8AC3E}">
+        <p14:creationId xmlns:p14="http://schemas.microsoft.com/office/powerpoint/2010/main" val="2671445948"/>
+      </p:ext>
+    </p:extLst>
+  </p:cSld>
+  <p:clrMapOvr>
+    <a:overrideClrMapping bg1="dk1" tx1="lt1" bg2="dk2" tx2="lt2" accent1="accent1" accent2="accent2" accent3="accent3" accent4="accent4" accent5="accent5" accent6="accent6" hlink="hlink" folHlink="folHlink"/>
+  </p:clrMapOvr>
+</p:sld>
+</file>
+
+<file path=ppt/slides/slide8.xml><?xml version="1.0" encoding="utf-8"?>
+<p:sld xmlns:a="http://schemas.openxmlformats.org/drawingml/2006/main" xmlns:r="http://schemas.openxmlformats.org/officeDocument/2006/relationships" xmlns:p="http://schemas.openxmlformats.org/presentationml/2006/main">
+  <p:cSld>
+    <p:bg>
+      <p:bgPr>
+        <a:solidFill>
+          <a:schemeClr val="bg2"/>
+        </a:solidFill>
+        <a:effectLst/>
+      </p:bgPr>
+    </p:bg>
+    <p:spTree>
+      <p:nvGrpSpPr>
+        <p:cNvPr id="1" name=""/>
+        <p:cNvGrpSpPr/>
+        <p:nvPr/>
+      </p:nvGrpSpPr>
+      <p:grpSpPr>
+        <a:xfrm>
+          <a:off x="0" y="0"/>
+          <a:ext cx="0" cy="0"/>
+          <a:chOff x="0" y="0"/>
+          <a:chExt cx="0" cy="0"/>
+        </a:xfrm>
+      </p:grpSpPr>
+      <p:sp useBgFill="1">
+        <p:nvSpPr>
+          <p:cNvPr id="9" name="Rectangle 8">
+            <a:extLst>
+              <a:ext uri="{FF2B5EF4-FFF2-40B4-BE49-F238E27FC236}">
+                <a16:creationId xmlns:a16="http://schemas.microsoft.com/office/drawing/2014/main" id="{86C16C40-7C29-4ACC-B851-7E08E459B596}"/>
+              </a:ext>
+              <a:ext uri="{C183D7F6-B498-43B3-948B-1728B52AA6E4}">
+                <adec:decorative xmlns:adec="http://schemas.microsoft.com/office/drawing/2017/decorative" val="1"/>
+              </a:ext>
+            </a:extLst>
+          </p:cNvPr>
+          <p:cNvSpPr>
+            <a:spLocks noGrp="1" noRot="1" noChangeAspect="1" noMove="1" noResize="1" noEditPoints="1" noAdjustHandles="1" noChangeArrowheads="1" noChangeShapeType="1" noTextEdit="1"/>
+          </p:cNvSpPr>
+          <p:nvPr>
+            <p:extLst>
+              <p:ext uri="{386F3935-93C4-4BCD-93E2-E3B085C9AB24}">
+                <p16:designElem xmlns:p16="http://schemas.microsoft.com/office/powerpoint/2015/main" val="1"/>
+              </p:ext>
+            </p:extLst>
+          </p:nvPr>
+        </p:nvSpPr>
+        <p:spPr>
+          <a:xfrm>
+            <a:off x="0" y="0"/>
+            <a:ext cx="12192000" cy="6858000"/>
+          </a:xfrm>
+          <a:prstGeom prst="rect">
+            <a:avLst/>
+          </a:prstGeom>
+          <a:ln>
+            <a:noFill/>
+          </a:ln>
+        </p:spPr>
+        <p:style>
+          <a:lnRef idx="2">
+            <a:schemeClr val="accent1">
+              <a:shade val="50000"/>
+            </a:schemeClr>
+          </a:lnRef>
+          <a:fillRef idx="1">
+            <a:schemeClr val="accent1"/>
+          </a:fillRef>
+          <a:effectRef idx="0">
+            <a:schemeClr val="accent1"/>
+          </a:effectRef>
+          <a:fontRef idx="minor">
+            <a:schemeClr val="lt1"/>
+          </a:fontRef>
+        </p:style>
+        <p:txBody>
+          <a:bodyPr rtlCol="0" anchor="ctr"/>
+          <a:lstStyle/>
+          <a:p>
+            <a:pPr algn="ctr"/>
+            <a:endParaRPr lang="en-US"/>
+          </a:p>
+        </p:txBody>
+      </p:sp>
+      <p:grpSp>
+        <p:nvGrpSpPr>
+          <p:cNvPr id="11" name="Group 10">
+            <a:extLst>
+              <a:ext uri="{FF2B5EF4-FFF2-40B4-BE49-F238E27FC236}">
+                <a16:creationId xmlns:a16="http://schemas.microsoft.com/office/drawing/2014/main" id="{648049AD-9827-49E8-8BF5-32E175C8EA8A}"/>
+              </a:ext>
+              <a:ext uri="{C183D7F6-B498-43B3-948B-1728B52AA6E4}">
+                <adec:decorative xmlns:adec="http://schemas.microsoft.com/office/drawing/2017/decorative" val="1"/>
+              </a:ext>
+            </a:extLst>
+          </p:cNvPr>
+          <p:cNvGrpSpPr>
+            <a:grpSpLocks noGrp="1" noUngrp="1" noRot="1" noChangeAspect="1" noMove="1" noResize="1"/>
+          </p:cNvGrpSpPr>
+          <p:nvPr>
+            <p:extLst>
+              <p:ext uri="{386F3935-93C4-4BCD-93E2-E3B085C9AB24}">
+                <p16:designElem xmlns:p16="http://schemas.microsoft.com/office/powerpoint/2015/main" val="1"/>
+              </p:ext>
+            </p:extLst>
+          </p:nvPr>
+        </p:nvGrpSpPr>
+        <p:grpSpPr>
+          <a:xfrm>
+            <a:off x="0" y="-8467"/>
+            <a:ext cx="12192000" cy="6866467"/>
+            <a:chOff x="0" y="-8467"/>
+            <a:chExt cx="12192000" cy="6866467"/>
+          </a:xfrm>
+        </p:grpSpPr>
+        <p:cxnSp>
+          <p:nvCxnSpPr>
+            <p:cNvPr id="12" name="Straight Connector 11">
+              <a:extLst>
+                <a:ext uri="{FF2B5EF4-FFF2-40B4-BE49-F238E27FC236}">
+                  <a16:creationId xmlns:a16="http://schemas.microsoft.com/office/drawing/2014/main" id="{3AA99CFD-13BA-4D43-8274-E720ACDBED4B}"/>
+                </a:ext>
+                <a:ext uri="{C183D7F6-B498-43B3-948B-1728B52AA6E4}">
+                  <adec:decorative xmlns:adec="http://schemas.microsoft.com/office/drawing/2017/decorative" val="1"/>
+                </a:ext>
+              </a:extLst>
+            </p:cNvPr>
+            <p:cNvCxnSpPr/>
+            <p:nvPr>
+              <p:extLst>
+                <p:ext uri="{386F3935-93C4-4BCD-93E2-E3B085C9AB24}">
+                  <p16:designElem xmlns:p16="http://schemas.microsoft.com/office/powerpoint/2015/main" val="1"/>
+                </p:ext>
+              </p:extLst>
+            </p:nvPr>
+          </p:nvCxnSpPr>
+          <p:spPr>
+            <a:xfrm>
+              <a:off x="9371012" y="0"/>
+              <a:ext cx="1219200" cy="6858000"/>
+            </a:xfrm>
+            <a:prstGeom prst="line">
+              <a:avLst/>
+            </a:prstGeom>
+            <a:ln w="9525">
+              <a:solidFill>
+                <a:schemeClr val="accent1">
+                  <a:alpha val="70000"/>
+                </a:schemeClr>
+              </a:solidFill>
+            </a:ln>
+          </p:spPr>
+          <p:style>
+            <a:lnRef idx="2">
+              <a:schemeClr val="accent1"/>
+            </a:lnRef>
+            <a:fillRef idx="0">
+              <a:schemeClr val="accent1"/>
+            </a:fillRef>
+            <a:effectRef idx="1">
+              <a:schemeClr val="accent1"/>
+            </a:effectRef>
+            <a:fontRef idx="minor">
+              <a:schemeClr val="tx1"/>
+            </a:fontRef>
+          </p:style>
+        </p:cxnSp>
+        <p:cxnSp>
+          <p:nvCxnSpPr>
+            <p:cNvPr id="13" name="Straight Connector 12">
+              <a:extLst>
+                <a:ext uri="{FF2B5EF4-FFF2-40B4-BE49-F238E27FC236}">
+                  <a16:creationId xmlns:a16="http://schemas.microsoft.com/office/drawing/2014/main" id="{946D58D6-64B0-4752-8159-24114F47A5FF}"/>
+                </a:ext>
+                <a:ext uri="{C183D7F6-B498-43B3-948B-1728B52AA6E4}">
+                  <adec:decorative xmlns:adec="http://schemas.microsoft.com/office/drawing/2017/decorative" val="1"/>
+                </a:ext>
+              </a:extLst>
+            </p:cNvPr>
+            <p:cNvCxnSpPr/>
+            <p:nvPr>
+              <p:extLst>
+                <p:ext uri="{386F3935-93C4-4BCD-93E2-E3B085C9AB24}">
+                  <p16:designElem xmlns:p16="http://schemas.microsoft.com/office/powerpoint/2015/main" val="1"/>
+                </p:ext>
+              </p:extLst>
+            </p:nvPr>
+          </p:nvCxnSpPr>
+          <p:spPr>
+            <a:xfrm flipH="1">
+              <a:off x="7425267" y="3681413"/>
+              <a:ext cx="4763558" cy="3176587"/>
+            </a:xfrm>
+            <a:prstGeom prst="line">
+              <a:avLst/>
+            </a:prstGeom>
+            <a:ln w="9525">
+              <a:solidFill>
+                <a:schemeClr val="accent1">
+                  <a:alpha val="70000"/>
+                </a:schemeClr>
+              </a:solidFill>
+            </a:ln>
+          </p:spPr>
+          <p:style>
+            <a:lnRef idx="2">
+              <a:schemeClr val="accent1"/>
+            </a:lnRef>
+            <a:fillRef idx="0">
+              <a:schemeClr val="accent1"/>
+            </a:fillRef>
+            <a:effectRef idx="1">
+              <a:schemeClr val="accent1"/>
+            </a:effectRef>
+            <a:fontRef idx="minor">
+              <a:schemeClr val="tx1"/>
+            </a:fontRef>
+          </p:style>
+        </p:cxnSp>
+        <p:sp>
+          <p:nvSpPr>
+            <p:cNvPr id="14" name="Rectangle 23">
+              <a:extLst>
+                <a:ext uri="{FF2B5EF4-FFF2-40B4-BE49-F238E27FC236}">
+                  <a16:creationId xmlns:a16="http://schemas.microsoft.com/office/drawing/2014/main" id="{C16801F7-F15E-4355-8767-26487BA8B6C5}"/>
+                </a:ext>
+                <a:ext uri="{C183D7F6-B498-43B3-948B-1728B52AA6E4}">
+                  <adec:decorative xmlns:adec="http://schemas.microsoft.com/office/drawing/2017/decorative" val="1"/>
+                </a:ext>
+              </a:extLst>
+            </p:cNvPr>
+            <p:cNvSpPr/>
+            <p:nvPr>
+              <p:extLst>
+                <p:ext uri="{386F3935-93C4-4BCD-93E2-E3B085C9AB24}">
+                  <p16:designElem xmlns:p16="http://schemas.microsoft.com/office/powerpoint/2015/main" val="1"/>
+                </p:ext>
+              </p:extLst>
+            </p:nvPr>
+          </p:nvSpPr>
+          <p:spPr>
+            <a:xfrm>
+              <a:off x="9181476" y="-8467"/>
+              <a:ext cx="3007349" cy="6866467"/>
+            </a:xfrm>
+            <a:custGeom>
+              <a:avLst/>
+              <a:gdLst/>
+              <a:ahLst/>
+              <a:cxnLst/>
+              <a:rect l="l" t="t" r="r" b="b"/>
+              <a:pathLst>
+                <a:path w="3007349" h="6866467">
+                  <a:moveTo>
+                    <a:pt x="2045532" y="0"/>
+                  </a:moveTo>
+                  <a:lnTo>
+                    <a:pt x="3007349" y="0"/>
+                  </a:lnTo>
+                  <a:lnTo>
+                    <a:pt x="3007349" y="6866467"/>
+                  </a:lnTo>
+                  <a:lnTo>
+                    <a:pt x="0" y="6866467"/>
+                  </a:lnTo>
+                  <a:lnTo>
+                    <a:pt x="2045532" y="0"/>
+                  </a:lnTo>
+                  <a:close/>
+                </a:path>
+              </a:pathLst>
+            </a:custGeom>
+            <a:solidFill>
+              <a:schemeClr val="accent1">
+                <a:alpha val="36000"/>
+              </a:schemeClr>
+            </a:solidFill>
+            <a:ln>
+              <a:noFill/>
+            </a:ln>
+            <a:effectLst/>
+          </p:spPr>
+          <p:style>
+            <a:lnRef idx="1">
+              <a:schemeClr val="accent1"/>
+            </a:lnRef>
+            <a:fillRef idx="3">
+              <a:schemeClr val="accent1"/>
+            </a:fillRef>
+            <a:effectRef idx="2">
+              <a:schemeClr val="accent1"/>
+            </a:effectRef>
+            <a:fontRef idx="minor">
+              <a:schemeClr val="lt1"/>
+            </a:fontRef>
+          </p:style>
+        </p:sp>
+        <p:sp>
+          <p:nvSpPr>
+            <p:cNvPr id="15" name="Rectangle 25">
+              <a:extLst>
+                <a:ext uri="{FF2B5EF4-FFF2-40B4-BE49-F238E27FC236}">
+                  <a16:creationId xmlns:a16="http://schemas.microsoft.com/office/drawing/2014/main" id="{14FF0578-E224-4225-8396-B99D4881FF8F}"/>
+                </a:ext>
+                <a:ext uri="{C183D7F6-B498-43B3-948B-1728B52AA6E4}">
+                  <adec:decorative xmlns:adec="http://schemas.microsoft.com/office/drawing/2017/decorative" val="1"/>
+                </a:ext>
+              </a:extLst>
+            </p:cNvPr>
+            <p:cNvSpPr/>
+            <p:nvPr>
+              <p:extLst>
+                <p:ext uri="{386F3935-93C4-4BCD-93E2-E3B085C9AB24}">
+                  <p16:designElem xmlns:p16="http://schemas.microsoft.com/office/powerpoint/2015/main" val="1"/>
+                </p:ext>
+              </p:extLst>
+            </p:nvPr>
+          </p:nvSpPr>
+          <p:spPr>
+            <a:xfrm>
+              <a:off x="9603442" y="-8467"/>
+              <a:ext cx="2588558" cy="6866467"/>
+            </a:xfrm>
+            <a:custGeom>
+              <a:avLst/>
+              <a:gdLst/>
+              <a:ahLst/>
+              <a:cxnLst/>
+              <a:rect l="l" t="t" r="r" b="b"/>
+              <a:pathLst>
+                <a:path w="2573311" h="6866467">
+                  <a:moveTo>
+                    <a:pt x="0" y="0"/>
+                  </a:moveTo>
+                  <a:lnTo>
+                    <a:pt x="2573311" y="0"/>
+                  </a:lnTo>
+                  <a:lnTo>
+                    <a:pt x="2573311" y="6866467"/>
+                  </a:lnTo>
+                  <a:lnTo>
+                    <a:pt x="1202336" y="6866467"/>
+                  </a:lnTo>
+                  <a:lnTo>
+                    <a:pt x="0" y="0"/>
+                  </a:lnTo>
+                  <a:close/>
+                </a:path>
+              </a:pathLst>
+            </a:custGeom>
+            <a:solidFill>
+              <a:schemeClr val="accent1">
+                <a:alpha val="20000"/>
+              </a:schemeClr>
+            </a:solidFill>
+            <a:ln>
+              <a:noFill/>
+            </a:ln>
+            <a:effectLst/>
+          </p:spPr>
+          <p:style>
+            <a:lnRef idx="1">
+              <a:schemeClr val="accent1"/>
+            </a:lnRef>
+            <a:fillRef idx="3">
+              <a:schemeClr val="accent1"/>
+            </a:fillRef>
+            <a:effectRef idx="2">
+              <a:schemeClr val="accent1"/>
+            </a:effectRef>
+            <a:fontRef idx="minor">
+              <a:schemeClr val="lt1"/>
+            </a:fontRef>
+          </p:style>
+        </p:sp>
+        <p:sp>
+          <p:nvSpPr>
+            <p:cNvPr id="16" name="Isosceles Triangle 15">
+              <a:extLst>
+                <a:ext uri="{FF2B5EF4-FFF2-40B4-BE49-F238E27FC236}">
+                  <a16:creationId xmlns:a16="http://schemas.microsoft.com/office/drawing/2014/main" id="{4642C0E0-9644-41F1-8CF3-33779AA8A3F8}"/>
+                </a:ext>
+                <a:ext uri="{C183D7F6-B498-43B3-948B-1728B52AA6E4}">
+                  <adec:decorative xmlns:adec="http://schemas.microsoft.com/office/drawing/2017/decorative" val="1"/>
+                </a:ext>
+              </a:extLst>
+            </p:cNvPr>
+            <p:cNvSpPr/>
+            <p:nvPr>
+              <p:extLst>
+                <p:ext uri="{386F3935-93C4-4BCD-93E2-E3B085C9AB24}">
+                  <p16:designElem xmlns:p16="http://schemas.microsoft.com/office/powerpoint/2015/main" val="1"/>
+                </p:ext>
+              </p:extLst>
+            </p:nvPr>
+          </p:nvSpPr>
+          <p:spPr>
+            <a:xfrm>
+              <a:off x="8932333" y="3048000"/>
+              <a:ext cx="3259667" cy="3810000"/>
+            </a:xfrm>
+            <a:prstGeom prst="triangle">
+              <a:avLst>
+                <a:gd name="adj" fmla="val 100000"/>
+              </a:avLst>
+            </a:prstGeom>
+            <a:solidFill>
+              <a:schemeClr val="accent1">
+                <a:lumMod val="75000"/>
+                <a:alpha val="66000"/>
+              </a:schemeClr>
+            </a:solidFill>
+            <a:ln>
+              <a:noFill/>
+            </a:ln>
+            <a:effectLst/>
+          </p:spPr>
+          <p:style>
+            <a:lnRef idx="1">
+              <a:schemeClr val="accent1"/>
+            </a:lnRef>
+            <a:fillRef idx="3">
+              <a:schemeClr val="accent1"/>
+            </a:fillRef>
+            <a:effectRef idx="2">
+              <a:schemeClr val="accent1"/>
+            </a:effectRef>
+            <a:fontRef idx="minor">
+              <a:schemeClr val="lt1"/>
+            </a:fontRef>
+          </p:style>
+        </p:sp>
+        <p:sp>
+          <p:nvSpPr>
+            <p:cNvPr id="17" name="Rectangle 27">
+              <a:extLst>
+                <a:ext uri="{FF2B5EF4-FFF2-40B4-BE49-F238E27FC236}">
+                  <a16:creationId xmlns:a16="http://schemas.microsoft.com/office/drawing/2014/main" id="{5F77D9D3-628A-4607-B307-91AAA5603450}"/>
+                </a:ext>
+                <a:ext uri="{C183D7F6-B498-43B3-948B-1728B52AA6E4}">
+                  <adec:decorative xmlns:adec="http://schemas.microsoft.com/office/drawing/2017/decorative" val="1"/>
+                </a:ext>
+              </a:extLst>
+            </p:cNvPr>
+            <p:cNvSpPr/>
+            <p:nvPr>
+              <p:extLst>
+                <p:ext uri="{386F3935-93C4-4BCD-93E2-E3B085C9AB24}">
+                  <p16:designElem xmlns:p16="http://schemas.microsoft.com/office/powerpoint/2015/main" val="1"/>
+                </p:ext>
+              </p:extLst>
+            </p:nvPr>
+          </p:nvSpPr>
+          <p:spPr>
+            <a:xfrm>
+              <a:off x="9334500" y="-8467"/>
+              <a:ext cx="2854326" cy="6866467"/>
+            </a:xfrm>
+            <a:custGeom>
+              <a:avLst/>
+              <a:gdLst/>
+              <a:ahLst/>
+              <a:cxnLst/>
+              <a:rect l="l" t="t" r="r" b="b"/>
+              <a:pathLst>
+                <a:path w="2858013" h="6866467">
+                  <a:moveTo>
+                    <a:pt x="0" y="0"/>
+                  </a:moveTo>
+                  <a:lnTo>
+                    <a:pt x="2858013" y="0"/>
+                  </a:lnTo>
+                  <a:lnTo>
+                    <a:pt x="2858013" y="6866467"/>
+                  </a:lnTo>
+                  <a:lnTo>
+                    <a:pt x="2473942" y="6866467"/>
+                  </a:lnTo>
+                  <a:lnTo>
+                    <a:pt x="0" y="0"/>
+                  </a:lnTo>
+                  <a:close/>
+                </a:path>
+              </a:pathLst>
+            </a:custGeom>
+            <a:solidFill>
+              <a:schemeClr val="accent1">
+                <a:lumMod val="75000"/>
+                <a:alpha val="50000"/>
+              </a:schemeClr>
+            </a:solidFill>
+            <a:ln>
+              <a:noFill/>
+            </a:ln>
+            <a:effectLst/>
+          </p:spPr>
+          <p:style>
+            <a:lnRef idx="1">
+              <a:schemeClr val="accent1"/>
+            </a:lnRef>
+            <a:fillRef idx="3">
+              <a:schemeClr val="accent1"/>
+            </a:fillRef>
+            <a:effectRef idx="2">
+              <a:schemeClr val="accent1"/>
+            </a:effectRef>
+            <a:fontRef idx="minor">
+              <a:schemeClr val="lt1"/>
+            </a:fontRef>
+          </p:style>
+        </p:sp>
+        <p:sp>
+          <p:nvSpPr>
+            <p:cNvPr id="18" name="Rectangle 28">
+              <a:extLst>
+                <a:ext uri="{FF2B5EF4-FFF2-40B4-BE49-F238E27FC236}">
+                  <a16:creationId xmlns:a16="http://schemas.microsoft.com/office/drawing/2014/main" id="{0600759E-C22E-4F3D-8569-0DE8F1D4934F}"/>
+                </a:ext>
+                <a:ext uri="{C183D7F6-B498-43B3-948B-1728B52AA6E4}">
+                  <adec:decorative xmlns:adec="http://schemas.microsoft.com/office/drawing/2017/decorative" val="1"/>
+                </a:ext>
+              </a:extLst>
+            </p:cNvPr>
+            <p:cNvSpPr/>
+            <p:nvPr>
+              <p:extLst>
+                <p:ext uri="{386F3935-93C4-4BCD-93E2-E3B085C9AB24}">
+                  <p16:designElem xmlns:p16="http://schemas.microsoft.com/office/powerpoint/2015/main" val="1"/>
+                </p:ext>
+              </p:extLst>
+            </p:nvPr>
+          </p:nvSpPr>
+          <p:spPr>
+            <a:xfrm>
+              <a:off x="10898730" y="-8467"/>
+              <a:ext cx="1290094" cy="6866467"/>
+            </a:xfrm>
+            <a:custGeom>
+              <a:avLst/>
+              <a:gdLst/>
+              <a:ahLst/>
+              <a:cxnLst/>
+              <a:rect l="l" t="t" r="r" b="b"/>
+              <a:pathLst>
+                <a:path w="1290094" h="6858000">
+                  <a:moveTo>
+                    <a:pt x="1019735" y="0"/>
+                  </a:moveTo>
+                  <a:lnTo>
+                    <a:pt x="1290094" y="0"/>
+                  </a:lnTo>
+                  <a:lnTo>
+                    <a:pt x="1290094" y="6858000"/>
+                  </a:lnTo>
+                  <a:lnTo>
+                    <a:pt x="0" y="6858000"/>
+                  </a:lnTo>
+                  <a:lnTo>
+                    <a:pt x="1019735" y="0"/>
+                  </a:lnTo>
+                  <a:close/>
+                </a:path>
+              </a:pathLst>
+            </a:custGeom>
+            <a:solidFill>
+              <a:schemeClr val="accent2">
+                <a:alpha val="70000"/>
+              </a:schemeClr>
+            </a:solidFill>
+            <a:ln>
+              <a:noFill/>
+            </a:ln>
+            <a:effectLst/>
+          </p:spPr>
+          <p:style>
+            <a:lnRef idx="1">
+              <a:schemeClr val="accent1"/>
+            </a:lnRef>
+            <a:fillRef idx="3">
+              <a:schemeClr val="accent1"/>
+            </a:fillRef>
+            <a:effectRef idx="2">
+              <a:schemeClr val="accent1"/>
+            </a:effectRef>
+            <a:fontRef idx="minor">
+              <a:schemeClr val="lt1"/>
+            </a:fontRef>
+          </p:style>
+        </p:sp>
+        <p:sp>
+          <p:nvSpPr>
+            <p:cNvPr id="19" name="Rectangle 29">
+              <a:extLst>
+                <a:ext uri="{FF2B5EF4-FFF2-40B4-BE49-F238E27FC236}">
+                  <a16:creationId xmlns:a16="http://schemas.microsoft.com/office/drawing/2014/main" id="{9A4E951D-EAB0-4F6B-84AE-B5B25684FD61}"/>
+                </a:ext>
+                <a:ext uri="{C183D7F6-B498-43B3-948B-1728B52AA6E4}">
+                  <adec:decorative xmlns:adec="http://schemas.microsoft.com/office/drawing/2017/decorative" val="1"/>
+                </a:ext>
+              </a:extLst>
+            </p:cNvPr>
+            <p:cNvSpPr/>
+            <p:nvPr>
+              <p:extLst>
+                <p:ext uri="{386F3935-93C4-4BCD-93E2-E3B085C9AB24}">
+                  <p16:designElem xmlns:p16="http://schemas.microsoft.com/office/powerpoint/2015/main" val="1"/>
+                </p:ext>
+              </p:extLst>
+            </p:nvPr>
+          </p:nvSpPr>
+          <p:spPr>
+            <a:xfrm>
+              <a:off x="10938999" y="-8467"/>
+              <a:ext cx="1249825" cy="6866467"/>
+            </a:xfrm>
+            <a:custGeom>
+              <a:avLst/>
+              <a:gdLst/>
+              <a:ahLst/>
+              <a:cxnLst/>
+              <a:rect l="l" t="t" r="r" b="b"/>
+              <a:pathLst>
+                <a:path w="1249825" h="6858000">
+                  <a:moveTo>
+                    <a:pt x="0" y="0"/>
+                  </a:moveTo>
+                  <a:lnTo>
+                    <a:pt x="1249825" y="0"/>
+                  </a:lnTo>
+                  <a:lnTo>
+                    <a:pt x="1249825" y="6858000"/>
+                  </a:lnTo>
+                  <a:lnTo>
+                    <a:pt x="1109382" y="6858000"/>
+                  </a:lnTo>
+                  <a:lnTo>
+                    <a:pt x="0" y="0"/>
+                  </a:lnTo>
+                  <a:close/>
+                </a:path>
+              </a:pathLst>
+            </a:custGeom>
+            <a:solidFill>
+              <a:schemeClr val="accent2">
+                <a:lumMod val="75000"/>
+                <a:alpha val="80000"/>
+              </a:schemeClr>
+            </a:solidFill>
+            <a:ln>
+              <a:noFill/>
+            </a:ln>
+            <a:effectLst/>
+          </p:spPr>
+          <p:style>
+            <a:lnRef idx="1">
+              <a:schemeClr val="accent1"/>
+            </a:lnRef>
+            <a:fillRef idx="3">
+              <a:schemeClr val="accent1"/>
+            </a:fillRef>
+            <a:effectRef idx="2">
+              <a:schemeClr val="accent1"/>
+            </a:effectRef>
+            <a:fontRef idx="minor">
+              <a:schemeClr val="lt1"/>
+            </a:fontRef>
+          </p:style>
+        </p:sp>
+        <p:sp>
+          <p:nvSpPr>
+            <p:cNvPr id="20" name="Isosceles Triangle 19">
+              <a:extLst>
+                <a:ext uri="{FF2B5EF4-FFF2-40B4-BE49-F238E27FC236}">
+                  <a16:creationId xmlns:a16="http://schemas.microsoft.com/office/drawing/2014/main" id="{B953BEA8-1B45-419E-BACD-49DB8888B1DE}"/>
+                </a:ext>
+                <a:ext uri="{C183D7F6-B498-43B3-948B-1728B52AA6E4}">
+                  <adec:decorative xmlns:adec="http://schemas.microsoft.com/office/drawing/2017/decorative" val="1"/>
+                </a:ext>
+              </a:extLst>
+            </p:cNvPr>
+            <p:cNvSpPr/>
+            <p:nvPr>
+              <p:extLst>
+                <p:ext uri="{386F3935-93C4-4BCD-93E2-E3B085C9AB24}">
+                  <p16:designElem xmlns:p16="http://schemas.microsoft.com/office/powerpoint/2015/main" val="1"/>
+                </p:ext>
+              </p:extLst>
+            </p:nvPr>
+          </p:nvSpPr>
+          <p:spPr>
+            <a:xfrm>
+              <a:off x="10371666" y="3589867"/>
+              <a:ext cx="1817159" cy="3268133"/>
+            </a:xfrm>
+            <a:prstGeom prst="triangle">
+              <a:avLst>
+                <a:gd name="adj" fmla="val 100000"/>
+              </a:avLst>
+            </a:prstGeom>
+            <a:solidFill>
+              <a:schemeClr val="accent1">
+                <a:lumMod val="75000"/>
+                <a:alpha val="66000"/>
+              </a:schemeClr>
+            </a:solidFill>
+            <a:ln>
+              <a:noFill/>
+            </a:ln>
+            <a:effectLst/>
+          </p:spPr>
+          <p:style>
+            <a:lnRef idx="1">
+              <a:schemeClr val="accent1"/>
+            </a:lnRef>
+            <a:fillRef idx="3">
+              <a:schemeClr val="accent1"/>
+            </a:fillRef>
+            <a:effectRef idx="2">
+              <a:schemeClr val="accent1"/>
+            </a:effectRef>
+            <a:fontRef idx="minor">
+              <a:schemeClr val="lt1"/>
+            </a:fontRef>
+          </p:style>
+        </p:sp>
+        <p:sp>
+          <p:nvSpPr>
+            <p:cNvPr id="21" name="Isosceles Triangle 20">
+              <a:extLst>
+                <a:ext uri="{FF2B5EF4-FFF2-40B4-BE49-F238E27FC236}">
+                  <a16:creationId xmlns:a16="http://schemas.microsoft.com/office/drawing/2014/main" id="{72B7FA08-1FF3-4AED-B4E9-587D81D6B1B9}"/>
+                </a:ext>
+                <a:ext uri="{C183D7F6-B498-43B3-948B-1728B52AA6E4}">
+                  <adec:decorative xmlns:adec="http://schemas.microsoft.com/office/drawing/2017/decorative" val="1"/>
+                </a:ext>
+              </a:extLst>
+            </p:cNvPr>
+            <p:cNvSpPr/>
+            <p:nvPr>
+              <p:extLst>
+                <p:ext uri="{386F3935-93C4-4BCD-93E2-E3B085C9AB24}">
+                  <p16:designElem xmlns:p16="http://schemas.microsoft.com/office/powerpoint/2015/main" val="1"/>
+                </p:ext>
+              </p:extLst>
+            </p:nvPr>
+          </p:nvSpPr>
+          <p:spPr>
+            <a:xfrm>
+              <a:off x="0" y="4013200"/>
+              <a:ext cx="448733" cy="2844800"/>
+            </a:xfrm>
+            <a:prstGeom prst="triangle">
+              <a:avLst>
+                <a:gd name="adj" fmla="val 0"/>
+              </a:avLst>
+            </a:prstGeom>
+            <a:solidFill>
+              <a:schemeClr val="accent1">
+                <a:alpha val="70000"/>
+              </a:schemeClr>
+            </a:solidFill>
+            <a:ln>
+              <a:noFill/>
+            </a:ln>
+            <a:effectLst/>
+          </p:spPr>
+          <p:style>
+            <a:lnRef idx="1">
+              <a:schemeClr val="accent1"/>
+            </a:lnRef>
+            <a:fillRef idx="3">
+              <a:schemeClr val="accent1"/>
+            </a:fillRef>
+            <a:effectRef idx="2">
+              <a:schemeClr val="accent1"/>
+            </a:effectRef>
+            <a:fontRef idx="minor">
+              <a:schemeClr val="lt1"/>
+            </a:fontRef>
+          </p:style>
+        </p:sp>
+      </p:grpSp>
+      <p:sp>
+        <p:nvSpPr>
+          <p:cNvPr id="3" name="Content Placeholder 2">
+            <a:extLst>
+              <a:ext uri="{FF2B5EF4-FFF2-40B4-BE49-F238E27FC236}">
+                <a16:creationId xmlns:a16="http://schemas.microsoft.com/office/drawing/2014/main" id="{4E45F674-D62E-4D49-93B5-7882550929A6}"/>
+              </a:ext>
+            </a:extLst>
+          </p:cNvPr>
+          <p:cNvSpPr>
+            <a:spLocks noGrp="1"/>
+          </p:cNvSpPr>
+          <p:nvPr>
+            <p:ph idx="1"/>
+          </p:nvPr>
+        </p:nvSpPr>
+        <p:spPr>
+          <a:xfrm>
+            <a:off x="677334" y="2160589"/>
+            <a:ext cx="8596668" cy="3880773"/>
+          </a:xfrm>
+        </p:spPr>
+        <p:txBody>
+          <a:bodyPr>
+            <a:normAutofit/>
+          </a:bodyPr>
+          <a:lstStyle/>
+          <a:p>
+            <a:pPr marL="0" indent="0">
+              <a:buNone/>
+            </a:pPr>
+            <a:r>
+              <a:rPr lang="en-CA" sz="6000" dirty="0"/>
+              <a:t>Q/A</a:t>
+            </a:r>
+          </a:p>
+        </p:txBody>
+      </p:sp>
       <p:pic>
         <p:nvPicPr>
-          <p:cNvPr id="15" name="Picture 14">
+          <p:cNvPr id="4" name="Picture 17">
             <a:extLst>
               <a:ext uri="{FF2B5EF4-FFF2-40B4-BE49-F238E27FC236}">
-                <a16:creationId xmlns:a16="http://schemas.microsoft.com/office/drawing/2014/main" id="{090013F9-5164-476F-9180-B095AFB860A9}"/>
+                <a16:creationId xmlns:a16="http://schemas.microsoft.com/office/drawing/2014/main" id="{93D4CE19-6913-4097-B4CF-769090A90CF6}"/>
               </a:ext>
             </a:extLst>
           </p:cNvPr>
@@ -8909,36 +11558,954 @@
           <p:nvPr/>
         </p:nvPicPr>
         <p:blipFill>
-          <a:blip r:embed="rId6">
-            <a:extLst>
-              <a:ext uri="{28A0092B-C50C-407E-A947-70E740481C1C}">
-                <a14:useLocalDpi xmlns:a14="http://schemas.microsoft.com/office/drawing/2010/main" val="0"/>
-              </a:ext>
-            </a:extLst>
-          </a:blip>
+          <a:blip r:embed="rId3"/>
           <a:stretch>
             <a:fillRect/>
           </a:stretch>
         </p:blipFill>
         <p:spPr>
           <a:xfrm>
-            <a:off x="1525772" y="4951552"/>
-            <a:ext cx="2454954" cy="1361384"/>
+            <a:off x="11195182" y="70582"/>
+            <a:ext cx="905073" cy="905073"/>
           </a:xfrm>
           <a:prstGeom prst="rect">
             <a:avLst/>
           </a:prstGeom>
+          <a:noFill/>
+          <a:ln cap="flat">
+            <a:noFill/>
+          </a:ln>
         </p:spPr>
       </p:pic>
     </p:spTree>
     <p:extLst>
       <p:ext uri="{BB962C8B-B14F-4D97-AF65-F5344CB8AC3E}">
-        <p14:creationId xmlns:p14="http://schemas.microsoft.com/office/powerpoint/2010/main" val="2762976537"/>
+        <p14:creationId xmlns:p14="http://schemas.microsoft.com/office/powerpoint/2010/main" val="2577657830"/>
       </p:ext>
     </p:extLst>
   </p:cSld>
   <p:clrMapOvr>
-    <a:masterClrMapping/>
+    <a:overrideClrMapping bg1="dk1" tx1="lt1" bg2="dk2" tx2="lt2" accent1="accent1" accent2="accent2" accent3="accent3" accent4="accent4" accent5="accent5" accent6="accent6" hlink="hlink" folHlink="folHlink"/>
+  </p:clrMapOvr>
+</p:sld>
+</file>
+
+<file path=ppt/slides/slide9.xml><?xml version="1.0" encoding="utf-8"?>
+<p:sld xmlns:a="http://schemas.openxmlformats.org/drawingml/2006/main" xmlns:r="http://schemas.openxmlformats.org/officeDocument/2006/relationships" xmlns:p="http://schemas.openxmlformats.org/presentationml/2006/main">
+  <p:cSld>
+    <p:bg>
+      <p:bgPr>
+        <a:solidFill>
+          <a:schemeClr val="bg2"/>
+        </a:solidFill>
+        <a:effectLst/>
+      </p:bgPr>
+    </p:bg>
+    <p:spTree>
+      <p:nvGrpSpPr>
+        <p:cNvPr id="1" name=""/>
+        <p:cNvGrpSpPr/>
+        <p:nvPr/>
+      </p:nvGrpSpPr>
+      <p:grpSpPr>
+        <a:xfrm>
+          <a:off x="0" y="0"/>
+          <a:ext cx="0" cy="0"/>
+          <a:chOff x="0" y="0"/>
+          <a:chExt cx="0" cy="0"/>
+        </a:xfrm>
+      </p:grpSpPr>
+      <p:sp useBgFill="1">
+        <p:nvSpPr>
+          <p:cNvPr id="9" name="Rectangle 8">
+            <a:extLst>
+              <a:ext uri="{FF2B5EF4-FFF2-40B4-BE49-F238E27FC236}">
+                <a16:creationId xmlns:a16="http://schemas.microsoft.com/office/drawing/2014/main" id="{86C16C40-7C29-4ACC-B851-7E08E459B596}"/>
+              </a:ext>
+              <a:ext uri="{C183D7F6-B498-43B3-948B-1728B52AA6E4}">
+                <adec:decorative xmlns:adec="http://schemas.microsoft.com/office/drawing/2017/decorative" val="1"/>
+              </a:ext>
+            </a:extLst>
+          </p:cNvPr>
+          <p:cNvSpPr>
+            <a:spLocks noGrp="1" noRot="1" noChangeAspect="1" noMove="1" noResize="1" noEditPoints="1" noAdjustHandles="1" noChangeArrowheads="1" noChangeShapeType="1" noTextEdit="1"/>
+          </p:cNvSpPr>
+          <p:nvPr>
+            <p:extLst>
+              <p:ext uri="{386F3935-93C4-4BCD-93E2-E3B085C9AB24}">
+                <p16:designElem xmlns:p16="http://schemas.microsoft.com/office/powerpoint/2015/main" val="1"/>
+              </p:ext>
+            </p:extLst>
+          </p:nvPr>
+        </p:nvSpPr>
+        <p:spPr>
+          <a:xfrm>
+            <a:off x="0" y="0"/>
+            <a:ext cx="12192000" cy="6858000"/>
+          </a:xfrm>
+          <a:prstGeom prst="rect">
+            <a:avLst/>
+          </a:prstGeom>
+          <a:ln>
+            <a:noFill/>
+          </a:ln>
+        </p:spPr>
+        <p:style>
+          <a:lnRef idx="2">
+            <a:schemeClr val="accent1">
+              <a:shade val="50000"/>
+            </a:schemeClr>
+          </a:lnRef>
+          <a:fillRef idx="1">
+            <a:schemeClr val="accent1"/>
+          </a:fillRef>
+          <a:effectRef idx="0">
+            <a:schemeClr val="accent1"/>
+          </a:effectRef>
+          <a:fontRef idx="minor">
+            <a:schemeClr val="lt1"/>
+          </a:fontRef>
+        </p:style>
+        <p:txBody>
+          <a:bodyPr rtlCol="0" anchor="ctr"/>
+          <a:lstStyle/>
+          <a:p>
+            <a:pPr algn="ctr"/>
+            <a:endParaRPr lang="en-US"/>
+          </a:p>
+        </p:txBody>
+      </p:sp>
+      <p:grpSp>
+        <p:nvGrpSpPr>
+          <p:cNvPr id="11" name="Group 10">
+            <a:extLst>
+              <a:ext uri="{FF2B5EF4-FFF2-40B4-BE49-F238E27FC236}">
+                <a16:creationId xmlns:a16="http://schemas.microsoft.com/office/drawing/2014/main" id="{648049AD-9827-49E8-8BF5-32E175C8EA8A}"/>
+              </a:ext>
+              <a:ext uri="{C183D7F6-B498-43B3-948B-1728B52AA6E4}">
+                <adec:decorative xmlns:adec="http://schemas.microsoft.com/office/drawing/2017/decorative" val="1"/>
+              </a:ext>
+            </a:extLst>
+          </p:cNvPr>
+          <p:cNvGrpSpPr>
+            <a:grpSpLocks noGrp="1" noUngrp="1" noRot="1" noChangeAspect="1" noMove="1" noResize="1"/>
+          </p:cNvGrpSpPr>
+          <p:nvPr>
+            <p:extLst>
+              <p:ext uri="{386F3935-93C4-4BCD-93E2-E3B085C9AB24}">
+                <p16:designElem xmlns:p16="http://schemas.microsoft.com/office/powerpoint/2015/main" val="1"/>
+              </p:ext>
+            </p:extLst>
+          </p:nvPr>
+        </p:nvGrpSpPr>
+        <p:grpSpPr>
+          <a:xfrm>
+            <a:off x="0" y="-8467"/>
+            <a:ext cx="12192000" cy="6866467"/>
+            <a:chOff x="0" y="-8467"/>
+            <a:chExt cx="12192000" cy="6866467"/>
+          </a:xfrm>
+        </p:grpSpPr>
+        <p:cxnSp>
+          <p:nvCxnSpPr>
+            <p:cNvPr id="12" name="Straight Connector 11">
+              <a:extLst>
+                <a:ext uri="{FF2B5EF4-FFF2-40B4-BE49-F238E27FC236}">
+                  <a16:creationId xmlns:a16="http://schemas.microsoft.com/office/drawing/2014/main" id="{3AA99CFD-13BA-4D43-8274-E720ACDBED4B}"/>
+                </a:ext>
+                <a:ext uri="{C183D7F6-B498-43B3-948B-1728B52AA6E4}">
+                  <adec:decorative xmlns:adec="http://schemas.microsoft.com/office/drawing/2017/decorative" val="1"/>
+                </a:ext>
+              </a:extLst>
+            </p:cNvPr>
+            <p:cNvCxnSpPr/>
+            <p:nvPr>
+              <p:extLst>
+                <p:ext uri="{386F3935-93C4-4BCD-93E2-E3B085C9AB24}">
+                  <p16:designElem xmlns:p16="http://schemas.microsoft.com/office/powerpoint/2015/main" val="1"/>
+                </p:ext>
+              </p:extLst>
+            </p:nvPr>
+          </p:nvCxnSpPr>
+          <p:spPr>
+            <a:xfrm>
+              <a:off x="9371012" y="0"/>
+              <a:ext cx="1219200" cy="6858000"/>
+            </a:xfrm>
+            <a:prstGeom prst="line">
+              <a:avLst/>
+            </a:prstGeom>
+            <a:ln w="9525">
+              <a:solidFill>
+                <a:schemeClr val="accent1">
+                  <a:alpha val="70000"/>
+                </a:schemeClr>
+              </a:solidFill>
+            </a:ln>
+          </p:spPr>
+          <p:style>
+            <a:lnRef idx="2">
+              <a:schemeClr val="accent1"/>
+            </a:lnRef>
+            <a:fillRef idx="0">
+              <a:schemeClr val="accent1"/>
+            </a:fillRef>
+            <a:effectRef idx="1">
+              <a:schemeClr val="accent1"/>
+            </a:effectRef>
+            <a:fontRef idx="minor">
+              <a:schemeClr val="tx1"/>
+            </a:fontRef>
+          </p:style>
+        </p:cxnSp>
+        <p:cxnSp>
+          <p:nvCxnSpPr>
+            <p:cNvPr id="13" name="Straight Connector 12">
+              <a:extLst>
+                <a:ext uri="{FF2B5EF4-FFF2-40B4-BE49-F238E27FC236}">
+                  <a16:creationId xmlns:a16="http://schemas.microsoft.com/office/drawing/2014/main" id="{946D58D6-64B0-4752-8159-24114F47A5FF}"/>
+                </a:ext>
+                <a:ext uri="{C183D7F6-B498-43B3-948B-1728B52AA6E4}">
+                  <adec:decorative xmlns:adec="http://schemas.microsoft.com/office/drawing/2017/decorative" val="1"/>
+                </a:ext>
+              </a:extLst>
+            </p:cNvPr>
+            <p:cNvCxnSpPr/>
+            <p:nvPr>
+              <p:extLst>
+                <p:ext uri="{386F3935-93C4-4BCD-93E2-E3B085C9AB24}">
+                  <p16:designElem xmlns:p16="http://schemas.microsoft.com/office/powerpoint/2015/main" val="1"/>
+                </p:ext>
+              </p:extLst>
+            </p:nvPr>
+          </p:nvCxnSpPr>
+          <p:spPr>
+            <a:xfrm flipH="1">
+              <a:off x="7425267" y="3681413"/>
+              <a:ext cx="4763558" cy="3176587"/>
+            </a:xfrm>
+            <a:prstGeom prst="line">
+              <a:avLst/>
+            </a:prstGeom>
+            <a:ln w="9525">
+              <a:solidFill>
+                <a:schemeClr val="accent1">
+                  <a:alpha val="70000"/>
+                </a:schemeClr>
+              </a:solidFill>
+            </a:ln>
+          </p:spPr>
+          <p:style>
+            <a:lnRef idx="2">
+              <a:schemeClr val="accent1"/>
+            </a:lnRef>
+            <a:fillRef idx="0">
+              <a:schemeClr val="accent1"/>
+            </a:fillRef>
+            <a:effectRef idx="1">
+              <a:schemeClr val="accent1"/>
+            </a:effectRef>
+            <a:fontRef idx="minor">
+              <a:schemeClr val="tx1"/>
+            </a:fontRef>
+          </p:style>
+        </p:cxnSp>
+        <p:sp>
+          <p:nvSpPr>
+            <p:cNvPr id="14" name="Rectangle 23">
+              <a:extLst>
+                <a:ext uri="{FF2B5EF4-FFF2-40B4-BE49-F238E27FC236}">
+                  <a16:creationId xmlns:a16="http://schemas.microsoft.com/office/drawing/2014/main" id="{C16801F7-F15E-4355-8767-26487BA8B6C5}"/>
+                </a:ext>
+                <a:ext uri="{C183D7F6-B498-43B3-948B-1728B52AA6E4}">
+                  <adec:decorative xmlns:adec="http://schemas.microsoft.com/office/drawing/2017/decorative" val="1"/>
+                </a:ext>
+              </a:extLst>
+            </p:cNvPr>
+            <p:cNvSpPr/>
+            <p:nvPr>
+              <p:extLst>
+                <p:ext uri="{386F3935-93C4-4BCD-93E2-E3B085C9AB24}">
+                  <p16:designElem xmlns:p16="http://schemas.microsoft.com/office/powerpoint/2015/main" val="1"/>
+                </p:ext>
+              </p:extLst>
+            </p:nvPr>
+          </p:nvSpPr>
+          <p:spPr>
+            <a:xfrm>
+              <a:off x="9181476" y="-8467"/>
+              <a:ext cx="3007349" cy="6866467"/>
+            </a:xfrm>
+            <a:custGeom>
+              <a:avLst/>
+              <a:gdLst/>
+              <a:ahLst/>
+              <a:cxnLst/>
+              <a:rect l="l" t="t" r="r" b="b"/>
+              <a:pathLst>
+                <a:path w="3007349" h="6866467">
+                  <a:moveTo>
+                    <a:pt x="2045532" y="0"/>
+                  </a:moveTo>
+                  <a:lnTo>
+                    <a:pt x="3007349" y="0"/>
+                  </a:lnTo>
+                  <a:lnTo>
+                    <a:pt x="3007349" y="6866467"/>
+                  </a:lnTo>
+                  <a:lnTo>
+                    <a:pt x="0" y="6866467"/>
+                  </a:lnTo>
+                  <a:lnTo>
+                    <a:pt x="2045532" y="0"/>
+                  </a:lnTo>
+                  <a:close/>
+                </a:path>
+              </a:pathLst>
+            </a:custGeom>
+            <a:solidFill>
+              <a:schemeClr val="accent1">
+                <a:alpha val="36000"/>
+              </a:schemeClr>
+            </a:solidFill>
+            <a:ln>
+              <a:noFill/>
+            </a:ln>
+            <a:effectLst/>
+          </p:spPr>
+          <p:style>
+            <a:lnRef idx="1">
+              <a:schemeClr val="accent1"/>
+            </a:lnRef>
+            <a:fillRef idx="3">
+              <a:schemeClr val="accent1"/>
+            </a:fillRef>
+            <a:effectRef idx="2">
+              <a:schemeClr val="accent1"/>
+            </a:effectRef>
+            <a:fontRef idx="minor">
+              <a:schemeClr val="lt1"/>
+            </a:fontRef>
+          </p:style>
+        </p:sp>
+        <p:sp>
+          <p:nvSpPr>
+            <p:cNvPr id="15" name="Rectangle 25">
+              <a:extLst>
+                <a:ext uri="{FF2B5EF4-FFF2-40B4-BE49-F238E27FC236}">
+                  <a16:creationId xmlns:a16="http://schemas.microsoft.com/office/drawing/2014/main" id="{14FF0578-E224-4225-8396-B99D4881FF8F}"/>
+                </a:ext>
+                <a:ext uri="{C183D7F6-B498-43B3-948B-1728B52AA6E4}">
+                  <adec:decorative xmlns:adec="http://schemas.microsoft.com/office/drawing/2017/decorative" val="1"/>
+                </a:ext>
+              </a:extLst>
+            </p:cNvPr>
+            <p:cNvSpPr/>
+            <p:nvPr>
+              <p:extLst>
+                <p:ext uri="{386F3935-93C4-4BCD-93E2-E3B085C9AB24}">
+                  <p16:designElem xmlns:p16="http://schemas.microsoft.com/office/powerpoint/2015/main" val="1"/>
+                </p:ext>
+              </p:extLst>
+            </p:nvPr>
+          </p:nvSpPr>
+          <p:spPr>
+            <a:xfrm>
+              <a:off x="9603442" y="-8467"/>
+              <a:ext cx="2588558" cy="6866467"/>
+            </a:xfrm>
+            <a:custGeom>
+              <a:avLst/>
+              <a:gdLst/>
+              <a:ahLst/>
+              <a:cxnLst/>
+              <a:rect l="l" t="t" r="r" b="b"/>
+              <a:pathLst>
+                <a:path w="2573311" h="6866467">
+                  <a:moveTo>
+                    <a:pt x="0" y="0"/>
+                  </a:moveTo>
+                  <a:lnTo>
+                    <a:pt x="2573311" y="0"/>
+                  </a:lnTo>
+                  <a:lnTo>
+                    <a:pt x="2573311" y="6866467"/>
+                  </a:lnTo>
+                  <a:lnTo>
+                    <a:pt x="1202336" y="6866467"/>
+                  </a:lnTo>
+                  <a:lnTo>
+                    <a:pt x="0" y="0"/>
+                  </a:lnTo>
+                  <a:close/>
+                </a:path>
+              </a:pathLst>
+            </a:custGeom>
+            <a:solidFill>
+              <a:schemeClr val="accent1">
+                <a:alpha val="20000"/>
+              </a:schemeClr>
+            </a:solidFill>
+            <a:ln>
+              <a:noFill/>
+            </a:ln>
+            <a:effectLst/>
+          </p:spPr>
+          <p:style>
+            <a:lnRef idx="1">
+              <a:schemeClr val="accent1"/>
+            </a:lnRef>
+            <a:fillRef idx="3">
+              <a:schemeClr val="accent1"/>
+            </a:fillRef>
+            <a:effectRef idx="2">
+              <a:schemeClr val="accent1"/>
+            </a:effectRef>
+            <a:fontRef idx="minor">
+              <a:schemeClr val="lt1"/>
+            </a:fontRef>
+          </p:style>
+        </p:sp>
+        <p:sp>
+          <p:nvSpPr>
+            <p:cNvPr id="16" name="Isosceles Triangle 15">
+              <a:extLst>
+                <a:ext uri="{FF2B5EF4-FFF2-40B4-BE49-F238E27FC236}">
+                  <a16:creationId xmlns:a16="http://schemas.microsoft.com/office/drawing/2014/main" id="{4642C0E0-9644-41F1-8CF3-33779AA8A3F8}"/>
+                </a:ext>
+                <a:ext uri="{C183D7F6-B498-43B3-948B-1728B52AA6E4}">
+                  <adec:decorative xmlns:adec="http://schemas.microsoft.com/office/drawing/2017/decorative" val="1"/>
+                </a:ext>
+              </a:extLst>
+            </p:cNvPr>
+            <p:cNvSpPr/>
+            <p:nvPr>
+              <p:extLst>
+                <p:ext uri="{386F3935-93C4-4BCD-93E2-E3B085C9AB24}">
+                  <p16:designElem xmlns:p16="http://schemas.microsoft.com/office/powerpoint/2015/main" val="1"/>
+                </p:ext>
+              </p:extLst>
+            </p:nvPr>
+          </p:nvSpPr>
+          <p:spPr>
+            <a:xfrm>
+              <a:off x="8932333" y="3048000"/>
+              <a:ext cx="3259667" cy="3810000"/>
+            </a:xfrm>
+            <a:prstGeom prst="triangle">
+              <a:avLst>
+                <a:gd name="adj" fmla="val 100000"/>
+              </a:avLst>
+            </a:prstGeom>
+            <a:solidFill>
+              <a:schemeClr val="accent1">
+                <a:lumMod val="75000"/>
+                <a:alpha val="66000"/>
+              </a:schemeClr>
+            </a:solidFill>
+            <a:ln>
+              <a:noFill/>
+            </a:ln>
+            <a:effectLst/>
+          </p:spPr>
+          <p:style>
+            <a:lnRef idx="1">
+              <a:schemeClr val="accent1"/>
+            </a:lnRef>
+            <a:fillRef idx="3">
+              <a:schemeClr val="accent1"/>
+            </a:fillRef>
+            <a:effectRef idx="2">
+              <a:schemeClr val="accent1"/>
+            </a:effectRef>
+            <a:fontRef idx="minor">
+              <a:schemeClr val="lt1"/>
+            </a:fontRef>
+          </p:style>
+        </p:sp>
+        <p:sp>
+          <p:nvSpPr>
+            <p:cNvPr id="17" name="Rectangle 27">
+              <a:extLst>
+                <a:ext uri="{FF2B5EF4-FFF2-40B4-BE49-F238E27FC236}">
+                  <a16:creationId xmlns:a16="http://schemas.microsoft.com/office/drawing/2014/main" id="{5F77D9D3-628A-4607-B307-91AAA5603450}"/>
+                </a:ext>
+                <a:ext uri="{C183D7F6-B498-43B3-948B-1728B52AA6E4}">
+                  <adec:decorative xmlns:adec="http://schemas.microsoft.com/office/drawing/2017/decorative" val="1"/>
+                </a:ext>
+              </a:extLst>
+            </p:cNvPr>
+            <p:cNvSpPr/>
+            <p:nvPr>
+              <p:extLst>
+                <p:ext uri="{386F3935-93C4-4BCD-93E2-E3B085C9AB24}">
+                  <p16:designElem xmlns:p16="http://schemas.microsoft.com/office/powerpoint/2015/main" val="1"/>
+                </p:ext>
+              </p:extLst>
+            </p:nvPr>
+          </p:nvSpPr>
+          <p:spPr>
+            <a:xfrm>
+              <a:off x="9334500" y="-8467"/>
+              <a:ext cx="2854326" cy="6866467"/>
+            </a:xfrm>
+            <a:custGeom>
+              <a:avLst/>
+              <a:gdLst/>
+              <a:ahLst/>
+              <a:cxnLst/>
+              <a:rect l="l" t="t" r="r" b="b"/>
+              <a:pathLst>
+                <a:path w="2858013" h="6866467">
+                  <a:moveTo>
+                    <a:pt x="0" y="0"/>
+                  </a:moveTo>
+                  <a:lnTo>
+                    <a:pt x="2858013" y="0"/>
+                  </a:lnTo>
+                  <a:lnTo>
+                    <a:pt x="2858013" y="6866467"/>
+                  </a:lnTo>
+                  <a:lnTo>
+                    <a:pt x="2473942" y="6866467"/>
+                  </a:lnTo>
+                  <a:lnTo>
+                    <a:pt x="0" y="0"/>
+                  </a:lnTo>
+                  <a:close/>
+                </a:path>
+              </a:pathLst>
+            </a:custGeom>
+            <a:solidFill>
+              <a:schemeClr val="accent1">
+                <a:lumMod val="75000"/>
+                <a:alpha val="50000"/>
+              </a:schemeClr>
+            </a:solidFill>
+            <a:ln>
+              <a:noFill/>
+            </a:ln>
+            <a:effectLst/>
+          </p:spPr>
+          <p:style>
+            <a:lnRef idx="1">
+              <a:schemeClr val="accent1"/>
+            </a:lnRef>
+            <a:fillRef idx="3">
+              <a:schemeClr val="accent1"/>
+            </a:fillRef>
+            <a:effectRef idx="2">
+              <a:schemeClr val="accent1"/>
+            </a:effectRef>
+            <a:fontRef idx="minor">
+              <a:schemeClr val="lt1"/>
+            </a:fontRef>
+          </p:style>
+        </p:sp>
+        <p:sp>
+          <p:nvSpPr>
+            <p:cNvPr id="18" name="Rectangle 28">
+              <a:extLst>
+                <a:ext uri="{FF2B5EF4-FFF2-40B4-BE49-F238E27FC236}">
+                  <a16:creationId xmlns:a16="http://schemas.microsoft.com/office/drawing/2014/main" id="{0600759E-C22E-4F3D-8569-0DE8F1D4934F}"/>
+                </a:ext>
+                <a:ext uri="{C183D7F6-B498-43B3-948B-1728B52AA6E4}">
+                  <adec:decorative xmlns:adec="http://schemas.microsoft.com/office/drawing/2017/decorative" val="1"/>
+                </a:ext>
+              </a:extLst>
+            </p:cNvPr>
+            <p:cNvSpPr/>
+            <p:nvPr>
+              <p:extLst>
+                <p:ext uri="{386F3935-93C4-4BCD-93E2-E3B085C9AB24}">
+                  <p16:designElem xmlns:p16="http://schemas.microsoft.com/office/powerpoint/2015/main" val="1"/>
+                </p:ext>
+              </p:extLst>
+            </p:nvPr>
+          </p:nvSpPr>
+          <p:spPr>
+            <a:xfrm>
+              <a:off x="10898730" y="-8467"/>
+              <a:ext cx="1290094" cy="6866467"/>
+            </a:xfrm>
+            <a:custGeom>
+              <a:avLst/>
+              <a:gdLst/>
+              <a:ahLst/>
+              <a:cxnLst/>
+              <a:rect l="l" t="t" r="r" b="b"/>
+              <a:pathLst>
+                <a:path w="1290094" h="6858000">
+                  <a:moveTo>
+                    <a:pt x="1019735" y="0"/>
+                  </a:moveTo>
+                  <a:lnTo>
+                    <a:pt x="1290094" y="0"/>
+                  </a:lnTo>
+                  <a:lnTo>
+                    <a:pt x="1290094" y="6858000"/>
+                  </a:lnTo>
+                  <a:lnTo>
+                    <a:pt x="0" y="6858000"/>
+                  </a:lnTo>
+                  <a:lnTo>
+                    <a:pt x="1019735" y="0"/>
+                  </a:lnTo>
+                  <a:close/>
+                </a:path>
+              </a:pathLst>
+            </a:custGeom>
+            <a:solidFill>
+              <a:schemeClr val="accent2">
+                <a:alpha val="70000"/>
+              </a:schemeClr>
+            </a:solidFill>
+            <a:ln>
+              <a:noFill/>
+            </a:ln>
+            <a:effectLst/>
+          </p:spPr>
+          <p:style>
+            <a:lnRef idx="1">
+              <a:schemeClr val="accent1"/>
+            </a:lnRef>
+            <a:fillRef idx="3">
+              <a:schemeClr val="accent1"/>
+            </a:fillRef>
+            <a:effectRef idx="2">
+              <a:schemeClr val="accent1"/>
+            </a:effectRef>
+            <a:fontRef idx="minor">
+              <a:schemeClr val="lt1"/>
+            </a:fontRef>
+          </p:style>
+        </p:sp>
+        <p:sp>
+          <p:nvSpPr>
+            <p:cNvPr id="19" name="Rectangle 29">
+              <a:extLst>
+                <a:ext uri="{FF2B5EF4-FFF2-40B4-BE49-F238E27FC236}">
+                  <a16:creationId xmlns:a16="http://schemas.microsoft.com/office/drawing/2014/main" id="{9A4E951D-EAB0-4F6B-84AE-B5B25684FD61}"/>
+                </a:ext>
+                <a:ext uri="{C183D7F6-B498-43B3-948B-1728B52AA6E4}">
+                  <adec:decorative xmlns:adec="http://schemas.microsoft.com/office/drawing/2017/decorative" val="1"/>
+                </a:ext>
+              </a:extLst>
+            </p:cNvPr>
+            <p:cNvSpPr/>
+            <p:nvPr>
+              <p:extLst>
+                <p:ext uri="{386F3935-93C4-4BCD-93E2-E3B085C9AB24}">
+                  <p16:designElem xmlns:p16="http://schemas.microsoft.com/office/powerpoint/2015/main" val="1"/>
+                </p:ext>
+              </p:extLst>
+            </p:nvPr>
+          </p:nvSpPr>
+          <p:spPr>
+            <a:xfrm>
+              <a:off x="10938999" y="-8467"/>
+              <a:ext cx="1249825" cy="6866467"/>
+            </a:xfrm>
+            <a:custGeom>
+              <a:avLst/>
+              <a:gdLst/>
+              <a:ahLst/>
+              <a:cxnLst/>
+              <a:rect l="l" t="t" r="r" b="b"/>
+              <a:pathLst>
+                <a:path w="1249825" h="6858000">
+                  <a:moveTo>
+                    <a:pt x="0" y="0"/>
+                  </a:moveTo>
+                  <a:lnTo>
+                    <a:pt x="1249825" y="0"/>
+                  </a:lnTo>
+                  <a:lnTo>
+                    <a:pt x="1249825" y="6858000"/>
+                  </a:lnTo>
+                  <a:lnTo>
+                    <a:pt x="1109382" y="6858000"/>
+                  </a:lnTo>
+                  <a:lnTo>
+                    <a:pt x="0" y="0"/>
+                  </a:lnTo>
+                  <a:close/>
+                </a:path>
+              </a:pathLst>
+            </a:custGeom>
+            <a:solidFill>
+              <a:schemeClr val="accent2">
+                <a:lumMod val="75000"/>
+                <a:alpha val="80000"/>
+              </a:schemeClr>
+            </a:solidFill>
+            <a:ln>
+              <a:noFill/>
+            </a:ln>
+            <a:effectLst/>
+          </p:spPr>
+          <p:style>
+            <a:lnRef idx="1">
+              <a:schemeClr val="accent1"/>
+            </a:lnRef>
+            <a:fillRef idx="3">
+              <a:schemeClr val="accent1"/>
+            </a:fillRef>
+            <a:effectRef idx="2">
+              <a:schemeClr val="accent1"/>
+            </a:effectRef>
+            <a:fontRef idx="minor">
+              <a:schemeClr val="lt1"/>
+            </a:fontRef>
+          </p:style>
+        </p:sp>
+        <p:sp>
+          <p:nvSpPr>
+            <p:cNvPr id="20" name="Isosceles Triangle 19">
+              <a:extLst>
+                <a:ext uri="{FF2B5EF4-FFF2-40B4-BE49-F238E27FC236}">
+                  <a16:creationId xmlns:a16="http://schemas.microsoft.com/office/drawing/2014/main" id="{B953BEA8-1B45-419E-BACD-49DB8888B1DE}"/>
+                </a:ext>
+                <a:ext uri="{C183D7F6-B498-43B3-948B-1728B52AA6E4}">
+                  <adec:decorative xmlns:adec="http://schemas.microsoft.com/office/drawing/2017/decorative" val="1"/>
+                </a:ext>
+              </a:extLst>
+            </p:cNvPr>
+            <p:cNvSpPr/>
+            <p:nvPr>
+              <p:extLst>
+                <p:ext uri="{386F3935-93C4-4BCD-93E2-E3B085C9AB24}">
+                  <p16:designElem xmlns:p16="http://schemas.microsoft.com/office/powerpoint/2015/main" val="1"/>
+                </p:ext>
+              </p:extLst>
+            </p:nvPr>
+          </p:nvSpPr>
+          <p:spPr>
+            <a:xfrm>
+              <a:off x="10371666" y="3589867"/>
+              <a:ext cx="1817159" cy="3268133"/>
+            </a:xfrm>
+            <a:prstGeom prst="triangle">
+              <a:avLst>
+                <a:gd name="adj" fmla="val 100000"/>
+              </a:avLst>
+            </a:prstGeom>
+            <a:solidFill>
+              <a:schemeClr val="accent1">
+                <a:lumMod val="75000"/>
+                <a:alpha val="66000"/>
+              </a:schemeClr>
+            </a:solidFill>
+            <a:ln>
+              <a:noFill/>
+            </a:ln>
+            <a:effectLst/>
+          </p:spPr>
+          <p:style>
+            <a:lnRef idx="1">
+              <a:schemeClr val="accent1"/>
+            </a:lnRef>
+            <a:fillRef idx="3">
+              <a:schemeClr val="accent1"/>
+            </a:fillRef>
+            <a:effectRef idx="2">
+              <a:schemeClr val="accent1"/>
+            </a:effectRef>
+            <a:fontRef idx="minor">
+              <a:schemeClr val="lt1"/>
+            </a:fontRef>
+          </p:style>
+        </p:sp>
+        <p:sp>
+          <p:nvSpPr>
+            <p:cNvPr id="21" name="Isosceles Triangle 20">
+              <a:extLst>
+                <a:ext uri="{FF2B5EF4-FFF2-40B4-BE49-F238E27FC236}">
+                  <a16:creationId xmlns:a16="http://schemas.microsoft.com/office/drawing/2014/main" id="{72B7FA08-1FF3-4AED-B4E9-587D81D6B1B9}"/>
+                </a:ext>
+                <a:ext uri="{C183D7F6-B498-43B3-948B-1728B52AA6E4}">
+                  <adec:decorative xmlns:adec="http://schemas.microsoft.com/office/drawing/2017/decorative" val="1"/>
+                </a:ext>
+              </a:extLst>
+            </p:cNvPr>
+            <p:cNvSpPr/>
+            <p:nvPr>
+              <p:extLst>
+                <p:ext uri="{386F3935-93C4-4BCD-93E2-E3B085C9AB24}">
+                  <p16:designElem xmlns:p16="http://schemas.microsoft.com/office/powerpoint/2015/main" val="1"/>
+                </p:ext>
+              </p:extLst>
+            </p:nvPr>
+          </p:nvSpPr>
+          <p:spPr>
+            <a:xfrm>
+              <a:off x="0" y="4013200"/>
+              <a:ext cx="448733" cy="2844800"/>
+            </a:xfrm>
+            <a:prstGeom prst="triangle">
+              <a:avLst>
+                <a:gd name="adj" fmla="val 0"/>
+              </a:avLst>
+            </a:prstGeom>
+            <a:solidFill>
+              <a:schemeClr val="accent1">
+                <a:alpha val="70000"/>
+              </a:schemeClr>
+            </a:solidFill>
+            <a:ln>
+              <a:noFill/>
+            </a:ln>
+            <a:effectLst/>
+          </p:spPr>
+          <p:style>
+            <a:lnRef idx="1">
+              <a:schemeClr val="accent1"/>
+            </a:lnRef>
+            <a:fillRef idx="3">
+              <a:schemeClr val="accent1"/>
+            </a:fillRef>
+            <a:effectRef idx="2">
+              <a:schemeClr val="accent1"/>
+            </a:effectRef>
+            <a:fontRef idx="minor">
+              <a:schemeClr val="lt1"/>
+            </a:fontRef>
+          </p:style>
+        </p:sp>
+      </p:grpSp>
+      <p:sp>
+        <p:nvSpPr>
+          <p:cNvPr id="3" name="Content Placeholder 2">
+            <a:extLst>
+              <a:ext uri="{FF2B5EF4-FFF2-40B4-BE49-F238E27FC236}">
+                <a16:creationId xmlns:a16="http://schemas.microsoft.com/office/drawing/2014/main" id="{4E45F674-D62E-4D49-93B5-7882550929A6}"/>
+              </a:ext>
+            </a:extLst>
+          </p:cNvPr>
+          <p:cNvSpPr>
+            <a:spLocks noGrp="1"/>
+          </p:cNvSpPr>
+          <p:nvPr>
+            <p:ph idx="1"/>
+          </p:nvPr>
+        </p:nvSpPr>
+        <p:spPr>
+          <a:xfrm>
+            <a:off x="677334" y="1067201"/>
+            <a:ext cx="10635100" cy="4974161"/>
+          </a:xfrm>
+        </p:spPr>
+        <p:txBody>
+          <a:bodyPr>
+            <a:normAutofit/>
+          </a:bodyPr>
+          <a:lstStyle/>
+          <a:p>
+            <a:pPr marL="0" indent="0">
+              <a:buNone/>
+            </a:pPr>
+            <a:r>
+              <a:rPr lang="en-CA" sz="6000" dirty="0"/>
+              <a:t>French PowerShell User Group</a:t>
+            </a:r>
+          </a:p>
+          <a:p>
+            <a:pPr marL="0" indent="0">
+              <a:buNone/>
+            </a:pPr>
+            <a:endParaRPr lang="en-CA" sz="3200" dirty="0"/>
+          </a:p>
+          <a:p>
+            <a:pPr marL="0" indent="0">
+              <a:buNone/>
+            </a:pPr>
+            <a:r>
+              <a:rPr lang="en-CA" sz="3200" u="sng" dirty="0"/>
+              <a:t>Call for speakers</a:t>
+            </a:r>
+            <a:r>
+              <a:rPr lang="en-CA" sz="3200" dirty="0"/>
+              <a:t>: http://bit.ly/2R1pDiB</a:t>
+            </a:r>
+          </a:p>
+          <a:p>
+            <a:pPr marL="0" indent="0">
+              <a:buNone/>
+            </a:pPr>
+            <a:r>
+              <a:rPr lang="en-CA" sz="3200" u="sng" dirty="0"/>
+              <a:t>Chat</a:t>
+            </a:r>
+            <a:r>
+              <a:rPr lang="en-CA" sz="3200" dirty="0"/>
+              <a:t>: #French (</a:t>
+            </a:r>
+            <a:r>
+              <a:rPr lang="en-CA" sz="3200" dirty="0" err="1"/>
+              <a:t>voir</a:t>
+            </a:r>
+            <a:r>
+              <a:rPr lang="en-CA" sz="3200" dirty="0"/>
+              <a:t> https://frpsug.github.io/slack/)</a:t>
+            </a:r>
+          </a:p>
+          <a:p>
+            <a:pPr marL="0" indent="0">
+              <a:buNone/>
+            </a:pPr>
+            <a:endParaRPr lang="en-CA" sz="3200" dirty="0"/>
+          </a:p>
+          <a:p>
+            <a:pPr marL="0" indent="0">
+              <a:buNone/>
+            </a:pPr>
+            <a:endParaRPr lang="en-CA" sz="3200" dirty="0"/>
+          </a:p>
+        </p:txBody>
+      </p:sp>
+      <p:pic>
+        <p:nvPicPr>
+          <p:cNvPr id="4" name="Picture 17">
+            <a:extLst>
+              <a:ext uri="{FF2B5EF4-FFF2-40B4-BE49-F238E27FC236}">
+                <a16:creationId xmlns:a16="http://schemas.microsoft.com/office/drawing/2014/main" id="{93D4CE19-6913-4097-B4CF-769090A90CF6}"/>
+              </a:ext>
+            </a:extLst>
+          </p:cNvPr>
+          <p:cNvPicPr>
+            <a:picLocks noChangeAspect="1"/>
+          </p:cNvPicPr>
+          <p:nvPr/>
+        </p:nvPicPr>
+        <p:blipFill>
+          <a:blip r:embed="rId3"/>
+          <a:stretch>
+            <a:fillRect/>
+          </a:stretch>
+        </p:blipFill>
+        <p:spPr>
+          <a:xfrm>
+            <a:off x="11195182" y="70582"/>
+            <a:ext cx="905073" cy="905073"/>
+          </a:xfrm>
+          <a:prstGeom prst="rect">
+            <a:avLst/>
+          </a:prstGeom>
+          <a:noFill/>
+          <a:ln cap="flat">
+            <a:noFill/>
+          </a:ln>
+        </p:spPr>
+      </p:pic>
+    </p:spTree>
+    <p:extLst>
+      <p:ext uri="{BB962C8B-B14F-4D97-AF65-F5344CB8AC3E}">
+        <p14:creationId xmlns:p14="http://schemas.microsoft.com/office/powerpoint/2010/main" val="3618554769"/>
+      </p:ext>
+    </p:extLst>
+  </p:cSld>
+  <p:clrMapOvr>
+    <a:overrideClrMapping bg1="dk1" tx1="lt1" bg2="dk2" tx2="lt2" accent1="accent1" accent2="accent2" accent3="accent3" accent4="accent4" accent5="accent5" accent6="accent6" hlink="hlink" folHlink="folHlink"/>
   </p:clrMapOvr>
 </p:sld>
 </file>
